--- a/slide.pptx
+++ b/slide.pptx
@@ -8,11 +8,12 @@
     <p:sldId id="256" r:id="rId2"/>
     <p:sldId id="262" r:id="rId3"/>
     <p:sldId id="257" r:id="rId4"/>
-    <p:sldId id="258" r:id="rId5"/>
-    <p:sldId id="263" r:id="rId6"/>
-    <p:sldId id="259" r:id="rId7"/>
-    <p:sldId id="260" r:id="rId8"/>
-    <p:sldId id="261" r:id="rId9"/>
+    <p:sldId id="263" r:id="rId5"/>
+    <p:sldId id="258" r:id="rId6"/>
+    <p:sldId id="265" r:id="rId7"/>
+    <p:sldId id="259" r:id="rId8"/>
+    <p:sldId id="260" r:id="rId9"/>
+    <p:sldId id="261" r:id="rId10"/>
   </p:sldIdLst>
   <p:sldSz cx="12192000" cy="6858000"/>
   <p:notesSz cx="6858000" cy="9144000"/>
@@ -111,6 +112,11 @@
       </a:defRPr>
     </a:lvl9pPr>
   </p:defaultTextStyle>
+  <p:extLst>
+    <p:ext uri="{EFAFB233-063F-42B5-8137-9DF3F51BA10A}">
+      <p15:sldGuideLst xmlns:p15="http://schemas.microsoft.com/office/powerpoint/2012/main"/>
+    </p:ext>
+  </p:extLst>
 </p:presentation>
 </file>
 
@@ -261,7 +267,7 @@
           <a:p>
             <a:fld id="{12C64D1D-CE79-44D9-A3BD-F3476E363360}" type="datetimeFigureOut">
               <a:rPr lang="it-IT" smtClean="0"/>
-              <a:t>02/06/2025</a:t>
+              <a:t>03/06/2025</a:t>
             </a:fld>
             <a:endParaRPr lang="it-IT"/>
           </a:p>
@@ -459,7 +465,7 @@
           <a:p>
             <a:fld id="{12C64D1D-CE79-44D9-A3BD-F3476E363360}" type="datetimeFigureOut">
               <a:rPr lang="it-IT" smtClean="0"/>
-              <a:t>02/06/2025</a:t>
+              <a:t>03/06/2025</a:t>
             </a:fld>
             <a:endParaRPr lang="it-IT"/>
           </a:p>
@@ -667,7 +673,7 @@
           <a:p>
             <a:fld id="{12C64D1D-CE79-44D9-A3BD-F3476E363360}" type="datetimeFigureOut">
               <a:rPr lang="it-IT" smtClean="0"/>
-              <a:t>02/06/2025</a:t>
+              <a:t>03/06/2025</a:t>
             </a:fld>
             <a:endParaRPr lang="it-IT"/>
           </a:p>
@@ -865,7 +871,7 @@
           <a:p>
             <a:fld id="{12C64D1D-CE79-44D9-A3BD-F3476E363360}" type="datetimeFigureOut">
               <a:rPr lang="it-IT" smtClean="0"/>
-              <a:t>02/06/2025</a:t>
+              <a:t>03/06/2025</a:t>
             </a:fld>
             <a:endParaRPr lang="it-IT"/>
           </a:p>
@@ -1140,7 +1146,7 @@
           <a:p>
             <a:fld id="{12C64D1D-CE79-44D9-A3BD-F3476E363360}" type="datetimeFigureOut">
               <a:rPr lang="it-IT" smtClean="0"/>
-              <a:t>02/06/2025</a:t>
+              <a:t>03/06/2025</a:t>
             </a:fld>
             <a:endParaRPr lang="it-IT"/>
           </a:p>
@@ -1405,7 +1411,7 @@
           <a:p>
             <a:fld id="{12C64D1D-CE79-44D9-A3BD-F3476E363360}" type="datetimeFigureOut">
               <a:rPr lang="it-IT" smtClean="0"/>
-              <a:t>02/06/2025</a:t>
+              <a:t>03/06/2025</a:t>
             </a:fld>
             <a:endParaRPr lang="it-IT"/>
           </a:p>
@@ -1817,7 +1823,7 @@
           <a:p>
             <a:fld id="{12C64D1D-CE79-44D9-A3BD-F3476E363360}" type="datetimeFigureOut">
               <a:rPr lang="it-IT" smtClean="0"/>
-              <a:t>02/06/2025</a:t>
+              <a:t>03/06/2025</a:t>
             </a:fld>
             <a:endParaRPr lang="it-IT"/>
           </a:p>
@@ -1958,7 +1964,7 @@
           <a:p>
             <a:fld id="{12C64D1D-CE79-44D9-A3BD-F3476E363360}" type="datetimeFigureOut">
               <a:rPr lang="it-IT" smtClean="0"/>
-              <a:t>02/06/2025</a:t>
+              <a:t>03/06/2025</a:t>
             </a:fld>
             <a:endParaRPr lang="it-IT"/>
           </a:p>
@@ -2071,7 +2077,7 @@
           <a:p>
             <a:fld id="{12C64D1D-CE79-44D9-A3BD-F3476E363360}" type="datetimeFigureOut">
               <a:rPr lang="it-IT" smtClean="0"/>
-              <a:t>02/06/2025</a:t>
+              <a:t>03/06/2025</a:t>
             </a:fld>
             <a:endParaRPr lang="it-IT"/>
           </a:p>
@@ -2382,7 +2388,7 @@
           <a:p>
             <a:fld id="{12C64D1D-CE79-44D9-A3BD-F3476E363360}" type="datetimeFigureOut">
               <a:rPr lang="it-IT" smtClean="0"/>
-              <a:t>02/06/2025</a:t>
+              <a:t>03/06/2025</a:t>
             </a:fld>
             <a:endParaRPr lang="it-IT"/>
           </a:p>
@@ -2670,7 +2676,7 @@
           <a:p>
             <a:fld id="{12C64D1D-CE79-44D9-A3BD-F3476E363360}" type="datetimeFigureOut">
               <a:rPr lang="it-IT" smtClean="0"/>
-              <a:t>02/06/2025</a:t>
+              <a:t>03/06/2025</a:t>
             </a:fld>
             <a:endParaRPr lang="it-IT"/>
           </a:p>
@@ -2911,7 +2917,7 @@
           <a:p>
             <a:fld id="{12C64D1D-CE79-44D9-A3BD-F3476E363360}" type="datetimeFigureOut">
               <a:rPr lang="it-IT" smtClean="0"/>
-              <a:t>02/06/2025</a:t>
+              <a:t>03/06/2025</a:t>
             </a:fld>
             <a:endParaRPr lang="it-IT"/>
           </a:p>
@@ -4485,8 +4491,8 @@
           <a:lstStyle/>
           <a:p>
             <a:r>
-              <a:rPr lang="it-IT" sz="4800"/>
-              <a:t>Criteri adottati: metodologia di lavori</a:t>
+              <a:rPr lang="it-IT" sz="4800" dirty="0"/>
+              <a:t>Criteri adottati: metodologia di lavoro</a:t>
             </a:r>
           </a:p>
         </p:txBody>
@@ -4524,7 +4530,23 @@
             </a:pPr>
             <a:r>
               <a:rPr lang="it-IT" sz="2400" dirty="0"/>
-              <a:t>Abbiamo utilizzato la metodologia agile bla bla</a:t>
+              <a:t>Abbiamo utilizzato la metodologia agile con lo sviluppo incrementale. Ogni iterazione produceva una versione aggiornata del software. Il progetto è stato diviso in due parti, la parte </a:t>
+            </a:r>
+            <a:r>
+              <a:rPr lang="it-IT" sz="2400" dirty="0" err="1"/>
+              <a:t>backend</a:t>
+            </a:r>
+            <a:r>
+              <a:rPr lang="it-IT" sz="2400" dirty="0"/>
+              <a:t> e </a:t>
+            </a:r>
+            <a:r>
+              <a:rPr lang="it-IT" sz="2400" dirty="0" err="1"/>
+              <a:t>frontend</a:t>
+            </a:r>
+            <a:r>
+              <a:rPr lang="it-IT" sz="2400" dirty="0"/>
+              <a:t>.</a:t>
             </a:r>
           </a:p>
         </p:txBody>
@@ -5603,7 +5625,7 @@
           <p:cNvPr id="2" name="Titolo 1">
             <a:extLst>
               <a:ext uri="{FF2B5EF4-FFF2-40B4-BE49-F238E27FC236}">
-                <a16:creationId xmlns:a16="http://schemas.microsoft.com/office/drawing/2014/main" id="{61CE6013-0DA6-53F8-DF57-A28CA83A910E}"/>
+                <a16:creationId xmlns:a16="http://schemas.microsoft.com/office/drawing/2014/main" id="{49933CDA-0A0B-D7B1-DE3B-12772F20A112}"/>
               </a:ext>
             </a:extLst>
           </p:cNvPr>
@@ -5638,7 +5660,7 @@
           <p:cNvPr id="3" name="Segnaposto contenuto 2">
             <a:extLst>
               <a:ext uri="{FF2B5EF4-FFF2-40B4-BE49-F238E27FC236}">
-                <a16:creationId xmlns:a16="http://schemas.microsoft.com/office/drawing/2014/main" id="{A30E53CF-F10A-0D2C-50A1-34D9679B4CC1}"/>
+                <a16:creationId xmlns:a16="http://schemas.microsoft.com/office/drawing/2014/main" id="{EB975195-F413-CE9C-28B2-715C2515F670}"/>
               </a:ext>
             </a:extLst>
           </p:cNvPr>
@@ -5661,21 +5683,20 @@
           </a:bodyPr>
           <a:lstStyle/>
           <a:p>
-            <a:r>
-              <a:rPr lang="it-IT" sz="2400"/>
-              <a:t>Frontend: si possono aggiungere robe alle pagine</a:t>
-            </a:r>
-          </a:p>
-          <a:p>
-            <a:r>
-              <a:rPr lang="it-IT" sz="2400"/>
-              <a:t>Backend: accessibile dai medici che possono anche creare domande nuove e pagine nuove ecc</a:t>
-            </a:r>
-          </a:p>
-          <a:p>
-            <a:r>
-              <a:rPr lang="it-IT" sz="2400"/>
-              <a:t>Plugin: bla bla</a:t>
+            <a:pPr marL="0" indent="0">
+              <a:buNone/>
+            </a:pPr>
+            <a:r>
+              <a:rPr lang="it-IT" sz="2400" dirty="0"/>
+              <a:t>Le pagine si dividono in pagine principali e sotto-pagine. Le pagine principali sono quelle direttamente visibili dalla </a:t>
+            </a:r>
+            <a:r>
+              <a:rPr lang="it-IT" sz="2400" dirty="0" err="1"/>
+              <a:t>navbar</a:t>
+            </a:r>
+            <a:r>
+              <a:rPr lang="it-IT" sz="2400" dirty="0"/>
+              <a:t>, le sotto pagine sono presenti nei menu a tendina (es pagine delle infezioni)</a:t>
             </a:r>
           </a:p>
         </p:txBody>
@@ -5735,7 +5756,7 @@
     </p:spTree>
     <p:extLst>
       <p:ext uri="{BB962C8B-B14F-4D97-AF65-F5344CB8AC3E}">
-        <p14:creationId xmlns:p14="http://schemas.microsoft.com/office/powerpoint/2010/main" val="3207064771"/>
+        <p14:creationId xmlns:p14="http://schemas.microsoft.com/office/powerpoint/2010/main" val="2288778211"/>
       </p:ext>
     </p:extLst>
   </p:cSld>
@@ -6117,7 +6138,7 @@
           <p:cNvPr id="2" name="Titolo 1">
             <a:extLst>
               <a:ext uri="{FF2B5EF4-FFF2-40B4-BE49-F238E27FC236}">
-                <a16:creationId xmlns:a16="http://schemas.microsoft.com/office/drawing/2014/main" id="{49933CDA-0A0B-D7B1-DE3B-12772F20A112}"/>
+                <a16:creationId xmlns:a16="http://schemas.microsoft.com/office/drawing/2014/main" id="{61CE6013-0DA6-53F8-DF57-A28CA83A910E}"/>
               </a:ext>
             </a:extLst>
           </p:cNvPr>
@@ -6141,9 +6162,14 @@
           <a:lstStyle/>
           <a:p>
             <a:r>
-              <a:rPr lang="it-IT" sz="4800"/>
-              <a:t>Organizzazione di DjangoCMS</a:t>
-            </a:r>
+              <a:rPr lang="it-IT" sz="4800" dirty="0"/>
+              <a:t>Organizzazione di </a:t>
+            </a:r>
+            <a:r>
+              <a:rPr lang="it-IT" sz="4800" dirty="0" err="1"/>
+              <a:t>DjangoCMS</a:t>
+            </a:r>
+            <a:endParaRPr lang="it-IT" sz="4800" dirty="0"/>
           </a:p>
         </p:txBody>
       </p:sp>
@@ -6152,7 +6178,7 @@
           <p:cNvPr id="3" name="Segnaposto contenuto 2">
             <a:extLst>
               <a:ext uri="{FF2B5EF4-FFF2-40B4-BE49-F238E27FC236}">
-                <a16:creationId xmlns:a16="http://schemas.microsoft.com/office/drawing/2014/main" id="{EB975195-F413-CE9C-28B2-715C2515F670}"/>
+                <a16:creationId xmlns:a16="http://schemas.microsoft.com/office/drawing/2014/main" id="{A30E53CF-F10A-0D2C-50A1-34D9679B4CC1}"/>
               </a:ext>
             </a:extLst>
           </p:cNvPr>
@@ -6175,12 +6201,37 @@
           </a:bodyPr>
           <a:lstStyle/>
           <a:p>
-            <a:pPr marL="0" indent="0">
-              <a:buNone/>
-            </a:pPr>
-            <a:r>
-              <a:rPr lang="it-IT" sz="2400"/>
-              <a:t>Le pagine si dividono in pagine principali e sotto-pagine. Le pagine principali sono quelle direttamente visibili dalla navbar, le sotto pagine sono presenti nei menu a tendina</a:t>
+            <a:r>
+              <a:rPr lang="it-IT" sz="2400" dirty="0" err="1"/>
+              <a:t>Frontend</a:t>
+            </a:r>
+            <a:r>
+              <a:rPr lang="it-IT" sz="2400" dirty="0"/>
+              <a:t>: è possibile modificare facilmente le pagine esistenti in quanto per la loro creazione sono stai usati i component drag and drop di </a:t>
+            </a:r>
+            <a:r>
+              <a:rPr lang="it-IT" sz="2400" dirty="0" err="1"/>
+              <a:t>DjangoCMS</a:t>
+            </a:r>
+            <a:r>
+              <a:rPr lang="it-IT" sz="2400" dirty="0"/>
+              <a:t> </a:t>
+            </a:r>
+          </a:p>
+          <a:p>
+            <a:r>
+              <a:rPr lang="it-IT" sz="2400" dirty="0" err="1"/>
+              <a:t>Backend</a:t>
+            </a:r>
+            <a:r>
+              <a:rPr lang="it-IT" sz="2400" dirty="0"/>
+              <a:t>: dopo aver effettuato l’accesso, i medici possono gestire la base di dati delle domande dalla pagina admin e creare nuove pagine</a:t>
+            </a:r>
+          </a:p>
+          <a:p>
+            <a:r>
+              <a:rPr lang="it-IT" sz="2400" dirty="0"/>
+              <a:t>Plugin: bla bla</a:t>
             </a:r>
           </a:p>
         </p:txBody>
@@ -6240,7 +6291,7 @@
     </p:spTree>
     <p:extLst>
       <p:ext uri="{BB962C8B-B14F-4D97-AF65-F5344CB8AC3E}">
-        <p14:creationId xmlns:p14="http://schemas.microsoft.com/office/powerpoint/2010/main" val="2288778211"/>
+        <p14:creationId xmlns:p14="http://schemas.microsoft.com/office/powerpoint/2010/main" val="3207064771"/>
       </p:ext>
     </p:extLst>
   </p:cSld>
@@ -6263,7 +6314,13 @@
     </p:bg>
     <p:spTree>
       <p:nvGrpSpPr>
-        <p:cNvPr id="1" name=""/>
+        <p:cNvPr id="1" name="">
+          <a:extLst>
+            <a:ext uri="{FF2B5EF4-FFF2-40B4-BE49-F238E27FC236}">
+              <a16:creationId xmlns:a16="http://schemas.microsoft.com/office/drawing/2014/main" id="{6CB55ED4-9078-F8DE-DA2D-015E140980E4}"/>
+            </a:ext>
+          </a:extLst>
+        </p:cNvPr>
         <p:cNvGrpSpPr/>
         <p:nvPr/>
       </p:nvGrpSpPr>
@@ -6622,7 +6679,7 @@
           <p:cNvPr id="2" name="Titolo 1">
             <a:extLst>
               <a:ext uri="{FF2B5EF4-FFF2-40B4-BE49-F238E27FC236}">
-                <a16:creationId xmlns:a16="http://schemas.microsoft.com/office/drawing/2014/main" id="{E068AADB-991F-9F46-2385-CD43AA0B9521}"/>
+                <a16:creationId xmlns:a16="http://schemas.microsoft.com/office/drawing/2014/main" id="{C3653D14-CC71-5127-CBFC-719C00CFFB17}"/>
               </a:ext>
             </a:extLst>
           </p:cNvPr>
@@ -6646,9 +6703,14 @@
           <a:lstStyle/>
           <a:p>
             <a:r>
+              <a:rPr lang="it-IT" sz="4800" dirty="0"/>
+              <a:t>Organizzazione di </a:t>
+            </a:r>
+            <a:r>
               <a:rPr lang="it-IT" sz="4800"/>
-              <a:t>Plugin test</a:t>
-            </a:r>
+              <a:t>DjangoCMS</a:t>
+            </a:r>
+            <a:endParaRPr lang="it-IT" sz="4800" dirty="0"/>
           </a:p>
         </p:txBody>
       </p:sp>
@@ -6657,7 +6719,7 @@
           <p:cNvPr id="3" name="Segnaposto contenuto 2">
             <a:extLst>
               <a:ext uri="{FF2B5EF4-FFF2-40B4-BE49-F238E27FC236}">
-                <a16:creationId xmlns:a16="http://schemas.microsoft.com/office/drawing/2014/main" id="{0B6FAA6E-54E7-3668-A82D-3F5C40E2E09B}"/>
+                <a16:creationId xmlns:a16="http://schemas.microsoft.com/office/drawing/2014/main" id="{A9AFD116-0C5E-3CD6-48E9-85374F1D7EF9}"/>
               </a:ext>
             </a:extLst>
           </p:cNvPr>
@@ -6680,7 +6742,10 @@
           </a:bodyPr>
           <a:lstStyle/>
           <a:p>
-            <a:endParaRPr lang="it-IT" sz="2400"/>
+            <a:pPr marL="0" indent="0">
+              <a:buNone/>
+            </a:pPr>
+            <a:endParaRPr lang="it-IT" sz="2400" dirty="0"/>
           </a:p>
         </p:txBody>
       </p:sp>
@@ -6739,7 +6804,7 @@
     </p:spTree>
     <p:extLst>
       <p:ext uri="{BB962C8B-B14F-4D97-AF65-F5344CB8AC3E}">
-        <p14:creationId xmlns:p14="http://schemas.microsoft.com/office/powerpoint/2010/main" val="254740756"/>
+        <p14:creationId xmlns:p14="http://schemas.microsoft.com/office/powerpoint/2010/main" val="3535389098"/>
       </p:ext>
     </p:extLst>
   </p:cSld>
@@ -7121,7 +7186,7 @@
           <p:cNvPr id="2" name="Titolo 1">
             <a:extLst>
               <a:ext uri="{FF2B5EF4-FFF2-40B4-BE49-F238E27FC236}">
-                <a16:creationId xmlns:a16="http://schemas.microsoft.com/office/drawing/2014/main" id="{CD759EC4-0C26-4CA5-04F8-26089B739C71}"/>
+                <a16:creationId xmlns:a16="http://schemas.microsoft.com/office/drawing/2014/main" id="{E068AADB-991F-9F46-2385-CD43AA0B9521}"/>
               </a:ext>
             </a:extLst>
           </p:cNvPr>
@@ -7146,7 +7211,7 @@
           <a:p>
             <a:r>
               <a:rPr lang="it-IT" sz="4800"/>
-              <a:t>Accessibilità: strumenti</a:t>
+              <a:t>Plugin test</a:t>
             </a:r>
           </a:p>
         </p:txBody>
@@ -7156,7 +7221,7 @@
           <p:cNvPr id="3" name="Segnaposto contenuto 2">
             <a:extLst>
               <a:ext uri="{FF2B5EF4-FFF2-40B4-BE49-F238E27FC236}">
-                <a16:creationId xmlns:a16="http://schemas.microsoft.com/office/drawing/2014/main" id="{4ED99926-0EBC-BE19-7E53-897FD768EEC1}"/>
+                <a16:creationId xmlns:a16="http://schemas.microsoft.com/office/drawing/2014/main" id="{0B6FAA6E-54E7-3668-A82D-3F5C40E2E09B}"/>
               </a:ext>
             </a:extLst>
           </p:cNvPr>
@@ -7179,51 +7244,550 @@
           </a:bodyPr>
           <a:lstStyle/>
           <a:p>
+            <a:endParaRPr lang="it-IT" sz="2400"/>
+          </a:p>
+        </p:txBody>
+      </p:sp>
+      <p:cxnSp>
+        <p:nvCxnSpPr>
+          <p:cNvPr id="17" name="Straight Connector 16">
+            <a:extLst>
+              <a:ext uri="{FF2B5EF4-FFF2-40B4-BE49-F238E27FC236}">
+                <a16:creationId xmlns:a16="http://schemas.microsoft.com/office/drawing/2014/main" id="{6CF1BAF6-AD41-4082-B212-8A1F9A2E8779}"/>
+              </a:ext>
+              <a:ext uri="{C183D7F6-B498-43B3-948B-1728B52AA6E4}">
+                <adec:decorative xmlns:adec="http://schemas.microsoft.com/office/drawing/2017/decorative" val="1"/>
+              </a:ext>
+            </a:extLst>
+          </p:cNvPr>
+          <p:cNvCxnSpPr>
+            <a:cxnSpLocks noGrp="1" noRot="1" noChangeAspect="1" noMove="1" noResize="1" noEditPoints="1" noAdjustHandles="1" noChangeArrowheads="1" noChangeShapeType="1"/>
+          </p:cNvCxnSpPr>
+          <p:nvPr>
+            <p:extLst>
+              <p:ext uri="{386F3935-93C4-4BCD-93E2-E3B085C9AB24}">
+                <p16:designElem xmlns:p16="http://schemas.microsoft.com/office/powerpoint/2015/main" val="1"/>
+              </p:ext>
+            </p:extLst>
+          </p:nvPr>
+        </p:nvCxnSpPr>
+        <p:spPr>
+          <a:xfrm flipH="1">
+            <a:off x="838200" y="6485313"/>
+            <a:ext cx="10515600" cy="0"/>
+          </a:xfrm>
+          <a:prstGeom prst="line">
+            <a:avLst/>
+          </a:prstGeom>
+          <a:ln w="57150">
+            <a:solidFill>
+              <a:schemeClr val="accent4"/>
+            </a:solidFill>
+          </a:ln>
+        </p:spPr>
+        <p:style>
+          <a:lnRef idx="1">
+            <a:schemeClr val="accent1"/>
+          </a:lnRef>
+          <a:fillRef idx="0">
+            <a:schemeClr val="accent1"/>
+          </a:fillRef>
+          <a:effectRef idx="0">
+            <a:schemeClr val="accent1"/>
+          </a:effectRef>
+          <a:fontRef idx="minor">
+            <a:schemeClr val="tx1"/>
+          </a:fontRef>
+        </p:style>
+      </p:cxnSp>
+    </p:spTree>
+    <p:extLst>
+      <p:ext uri="{BB962C8B-B14F-4D97-AF65-F5344CB8AC3E}">
+        <p14:creationId xmlns:p14="http://schemas.microsoft.com/office/powerpoint/2010/main" val="254740756"/>
+      </p:ext>
+    </p:extLst>
+  </p:cSld>
+  <p:clrMapOvr>
+    <a:masterClrMapping/>
+  </p:clrMapOvr>
+</p:sld>
+</file>
+
+<file path=ppt/slides/slide8.xml><?xml version="1.0" encoding="utf-8"?>
+<p:sld xmlns:a="http://schemas.openxmlformats.org/drawingml/2006/main" xmlns:r="http://schemas.openxmlformats.org/officeDocument/2006/relationships" xmlns:p="http://schemas.openxmlformats.org/presentationml/2006/main">
+  <p:cSld>
+    <p:bg>
+      <p:bgPr>
+        <a:solidFill>
+          <a:schemeClr val="bg1"/>
+        </a:solidFill>
+        <a:effectLst/>
+      </p:bgPr>
+    </p:bg>
+    <p:spTree>
+      <p:nvGrpSpPr>
+        <p:cNvPr id="1" name=""/>
+        <p:cNvGrpSpPr/>
+        <p:nvPr/>
+      </p:nvGrpSpPr>
+      <p:grpSpPr>
+        <a:xfrm>
+          <a:off x="0" y="0"/>
+          <a:ext cx="0" cy="0"/>
+          <a:chOff x="0" y="0"/>
+          <a:chExt cx="0" cy="0"/>
+        </a:xfrm>
+      </p:grpSpPr>
+      <p:sp useBgFill="1">
+        <p:nvSpPr>
+          <p:cNvPr id="8" name="Rectangle 7">
+            <a:extLst>
+              <a:ext uri="{FF2B5EF4-FFF2-40B4-BE49-F238E27FC236}">
+                <a16:creationId xmlns:a16="http://schemas.microsoft.com/office/drawing/2014/main" id="{B6CDA21F-E7AF-4C75-8395-33F58D5B0E45}"/>
+              </a:ext>
+              <a:ext uri="{C183D7F6-B498-43B3-948B-1728B52AA6E4}">
+                <adec:decorative xmlns:adec="http://schemas.microsoft.com/office/drawing/2017/decorative" val="1"/>
+              </a:ext>
+            </a:extLst>
+          </p:cNvPr>
+          <p:cNvSpPr>
+            <a:spLocks noGrp="1" noRot="1" noChangeAspect="1" noMove="1" noResize="1" noEditPoints="1" noAdjustHandles="1" noChangeArrowheads="1" noChangeShapeType="1" noTextEdit="1"/>
+          </p:cNvSpPr>
+          <p:nvPr>
+            <p:extLst>
+              <p:ext uri="{386F3935-93C4-4BCD-93E2-E3B085C9AB24}">
+                <p16:designElem xmlns:p16="http://schemas.microsoft.com/office/powerpoint/2015/main" val="1"/>
+              </p:ext>
+            </p:extLst>
+          </p:nvPr>
+        </p:nvSpPr>
+        <p:spPr>
+          <a:xfrm>
+            <a:off x="0" y="0"/>
+            <a:ext cx="12191999" cy="6857365"/>
+          </a:xfrm>
+          <a:prstGeom prst="rect">
+            <a:avLst/>
+          </a:prstGeom>
+          <a:ln>
+            <a:noFill/>
+          </a:ln>
+        </p:spPr>
+        <p:style>
+          <a:lnRef idx="2">
+            <a:schemeClr val="accent1">
+              <a:shade val="50000"/>
+            </a:schemeClr>
+          </a:lnRef>
+          <a:fillRef idx="1">
+            <a:schemeClr val="accent1"/>
+          </a:fillRef>
+          <a:effectRef idx="0">
+            <a:schemeClr val="accent1"/>
+          </a:effectRef>
+          <a:fontRef idx="minor">
+            <a:schemeClr val="lt1"/>
+          </a:fontRef>
+        </p:style>
+        <p:txBody>
+          <a:bodyPr rtlCol="0" anchor="ctr"/>
+          <a:lstStyle/>
+          <a:p>
+            <a:pPr algn="ctr"/>
+            <a:endParaRPr lang="en-US"/>
+          </a:p>
+        </p:txBody>
+      </p:sp>
+      <p:grpSp>
+        <p:nvGrpSpPr>
+          <p:cNvPr id="10" name="Group 9">
+            <a:extLst>
+              <a:ext uri="{FF2B5EF4-FFF2-40B4-BE49-F238E27FC236}">
+                <a16:creationId xmlns:a16="http://schemas.microsoft.com/office/drawing/2014/main" id="{AE1C45F0-260A-458C-96ED-C1F6D2151219}"/>
+              </a:ext>
+              <a:ext uri="{C183D7F6-B498-43B3-948B-1728B52AA6E4}">
+                <adec:decorative xmlns:adec="http://schemas.microsoft.com/office/drawing/2017/decorative" val="1"/>
+              </a:ext>
+            </a:extLst>
+          </p:cNvPr>
+          <p:cNvGrpSpPr>
+            <a:grpSpLocks noGrp="1" noUngrp="1" noRot="1" noChangeAspect="1" noMove="1" noResize="1"/>
+          </p:cNvGrpSpPr>
+          <p:nvPr>
+            <p:extLst>
+              <p:ext uri="{386F3935-93C4-4BCD-93E2-E3B085C9AB24}">
+                <p16:designElem xmlns:p16="http://schemas.microsoft.com/office/powerpoint/2015/main" val="1"/>
+              </p:ext>
+            </p:extLst>
+          </p:nvPr>
+        </p:nvGrpSpPr>
+        <p:grpSpPr>
+          <a:xfrm>
+            <a:off x="4" y="1216597"/>
+            <a:ext cx="731521" cy="673460"/>
+            <a:chOff x="3940602" y="308034"/>
+            <a:chExt cx="2116791" cy="3428999"/>
+          </a:xfrm>
+          <a:solidFill>
+            <a:schemeClr val="accent4"/>
+          </a:solidFill>
+        </p:grpSpPr>
+        <p:sp>
+          <p:nvSpPr>
+            <p:cNvPr id="11" name="Rectangle 10">
+              <a:extLst>
+                <a:ext uri="{FF2B5EF4-FFF2-40B4-BE49-F238E27FC236}">
+                  <a16:creationId xmlns:a16="http://schemas.microsoft.com/office/drawing/2014/main" id="{A6604B49-AD5C-4590-B051-06C8222ECD99}"/>
+                </a:ext>
+                <a:ext uri="{C183D7F6-B498-43B3-948B-1728B52AA6E4}">
+                  <adec:decorative xmlns:adec="http://schemas.microsoft.com/office/drawing/2017/decorative" val="1"/>
+                </a:ext>
+              </a:extLst>
+            </p:cNvPr>
+            <p:cNvSpPr/>
+            <p:nvPr>
+              <p:extLst>
+                <p:ext uri="{386F3935-93C4-4BCD-93E2-E3B085C9AB24}">
+                  <p16:designElem xmlns:p16="http://schemas.microsoft.com/office/powerpoint/2015/main" val="1"/>
+                </p:ext>
+              </p:extLst>
+            </p:nvPr>
+          </p:nvSpPr>
+          <p:spPr>
+            <a:xfrm>
+              <a:off x="3940602" y="308034"/>
+              <a:ext cx="566743" cy="3428999"/>
+            </a:xfrm>
+            <a:prstGeom prst="rect">
+              <a:avLst/>
+            </a:prstGeom>
+            <a:grpFill/>
+            <a:ln>
+              <a:noFill/>
+            </a:ln>
+          </p:spPr>
+          <p:style>
+            <a:lnRef idx="2">
+              <a:schemeClr val="accent1">
+                <a:shade val="50000"/>
+              </a:schemeClr>
+            </a:lnRef>
+            <a:fillRef idx="1">
+              <a:schemeClr val="accent1"/>
+            </a:fillRef>
+            <a:effectRef idx="0">
+              <a:schemeClr val="accent1"/>
+            </a:effectRef>
+            <a:fontRef idx="minor">
+              <a:schemeClr val="lt1"/>
+            </a:fontRef>
+          </p:style>
+          <p:txBody>
+            <a:bodyPr rtlCol="0" anchor="ctr"/>
+            <a:lstStyle/>
+            <a:p>
+              <a:pPr algn="ctr"/>
+              <a:endParaRPr lang="en-US"/>
+            </a:p>
+          </p:txBody>
+        </p:sp>
+        <p:sp>
+          <p:nvSpPr>
+            <p:cNvPr id="12" name="Rectangle 11">
+              <a:extLst>
+                <a:ext uri="{FF2B5EF4-FFF2-40B4-BE49-F238E27FC236}">
+                  <a16:creationId xmlns:a16="http://schemas.microsoft.com/office/drawing/2014/main" id="{743ECCAF-29C5-4537-947C-7EA1292463DB}"/>
+                </a:ext>
+                <a:ext uri="{C183D7F6-B498-43B3-948B-1728B52AA6E4}">
+                  <adec:decorative xmlns:adec="http://schemas.microsoft.com/office/drawing/2017/decorative" val="1"/>
+                </a:ext>
+              </a:extLst>
+            </p:cNvPr>
+            <p:cNvSpPr/>
+            <p:nvPr>
+              <p:extLst>
+                <p:ext uri="{386F3935-93C4-4BCD-93E2-E3B085C9AB24}">
+                  <p16:designElem xmlns:p16="http://schemas.microsoft.com/office/powerpoint/2015/main" val="1"/>
+                </p:ext>
+              </p:extLst>
+            </p:nvPr>
+          </p:nvSpPr>
+          <p:spPr>
+            <a:xfrm>
+              <a:off x="4715626" y="308034"/>
+              <a:ext cx="566743" cy="3428999"/>
+            </a:xfrm>
+            <a:prstGeom prst="rect">
+              <a:avLst/>
+            </a:prstGeom>
+            <a:grpFill/>
+            <a:ln>
+              <a:noFill/>
+            </a:ln>
+          </p:spPr>
+          <p:style>
+            <a:lnRef idx="2">
+              <a:schemeClr val="accent1">
+                <a:shade val="50000"/>
+              </a:schemeClr>
+            </a:lnRef>
+            <a:fillRef idx="1">
+              <a:schemeClr val="accent1"/>
+            </a:fillRef>
+            <a:effectRef idx="0">
+              <a:schemeClr val="accent1"/>
+            </a:effectRef>
+            <a:fontRef idx="minor">
+              <a:schemeClr val="lt1"/>
+            </a:fontRef>
+          </p:style>
+          <p:txBody>
+            <a:bodyPr rtlCol="0" anchor="ctr"/>
+            <a:lstStyle/>
+            <a:p>
+              <a:pPr algn="ctr"/>
+              <a:endParaRPr lang="en-US"/>
+            </a:p>
+          </p:txBody>
+        </p:sp>
+        <p:sp>
+          <p:nvSpPr>
+            <p:cNvPr id="13" name="Rectangle 12">
+              <a:extLst>
+                <a:ext uri="{FF2B5EF4-FFF2-40B4-BE49-F238E27FC236}">
+                  <a16:creationId xmlns:a16="http://schemas.microsoft.com/office/drawing/2014/main" id="{ED49787B-8DE6-4467-AD0A-8DECC6E0C2D6}"/>
+                </a:ext>
+                <a:ext uri="{C183D7F6-B498-43B3-948B-1728B52AA6E4}">
+                  <adec:decorative xmlns:adec="http://schemas.microsoft.com/office/drawing/2017/decorative" val="1"/>
+                </a:ext>
+              </a:extLst>
+            </p:cNvPr>
+            <p:cNvSpPr/>
+            <p:nvPr>
+              <p:extLst>
+                <p:ext uri="{386F3935-93C4-4BCD-93E2-E3B085C9AB24}">
+                  <p16:designElem xmlns:p16="http://schemas.microsoft.com/office/powerpoint/2015/main" val="1"/>
+                </p:ext>
+              </p:extLst>
+            </p:nvPr>
+          </p:nvSpPr>
+          <p:spPr>
+            <a:xfrm>
+              <a:off x="5490650" y="308034"/>
+              <a:ext cx="566743" cy="3428999"/>
+            </a:xfrm>
+            <a:prstGeom prst="rect">
+              <a:avLst/>
+            </a:prstGeom>
+            <a:grpFill/>
+            <a:ln>
+              <a:noFill/>
+            </a:ln>
+          </p:spPr>
+          <p:style>
+            <a:lnRef idx="2">
+              <a:schemeClr val="accent1">
+                <a:shade val="50000"/>
+              </a:schemeClr>
+            </a:lnRef>
+            <a:fillRef idx="1">
+              <a:schemeClr val="accent1"/>
+            </a:fillRef>
+            <a:effectRef idx="0">
+              <a:schemeClr val="accent1"/>
+            </a:effectRef>
+            <a:fontRef idx="minor">
+              <a:schemeClr val="lt1"/>
+            </a:fontRef>
+          </p:style>
+          <p:txBody>
+            <a:bodyPr rtlCol="0" anchor="ctr"/>
+            <a:lstStyle/>
+            <a:p>
+              <a:pPr algn="ctr"/>
+              <a:endParaRPr lang="en-US"/>
+            </a:p>
+          </p:txBody>
+        </p:sp>
+      </p:grpSp>
+      <p:sp>
+        <p:nvSpPr>
+          <p:cNvPr id="15" name="Rectangle 14">
+            <a:extLst>
+              <a:ext uri="{FF2B5EF4-FFF2-40B4-BE49-F238E27FC236}">
+                <a16:creationId xmlns:a16="http://schemas.microsoft.com/office/drawing/2014/main" id="{D5B0017B-2ECA-49AF-B397-DC140825DF8D}"/>
+              </a:ext>
+              <a:ext uri="{C183D7F6-B498-43B3-948B-1728B52AA6E4}">
+                <adec:decorative xmlns:adec="http://schemas.microsoft.com/office/drawing/2017/decorative" val="1"/>
+              </a:ext>
+            </a:extLst>
+          </p:cNvPr>
+          <p:cNvSpPr>
+            <a:spLocks noGrp="1" noRot="1" noChangeAspect="1" noMove="1" noResize="1" noEditPoints="1" noAdjustHandles="1" noChangeArrowheads="1" noChangeShapeType="1" noTextEdit="1"/>
+          </p:cNvSpPr>
+          <p:nvPr>
+            <p:extLst>
+              <p:ext uri="{386F3935-93C4-4BCD-93E2-E3B085C9AB24}">
+                <p16:designElem xmlns:p16="http://schemas.microsoft.com/office/powerpoint/2015/main" val="1"/>
+              </p:ext>
+            </p:extLst>
+          </p:nvPr>
+        </p:nvSpPr>
+        <p:spPr>
+          <a:xfrm>
+            <a:off x="640079" y="613954"/>
+            <a:ext cx="10907487" cy="1894116"/>
+          </a:xfrm>
+          <a:prstGeom prst="rect">
+            <a:avLst/>
+          </a:prstGeom>
+          <a:solidFill>
+            <a:schemeClr val="bg1"/>
+          </a:solidFill>
+          <a:ln>
+            <a:noFill/>
+          </a:ln>
+          <a:effectLst>
+            <a:outerShdw blurRad="139700" dist="127000" dir="5400000" algn="t" rotWithShape="0">
+              <a:prstClr val="black">
+                <a:alpha val="15000"/>
+              </a:prstClr>
+            </a:outerShdw>
+          </a:effectLst>
+        </p:spPr>
+        <p:style>
+          <a:lnRef idx="2">
+            <a:schemeClr val="accent1">
+              <a:shade val="50000"/>
+            </a:schemeClr>
+          </a:lnRef>
+          <a:fillRef idx="1">
+            <a:schemeClr val="accent1"/>
+          </a:fillRef>
+          <a:effectRef idx="0">
+            <a:schemeClr val="accent1"/>
+          </a:effectRef>
+          <a:fontRef idx="minor">
+            <a:schemeClr val="lt1"/>
+          </a:fontRef>
+        </p:style>
+        <p:txBody>
+          <a:bodyPr rtlCol="0" anchor="ctr"/>
+          <a:lstStyle/>
+          <a:p>
+            <a:pPr algn="ctr"/>
+            <a:endParaRPr lang="en-US"/>
+          </a:p>
+        </p:txBody>
+      </p:sp>
+      <p:sp>
+        <p:nvSpPr>
+          <p:cNvPr id="2" name="Titolo 1">
+            <a:extLst>
+              <a:ext uri="{FF2B5EF4-FFF2-40B4-BE49-F238E27FC236}">
+                <a16:creationId xmlns:a16="http://schemas.microsoft.com/office/drawing/2014/main" id="{CD759EC4-0C26-4CA5-04F8-26089B739C71}"/>
+              </a:ext>
+            </a:extLst>
+          </p:cNvPr>
+          <p:cNvSpPr>
+            <a:spLocks noGrp="1"/>
+          </p:cNvSpPr>
+          <p:nvPr>
+            <p:ph type="title"/>
+          </p:nvPr>
+        </p:nvSpPr>
+        <p:spPr>
+          <a:xfrm>
+            <a:off x="1043631" y="809898"/>
+            <a:ext cx="9942716" cy="1554480"/>
+          </a:xfrm>
+        </p:spPr>
+        <p:txBody>
+          <a:bodyPr anchor="ctr">
+            <a:normAutofit/>
+          </a:bodyPr>
+          <a:lstStyle/>
+          <a:p>
+            <a:r>
+              <a:rPr lang="it-IT" sz="4800"/>
+              <a:t>Accessibilità: strumenti</a:t>
+            </a:r>
+          </a:p>
+        </p:txBody>
+      </p:sp>
+      <p:sp>
+        <p:nvSpPr>
+          <p:cNvPr id="3" name="Segnaposto contenuto 2">
+            <a:extLst>
+              <a:ext uri="{FF2B5EF4-FFF2-40B4-BE49-F238E27FC236}">
+                <a16:creationId xmlns:a16="http://schemas.microsoft.com/office/drawing/2014/main" id="{4ED99926-0EBC-BE19-7E53-897FD768EEC1}"/>
+              </a:ext>
+            </a:extLst>
+          </p:cNvPr>
+          <p:cNvSpPr>
+            <a:spLocks noGrp="1"/>
+          </p:cNvSpPr>
+          <p:nvPr>
+            <p:ph idx="1"/>
+          </p:nvPr>
+        </p:nvSpPr>
+        <p:spPr>
+          <a:xfrm>
+            <a:off x="1045028" y="3017522"/>
+            <a:ext cx="9941319" cy="3124658"/>
+          </a:xfrm>
+        </p:spPr>
+        <p:txBody>
+          <a:bodyPr anchor="ctr">
+            <a:normAutofit lnSpcReduction="10000"/>
+          </a:bodyPr>
+          <a:lstStyle/>
+          <a:p>
             <a:pPr marL="0" indent="0">
               <a:buNone/>
             </a:pPr>
             <a:r>
-              <a:rPr lang="it-IT" sz="2400"/>
+              <a:rPr lang="it-IT" sz="2400" dirty="0"/>
               <a:t>Per valutare l’accessibilità sono stati usati tre strumenti:</a:t>
             </a:r>
           </a:p>
           <a:p>
             <a:r>
-              <a:rPr lang="it-IT" sz="2400" b="1"/>
+              <a:rPr lang="it-IT" sz="2400" b="1" dirty="0"/>
               <a:t>Lighthouse</a:t>
             </a:r>
           </a:p>
           <a:p>
             <a:r>
-              <a:rPr lang="it-IT" sz="2400" b="1"/>
+              <a:rPr lang="it-IT" sz="2400" b="1" dirty="0" err="1"/>
               <a:t>Silktide</a:t>
             </a:r>
             <a:r>
-              <a:rPr lang="it-IT" sz="2400"/>
+              <a:rPr lang="it-IT" sz="2400" dirty="0"/>
               <a:t> con impostazione WCAG 2.1 AA</a:t>
             </a:r>
           </a:p>
           <a:p>
             <a:r>
-              <a:rPr lang="it-IT" sz="2400" b="1"/>
+              <a:rPr lang="it-IT" sz="2400" b="1" dirty="0"/>
               <a:t>NVDA</a:t>
             </a:r>
             <a:r>
-              <a:rPr lang="it-IT" sz="2400"/>
+              <a:rPr lang="it-IT" sz="2400" dirty="0"/>
               <a:t> come screen reader per verificare la corretta lettura degli elementi delle pagine</a:t>
             </a:r>
           </a:p>
           <a:p>
             <a:r>
-              <a:rPr lang="it-IT" sz="2400"/>
-              <a:t>Per valutare se il sito fosse responsive è stata utilizzata la </a:t>
-            </a:r>
-            <a:r>
-              <a:rPr lang="it-IT" sz="2400" b="1"/>
+              <a:rPr lang="it-IT" sz="2400" dirty="0"/>
+              <a:t>Per controllare se il sito fosse responsive è stata utilizzata la </a:t>
+            </a:r>
+            <a:r>
+              <a:rPr lang="it-IT" sz="2400" b="1" dirty="0"/>
               <a:t>device toolbar</a:t>
             </a:r>
             <a:r>
-              <a:rPr lang="it-IT" sz="2400"/>
+              <a:rPr lang="it-IT" sz="2400" dirty="0"/>
               <a:t> di Chrome per valutare il comportamento del sito su diversi schermi</a:t>
             </a:r>
           </a:p>
@@ -7231,7 +7795,7 @@
             <a:pPr marL="0" indent="0">
               <a:buNone/>
             </a:pPr>
-            <a:endParaRPr lang="it-IT" sz="2400"/>
+            <a:endParaRPr lang="it-IT" sz="2400" dirty="0"/>
           </a:p>
         </p:txBody>
       </p:sp>
@@ -7300,7 +7864,7 @@
 </p:sld>
 </file>
 
-<file path=ppt/slides/slide8.xml><?xml version="1.0" encoding="utf-8"?>
+<file path=ppt/slides/slide9.xml><?xml version="1.0" encoding="utf-8"?>
 <p:sld xmlns:a="http://schemas.openxmlformats.org/drawingml/2006/main" xmlns:r="http://schemas.openxmlformats.org/officeDocument/2006/relationships" xmlns:p="http://schemas.openxmlformats.org/presentationml/2006/main">
   <p:cSld>
     <p:bg>

--- a/slide.pptx
+++ b/slide.pptx
@@ -11,9 +11,10 @@
     <p:sldId id="263" r:id="rId5"/>
     <p:sldId id="258" r:id="rId6"/>
     <p:sldId id="265" r:id="rId7"/>
-    <p:sldId id="259" r:id="rId8"/>
-    <p:sldId id="260" r:id="rId9"/>
-    <p:sldId id="261" r:id="rId10"/>
+    <p:sldId id="267" r:id="rId8"/>
+    <p:sldId id="259" r:id="rId9"/>
+    <p:sldId id="260" r:id="rId10"/>
+    <p:sldId id="261" r:id="rId11"/>
   </p:sldIdLst>
   <p:sldSz cx="12192000" cy="6858000"/>
   <p:notesSz cx="6858000" cy="9144000"/>
@@ -267,7 +268,7 @@
           <a:p>
             <a:fld id="{12C64D1D-CE79-44D9-A3BD-F3476E363360}" type="datetimeFigureOut">
               <a:rPr lang="it-IT" smtClean="0"/>
-              <a:t>03/06/2025</a:t>
+              <a:t>10/06/2025</a:t>
             </a:fld>
             <a:endParaRPr lang="it-IT"/>
           </a:p>
@@ -465,7 +466,7 @@
           <a:p>
             <a:fld id="{12C64D1D-CE79-44D9-A3BD-F3476E363360}" type="datetimeFigureOut">
               <a:rPr lang="it-IT" smtClean="0"/>
-              <a:t>03/06/2025</a:t>
+              <a:t>10/06/2025</a:t>
             </a:fld>
             <a:endParaRPr lang="it-IT"/>
           </a:p>
@@ -673,7 +674,7 @@
           <a:p>
             <a:fld id="{12C64D1D-CE79-44D9-A3BD-F3476E363360}" type="datetimeFigureOut">
               <a:rPr lang="it-IT" smtClean="0"/>
-              <a:t>03/06/2025</a:t>
+              <a:t>10/06/2025</a:t>
             </a:fld>
             <a:endParaRPr lang="it-IT"/>
           </a:p>
@@ -871,7 +872,7 @@
           <a:p>
             <a:fld id="{12C64D1D-CE79-44D9-A3BD-F3476E363360}" type="datetimeFigureOut">
               <a:rPr lang="it-IT" smtClean="0"/>
-              <a:t>03/06/2025</a:t>
+              <a:t>10/06/2025</a:t>
             </a:fld>
             <a:endParaRPr lang="it-IT"/>
           </a:p>
@@ -1146,7 +1147,7 @@
           <a:p>
             <a:fld id="{12C64D1D-CE79-44D9-A3BD-F3476E363360}" type="datetimeFigureOut">
               <a:rPr lang="it-IT" smtClean="0"/>
-              <a:t>03/06/2025</a:t>
+              <a:t>10/06/2025</a:t>
             </a:fld>
             <a:endParaRPr lang="it-IT"/>
           </a:p>
@@ -1411,7 +1412,7 @@
           <a:p>
             <a:fld id="{12C64D1D-CE79-44D9-A3BD-F3476E363360}" type="datetimeFigureOut">
               <a:rPr lang="it-IT" smtClean="0"/>
-              <a:t>03/06/2025</a:t>
+              <a:t>10/06/2025</a:t>
             </a:fld>
             <a:endParaRPr lang="it-IT"/>
           </a:p>
@@ -1823,7 +1824,7 @@
           <a:p>
             <a:fld id="{12C64D1D-CE79-44D9-A3BD-F3476E363360}" type="datetimeFigureOut">
               <a:rPr lang="it-IT" smtClean="0"/>
-              <a:t>03/06/2025</a:t>
+              <a:t>10/06/2025</a:t>
             </a:fld>
             <a:endParaRPr lang="it-IT"/>
           </a:p>
@@ -1964,7 +1965,7 @@
           <a:p>
             <a:fld id="{12C64D1D-CE79-44D9-A3BD-F3476E363360}" type="datetimeFigureOut">
               <a:rPr lang="it-IT" smtClean="0"/>
-              <a:t>03/06/2025</a:t>
+              <a:t>10/06/2025</a:t>
             </a:fld>
             <a:endParaRPr lang="it-IT"/>
           </a:p>
@@ -2077,7 +2078,7 @@
           <a:p>
             <a:fld id="{12C64D1D-CE79-44D9-A3BD-F3476E363360}" type="datetimeFigureOut">
               <a:rPr lang="it-IT" smtClean="0"/>
-              <a:t>03/06/2025</a:t>
+              <a:t>10/06/2025</a:t>
             </a:fld>
             <a:endParaRPr lang="it-IT"/>
           </a:p>
@@ -2388,7 +2389,7 @@
           <a:p>
             <a:fld id="{12C64D1D-CE79-44D9-A3BD-F3476E363360}" type="datetimeFigureOut">
               <a:rPr lang="it-IT" smtClean="0"/>
-              <a:t>03/06/2025</a:t>
+              <a:t>10/06/2025</a:t>
             </a:fld>
             <a:endParaRPr lang="it-IT"/>
           </a:p>
@@ -2676,7 +2677,7 @@
           <a:p>
             <a:fld id="{12C64D1D-CE79-44D9-A3BD-F3476E363360}" type="datetimeFigureOut">
               <a:rPr lang="it-IT" smtClean="0"/>
-              <a:t>03/06/2025</a:t>
+              <a:t>10/06/2025</a:t>
             </a:fld>
             <a:endParaRPr lang="it-IT"/>
           </a:p>
@@ -2917,7 +2918,7 @@
           <a:p>
             <a:fld id="{12C64D1D-CE79-44D9-A3BD-F3476E363360}" type="datetimeFigureOut">
               <a:rPr lang="it-IT" smtClean="0"/>
-              <a:t>03/06/2025</a:t>
+              <a:t>10/06/2025</a:t>
             </a:fld>
             <a:endParaRPr lang="it-IT"/>
           </a:p>
@@ -3717,7 +3718,7 @@
             </a:r>
             <a:r>
               <a:rPr lang="en-US" sz="2000" dirty="0"/>
-              <a:t> Enrico</a:t>
+              <a:t> Enrico VR508360</a:t>
             </a:r>
           </a:p>
           <a:p>
@@ -3825,277 +3826,10 @@
   <p:clrMapOvr>
     <a:masterClrMapping/>
   </p:clrMapOvr>
-  <p:timing>
-    <p:tnLst>
-      <p:par>
-        <p:cTn id="1" dur="indefinite" restart="never" nodeType="tmRoot">
-          <p:childTnLst>
-            <p:seq concurrent="1" nextAc="seek">
-              <p:cTn id="2" dur="indefinite" nodeType="mainSeq">
-                <p:childTnLst>
-                  <p:par>
-                    <p:cTn id="3" fill="hold">
-                      <p:stCondLst>
-                        <p:cond delay="indefinite"/>
-                        <p:cond evt="onBegin" delay="0">
-                          <p:tn val="2"/>
-                        </p:cond>
-                      </p:stCondLst>
-                      <p:childTnLst>
-                        <p:par>
-                          <p:cTn id="4" fill="hold">
-                            <p:stCondLst>
-                              <p:cond delay="0"/>
-                            </p:stCondLst>
-                            <p:childTnLst>
-                              <p:par>
-                                <p:cTn id="5" presetID="10" presetClass="entr" presetSubtype="0" fill="hold" grpId="0" nodeType="withEffect">
-                                  <p:stCondLst>
-                                    <p:cond delay="500"/>
-                                  </p:stCondLst>
-                                  <p:iterate type="lt">
-                                    <p:tmPct val="10000"/>
-                                  </p:iterate>
-                                  <p:childTnLst>
-                                    <p:set>
-                                      <p:cBhvr>
-                                        <p:cTn id="6" dur="1" fill="hold">
-                                          <p:stCondLst>
-                                            <p:cond delay="0"/>
-                                          </p:stCondLst>
-                                        </p:cTn>
-                                        <p:tgtEl>
-                                          <p:spTgt spid="2"/>
-                                        </p:tgtEl>
-                                        <p:attrNameLst>
-                                          <p:attrName>style.visibility</p:attrName>
-                                        </p:attrNameLst>
-                                      </p:cBhvr>
-                                      <p:to>
-                                        <p:strVal val="visible"/>
-                                      </p:to>
-                                    </p:set>
-                                    <p:animEffect transition="in" filter="fade">
-                                      <p:cBhvr>
-                                        <p:cTn id="7" dur="400"/>
-                                        <p:tgtEl>
-                                          <p:spTgt spid="2"/>
-                                        </p:tgtEl>
-                                      </p:cBhvr>
-                                    </p:animEffect>
-                                  </p:childTnLst>
-                                </p:cTn>
-                              </p:par>
-                              <p:par>
-                                <p:cTn id="8" presetID="10" presetClass="entr" presetSubtype="0" fill="hold" grpId="0" nodeType="withEffect">
-                                  <p:stCondLst>
-                                    <p:cond delay="2000"/>
-                                  </p:stCondLst>
-                                  <p:iterate type="lt">
-                                    <p:tmPct val="10000"/>
-                                  </p:iterate>
-                                  <p:childTnLst>
-                                    <p:set>
-                                      <p:cBhvr>
-                                        <p:cTn id="9" dur="1" fill="hold">
-                                          <p:stCondLst>
-                                            <p:cond delay="0"/>
-                                          </p:stCondLst>
-                                        </p:cTn>
-                                        <p:tgtEl>
-                                          <p:spTgt spid="3">
-                                            <p:txEl>
-                                              <p:pRg st="0" end="0"/>
-                                            </p:txEl>
-                                          </p:spTgt>
-                                        </p:tgtEl>
-                                        <p:attrNameLst>
-                                          <p:attrName>style.visibility</p:attrName>
-                                        </p:attrNameLst>
-                                      </p:cBhvr>
-                                      <p:to>
-                                        <p:strVal val="visible"/>
-                                      </p:to>
-                                    </p:set>
-                                    <p:animEffect transition="in" filter="fade">
-                                      <p:cBhvr>
-                                        <p:cTn id="10" dur="400"/>
-                                        <p:tgtEl>
-                                          <p:spTgt spid="3">
-                                            <p:txEl>
-                                              <p:pRg st="0" end="0"/>
-                                            </p:txEl>
-                                          </p:spTgt>
-                                        </p:tgtEl>
-                                      </p:cBhvr>
-                                    </p:animEffect>
-                                  </p:childTnLst>
-                                </p:cTn>
-                              </p:par>
-                            </p:childTnLst>
-                          </p:cTn>
-                        </p:par>
-                      </p:childTnLst>
-                    </p:cTn>
-                  </p:par>
-                  <p:par>
-                    <p:cTn id="11" fill="hold">
-                      <p:stCondLst>
-                        <p:cond delay="indefinite"/>
-                      </p:stCondLst>
-                      <p:childTnLst>
-                        <p:par>
-                          <p:cTn id="12" fill="hold">
-                            <p:stCondLst>
-                              <p:cond delay="0"/>
-                            </p:stCondLst>
-                            <p:childTnLst>
-                              <p:par>
-                                <p:cTn id="13" presetID="10" presetClass="entr" presetSubtype="0" fill="hold" grpId="0" nodeType="clickEffect">
-                                  <p:stCondLst>
-                                    <p:cond delay="2000"/>
-                                  </p:stCondLst>
-                                  <p:iterate type="lt">
-                                    <p:tmPct val="10000"/>
-                                  </p:iterate>
-                                  <p:childTnLst>
-                                    <p:set>
-                                      <p:cBhvr>
-                                        <p:cTn id="14" dur="1" fill="hold">
-                                          <p:stCondLst>
-                                            <p:cond delay="0"/>
-                                          </p:stCondLst>
-                                        </p:cTn>
-                                        <p:tgtEl>
-                                          <p:spTgt spid="3">
-                                            <p:txEl>
-                                              <p:pRg st="1" end="1"/>
-                                            </p:txEl>
-                                          </p:spTgt>
-                                        </p:tgtEl>
-                                        <p:attrNameLst>
-                                          <p:attrName>style.visibility</p:attrName>
-                                        </p:attrNameLst>
-                                      </p:cBhvr>
-                                      <p:to>
-                                        <p:strVal val="visible"/>
-                                      </p:to>
-                                    </p:set>
-                                    <p:animEffect transition="in" filter="fade">
-                                      <p:cBhvr>
-                                        <p:cTn id="15" dur="400"/>
-                                        <p:tgtEl>
-                                          <p:spTgt spid="3">
-                                            <p:txEl>
-                                              <p:pRg st="1" end="1"/>
-                                            </p:txEl>
-                                          </p:spTgt>
-                                        </p:tgtEl>
-                                      </p:cBhvr>
-                                    </p:animEffect>
-                                  </p:childTnLst>
-                                </p:cTn>
-                              </p:par>
-                            </p:childTnLst>
-                          </p:cTn>
-                        </p:par>
-                      </p:childTnLst>
-                    </p:cTn>
-                  </p:par>
-                  <p:par>
-                    <p:cTn id="16" fill="hold">
-                      <p:stCondLst>
-                        <p:cond delay="indefinite"/>
-                      </p:stCondLst>
-                      <p:childTnLst>
-                        <p:par>
-                          <p:cTn id="17" fill="hold">
-                            <p:stCondLst>
-                              <p:cond delay="0"/>
-                            </p:stCondLst>
-                            <p:childTnLst>
-                              <p:par>
-                                <p:cTn id="18" presetID="10" presetClass="entr" presetSubtype="0" fill="hold" grpId="0" nodeType="clickEffect">
-                                  <p:stCondLst>
-                                    <p:cond delay="2000"/>
-                                  </p:stCondLst>
-                                  <p:iterate type="lt">
-                                    <p:tmPct val="10000"/>
-                                  </p:iterate>
-                                  <p:childTnLst>
-                                    <p:set>
-                                      <p:cBhvr>
-                                        <p:cTn id="19" dur="1" fill="hold">
-                                          <p:stCondLst>
-                                            <p:cond delay="0"/>
-                                          </p:stCondLst>
-                                        </p:cTn>
-                                        <p:tgtEl>
-                                          <p:spTgt spid="3">
-                                            <p:txEl>
-                                              <p:pRg st="2" end="2"/>
-                                            </p:txEl>
-                                          </p:spTgt>
-                                        </p:tgtEl>
-                                        <p:attrNameLst>
-                                          <p:attrName>style.visibility</p:attrName>
-                                        </p:attrNameLst>
-                                      </p:cBhvr>
-                                      <p:to>
-                                        <p:strVal val="visible"/>
-                                      </p:to>
-                                    </p:set>
-                                    <p:animEffect transition="in" filter="fade">
-                                      <p:cBhvr>
-                                        <p:cTn id="20" dur="400"/>
-                                        <p:tgtEl>
-                                          <p:spTgt spid="3">
-                                            <p:txEl>
-                                              <p:pRg st="2" end="2"/>
-                                            </p:txEl>
-                                          </p:spTgt>
-                                        </p:tgtEl>
-                                      </p:cBhvr>
-                                    </p:animEffect>
-                                  </p:childTnLst>
-                                </p:cTn>
-                              </p:par>
-                            </p:childTnLst>
-                          </p:cTn>
-                        </p:par>
-                      </p:childTnLst>
-                    </p:cTn>
-                  </p:par>
-                </p:childTnLst>
-              </p:cTn>
-              <p:prevCondLst>
-                <p:cond evt="onPrev" delay="0">
-                  <p:tgtEl>
-                    <p:sldTgt/>
-                  </p:tgtEl>
-                </p:cond>
-              </p:prevCondLst>
-              <p:nextCondLst>
-                <p:cond evt="onNext" delay="0">
-                  <p:tgtEl>
-                    <p:sldTgt/>
-                  </p:tgtEl>
-                </p:cond>
-              </p:nextCondLst>
-            </p:seq>
-          </p:childTnLst>
-        </p:cTn>
-      </p:par>
-    </p:tnLst>
-    <p:bldLst>
-      <p:bldP spid="2" grpId="0"/>
-      <p:bldP spid="3" grpId="0" build="p"/>
-    </p:bldLst>
-  </p:timing>
 </p:sld>
 </file>
 
-<file path=ppt/slides/slide2.xml><?xml version="1.0" encoding="utf-8"?>
+<file path=ppt/slides/slide10.xml><?xml version="1.0" encoding="utf-8"?>
 <p:sld xmlns:a="http://schemas.openxmlformats.org/drawingml/2006/main" xmlns:r="http://schemas.openxmlformats.org/officeDocument/2006/relationships" xmlns:p="http://schemas.openxmlformats.org/presentationml/2006/main">
   <p:cSld>
     <p:bg>
@@ -4467,7 +4201,7 @@
           <p:cNvPr id="2" name="Titolo 1">
             <a:extLst>
               <a:ext uri="{FF2B5EF4-FFF2-40B4-BE49-F238E27FC236}">
-                <a16:creationId xmlns:a16="http://schemas.microsoft.com/office/drawing/2014/main" id="{F145EF25-CBA2-18B7-2490-ECDD9A7EF6FD}"/>
+                <a16:creationId xmlns:a16="http://schemas.microsoft.com/office/drawing/2014/main" id="{0B69A792-AEFC-9943-4AB1-6C72919C105B}"/>
               </a:ext>
             </a:extLst>
           </p:cNvPr>
@@ -4491,8 +4225,8 @@
           <a:lstStyle/>
           <a:p>
             <a:r>
-              <a:rPr lang="it-IT" sz="4800" dirty="0"/>
-              <a:t>Criteri adottati: metodologia di lavoro</a:t>
+              <a:rPr lang="it-IT" sz="4800"/>
+              <a:t>Accessibilità: criteri</a:t>
             </a:r>
           </a:p>
         </p:txBody>
@@ -4502,7 +4236,7 @@
           <p:cNvPr id="3" name="Segnaposto contenuto 2">
             <a:extLst>
               <a:ext uri="{FF2B5EF4-FFF2-40B4-BE49-F238E27FC236}">
-                <a16:creationId xmlns:a16="http://schemas.microsoft.com/office/drawing/2014/main" id="{E5012425-51CA-12B5-6355-269107AF3B9B}"/>
+                <a16:creationId xmlns:a16="http://schemas.microsoft.com/office/drawing/2014/main" id="{3D9F59F4-A8B5-D948-5E7D-0ABD535D3B25}"/>
               </a:ext>
             </a:extLst>
           </p:cNvPr>
@@ -4525,29 +4259,99 @@
           </a:bodyPr>
           <a:lstStyle/>
           <a:p>
+            <a:r>
+              <a:rPr lang="it-IT" sz="2200" b="0" i="0" u="none" strike="noStrike" baseline="0">
+                <a:latin typeface="TT Commons Pro"/>
+              </a:rPr>
+              <a:t>Ordine </a:t>
+            </a:r>
+            <a:r>
+              <a:rPr lang="it-IT" sz="2200">
+                <a:latin typeface="TT Commons Pro"/>
+              </a:rPr>
+              <a:t>dei tag rispettato (es H1 H2 H3 … e non H1 H3 H4)</a:t>
+            </a:r>
+            <a:endParaRPr lang="it-IT" sz="2200" b="0" i="0" u="none" strike="noStrike" baseline="0">
+              <a:latin typeface="TT Commons Pro"/>
+            </a:endParaRPr>
+          </a:p>
+          <a:p>
+            <a:r>
+              <a:rPr lang="it-IT" sz="2200" b="0" i="0" u="none" strike="noStrike" baseline="0">
+                <a:latin typeface="TTCommonsPro-Bd"/>
+              </a:rPr>
+              <a:t>Contrasto di colore </a:t>
+            </a:r>
+            <a:r>
+              <a:rPr lang="it-IT" sz="2200" b="0" i="0" u="none" strike="noStrike" baseline="0">
+                <a:latin typeface="TTCommonsPro-Rg"/>
+              </a:rPr>
+              <a:t>minimo 4.5:1 per il testo normale e 3:1 per il testo grande</a:t>
+            </a:r>
+          </a:p>
+          <a:p>
+            <a:r>
+              <a:rPr lang="it-IT" sz="2200">
+                <a:latin typeface="TTCommonsPro-Rg"/>
+              </a:rPr>
+              <a:t>L</a:t>
+            </a:r>
+            <a:r>
+              <a:rPr lang="it-IT" sz="2200" b="0" i="0" u="none" strike="noStrike" baseline="0">
+                <a:latin typeface="TTCommonsPro-Rg"/>
+              </a:rPr>
+              <a:t>'ordine di focus degli elementi interattivi deve seguire un percorso logico e intuitivo e l'indicatore di focus deve essere di un colore contrastante con lo sfondo.</a:t>
+            </a:r>
+          </a:p>
+          <a:p>
+            <a:pPr lvl="1"/>
+            <a:r>
+              <a:rPr lang="it-IT" sz="2200">
+                <a:latin typeface="TTCommonsPro-Rg"/>
+              </a:rPr>
+              <a:t>Tab per selezionare gli elementi andando avanti</a:t>
+            </a:r>
+          </a:p>
+          <a:p>
+            <a:pPr lvl="1"/>
+            <a:r>
+              <a:rPr lang="it-IT" sz="2200" b="0" i="0" u="none" strike="noStrike" baseline="0">
+                <a:latin typeface="TTCommonsPro-Rg"/>
+              </a:rPr>
+              <a:t>Shift Tab per selezionare gli elementi andando indietro</a:t>
+            </a:r>
+          </a:p>
+          <a:p>
+            <a:pPr lvl="1"/>
+            <a:r>
+              <a:rPr lang="it-IT" sz="2200">
+                <a:latin typeface="TTCommonsPro-Rg"/>
+              </a:rPr>
+              <a:t>Spazio per aprire i menu a tendina</a:t>
+            </a:r>
+          </a:p>
+          <a:p>
+            <a:pPr lvl="1"/>
+            <a:r>
+              <a:rPr lang="it-IT" sz="2200" b="0" i="0" u="none" strike="noStrike" baseline="0">
+                <a:latin typeface="TTCommonsPro-Rg"/>
+              </a:rPr>
+              <a:t>Invio per premere un link/pulsante selezionato</a:t>
+            </a:r>
+          </a:p>
+          <a:p>
+            <a:pPr marL="457200" lvl="1" indent="0">
+              <a:buNone/>
+            </a:pPr>
+            <a:endParaRPr lang="it-IT" sz="2200" b="0" i="0" u="none" strike="noStrike" baseline="0">
+              <a:latin typeface="TTCommonsPro-Rg"/>
+            </a:endParaRPr>
+          </a:p>
+          <a:p>
             <a:pPr marL="0" indent="0">
               <a:buNone/>
             </a:pPr>
-            <a:r>
-              <a:rPr lang="it-IT" sz="2400" dirty="0"/>
-              <a:t>Abbiamo utilizzato la metodologia agile con lo sviluppo incrementale. Ogni iterazione produceva una versione aggiornata del software. Il progetto è stato diviso in due parti, la parte </a:t>
-            </a:r>
-            <a:r>
-              <a:rPr lang="it-IT" sz="2400" dirty="0" err="1"/>
-              <a:t>backend</a:t>
-            </a:r>
-            <a:r>
-              <a:rPr lang="it-IT" sz="2400" dirty="0"/>
-              <a:t> e </a:t>
-            </a:r>
-            <a:r>
-              <a:rPr lang="it-IT" sz="2400" dirty="0" err="1"/>
-              <a:t>frontend</a:t>
-            </a:r>
-            <a:r>
-              <a:rPr lang="it-IT" sz="2400" dirty="0"/>
-              <a:t>.</a:t>
-            </a:r>
+            <a:endParaRPr lang="it-IT" sz="2200"/>
           </a:p>
         </p:txBody>
       </p:sp>
@@ -4606,109 +4410,17 @@
     </p:spTree>
     <p:extLst>
       <p:ext uri="{BB962C8B-B14F-4D97-AF65-F5344CB8AC3E}">
-        <p14:creationId xmlns:p14="http://schemas.microsoft.com/office/powerpoint/2010/main" val="3255971233"/>
+        <p14:creationId xmlns:p14="http://schemas.microsoft.com/office/powerpoint/2010/main" val="2078212111"/>
       </p:ext>
     </p:extLst>
   </p:cSld>
   <p:clrMapOvr>
     <a:masterClrMapping/>
   </p:clrMapOvr>
-  <p:timing>
-    <p:tnLst>
-      <p:par>
-        <p:cTn id="1" dur="indefinite" restart="never" nodeType="tmRoot">
-          <p:childTnLst>
-            <p:seq concurrent="1" nextAc="seek">
-              <p:cTn id="2" dur="indefinite" nodeType="mainSeq">
-                <p:childTnLst>
-                  <p:par>
-                    <p:cTn id="3" fill="hold">
-                      <p:stCondLst>
-                        <p:cond delay="indefinite"/>
-                        <p:cond evt="onBegin" delay="0">
-                          <p:tn val="2"/>
-                        </p:cond>
-                      </p:stCondLst>
-                      <p:childTnLst>
-                        <p:par>
-                          <p:cTn id="4" fill="hold">
-                            <p:stCondLst>
-                              <p:cond delay="0"/>
-                            </p:stCondLst>
-                            <p:childTnLst>
-                              <p:par>
-                                <p:cTn id="5" presetID="10" presetClass="entr" presetSubtype="0" fill="hold" grpId="0" nodeType="withEffect">
-                                  <p:stCondLst>
-                                    <p:cond delay="500"/>
-                                  </p:stCondLst>
-                                  <p:iterate>
-                                    <p:tmPct val="10000"/>
-                                  </p:iterate>
-                                  <p:childTnLst>
-                                    <p:set>
-                                      <p:cBhvr>
-                                        <p:cTn id="6" dur="1" fill="hold">
-                                          <p:stCondLst>
-                                            <p:cond delay="0"/>
-                                          </p:stCondLst>
-                                        </p:cTn>
-                                        <p:tgtEl>
-                                          <p:spTgt spid="2"/>
-                                        </p:tgtEl>
-                                        <p:attrNameLst>
-                                          <p:attrName>style.visibility</p:attrName>
-                                        </p:attrNameLst>
-                                      </p:cBhvr>
-                                      <p:to>
-                                        <p:strVal val="visible"/>
-                                      </p:to>
-                                    </p:set>
-                                    <p:animEffect transition="in" filter="fade">
-                                      <p:cBhvr>
-                                        <p:cTn id="7" dur="700"/>
-                                        <p:tgtEl>
-                                          <p:spTgt spid="2"/>
-                                        </p:tgtEl>
-                                      </p:cBhvr>
-                                    </p:animEffect>
-                                  </p:childTnLst>
-                                </p:cTn>
-                              </p:par>
-                            </p:childTnLst>
-                          </p:cTn>
-                        </p:par>
-                      </p:childTnLst>
-                    </p:cTn>
-                  </p:par>
-                </p:childTnLst>
-              </p:cTn>
-              <p:prevCondLst>
-                <p:cond evt="onPrev" delay="0">
-                  <p:tgtEl>
-                    <p:sldTgt/>
-                  </p:tgtEl>
-                </p:cond>
-              </p:prevCondLst>
-              <p:nextCondLst>
-                <p:cond evt="onNext" delay="0">
-                  <p:tgtEl>
-                    <p:sldTgt/>
-                  </p:tgtEl>
-                </p:cond>
-              </p:nextCondLst>
-            </p:seq>
-          </p:childTnLst>
-        </p:cTn>
-      </p:par>
-    </p:tnLst>
-    <p:bldLst>
-      <p:bldP spid="2" grpId="0"/>
-    </p:bldLst>
-  </p:timing>
 </p:sld>
 </file>
 
-<file path=ppt/slides/slide3.xml><?xml version="1.0" encoding="utf-8"?>
+<file path=ppt/slides/slide2.xml><?xml version="1.0" encoding="utf-8"?>
 <p:sld xmlns:a="http://schemas.openxmlformats.org/drawingml/2006/main" xmlns:r="http://schemas.openxmlformats.org/officeDocument/2006/relationships" xmlns:p="http://schemas.openxmlformats.org/presentationml/2006/main">
   <p:cSld>
     <p:bg>
@@ -5080,7 +4792,7 @@
           <p:cNvPr id="2" name="Titolo 1">
             <a:extLst>
               <a:ext uri="{FF2B5EF4-FFF2-40B4-BE49-F238E27FC236}">
-                <a16:creationId xmlns:a16="http://schemas.microsoft.com/office/drawing/2014/main" id="{2B914724-2EF7-5B3C-B8A2-7DCE1C861E16}"/>
+                <a16:creationId xmlns:a16="http://schemas.microsoft.com/office/drawing/2014/main" id="{F145EF25-CBA2-18B7-2490-ECDD9A7EF6FD}"/>
               </a:ext>
             </a:extLst>
           </p:cNvPr>
@@ -5104,8 +4816,8 @@
           <a:lstStyle/>
           <a:p>
             <a:r>
-              <a:rPr lang="it-IT" sz="4800"/>
-              <a:t>Criteri adottati: divisione del lavoro</a:t>
+              <a:rPr lang="it-IT" sz="4800" dirty="0"/>
+              <a:t>Criteri adottati: metodologia di lavoro</a:t>
             </a:r>
           </a:p>
         </p:txBody>
@@ -5115,7 +4827,7 @@
           <p:cNvPr id="3" name="Segnaposto contenuto 2">
             <a:extLst>
               <a:ext uri="{FF2B5EF4-FFF2-40B4-BE49-F238E27FC236}">
-                <a16:creationId xmlns:a16="http://schemas.microsoft.com/office/drawing/2014/main" id="{39408C61-7C43-8A39-8CBA-942BD1AF951C}"/>
+                <a16:creationId xmlns:a16="http://schemas.microsoft.com/office/drawing/2014/main" id="{E5012425-51CA-12B5-6355-269107AF3B9B}"/>
               </a:ext>
             </a:extLst>
           </p:cNvPr>
@@ -5138,53 +4850,29 @@
           </a:bodyPr>
           <a:lstStyle/>
           <a:p>
-            <a:pPr lvl="1"/>
-            <a:r>
-              <a:rPr lang="it-IT"/>
-              <a:t>Bragastini</a:t>
-            </a:r>
-            <a:r>
-              <a:rPr lang="it-IT" dirty="0"/>
-              <a:t> Enrico: plugin</a:t>
-            </a:r>
-          </a:p>
-          <a:p>
-            <a:pPr lvl="1"/>
-            <a:r>
-              <a:rPr lang="it-IT" dirty="0"/>
-              <a:t>Farina Christian: </a:t>
-            </a:r>
-            <a:r>
-              <a:rPr lang="it-IT"/>
+            <a:pPr marL="0" indent="0">
+              <a:buNone/>
+            </a:pPr>
+            <a:r>
+              <a:rPr lang="it-IT" sz="2400" dirty="0"/>
+              <a:t>Abbiamo utilizzato la metodologia agile con lo sviluppo incrementale. Ogni iterazione produceva una versione aggiornata del software. Il progetto è stato diviso in due parti: la parte di </a:t>
+            </a:r>
+            <a:r>
+              <a:rPr lang="it-IT" sz="2400" dirty="0" err="1"/>
+              <a:t>backend</a:t>
+            </a:r>
+            <a:r>
+              <a:rPr lang="it-IT" sz="2400" dirty="0"/>
+              <a:t> e di </a:t>
+            </a:r>
+            <a:r>
+              <a:rPr lang="it-IT" sz="2400" dirty="0" err="1"/>
               <a:t>frontend</a:t>
             </a:r>
             <a:r>
-              <a:rPr lang="it-IT" dirty="0"/>
-              <a:t> e accessibilità</a:t>
-            </a:r>
-          </a:p>
-          <a:p>
-            <a:pPr lvl="1"/>
-            <a:r>
-              <a:rPr lang="it-IT"/>
-              <a:t>Furri</a:t>
-            </a:r>
-            <a:r>
-              <a:rPr lang="it-IT" dirty="0"/>
-              <a:t> Geremia: </a:t>
-            </a:r>
-            <a:r>
-              <a:rPr lang="it-IT"/>
-              <a:t>backend</a:t>
-            </a:r>
-            <a:endParaRPr lang="it-IT" dirty="0"/>
-          </a:p>
-          <a:p>
-            <a:pPr lvl="1"/>
-            <a:endParaRPr lang="it-IT" dirty="0"/>
-          </a:p>
-          <a:p>
-            <a:endParaRPr lang="it-IT" sz="2400"/>
+              <a:rPr lang="it-IT" sz="2400" dirty="0"/>
+              <a:t> .</a:t>
+            </a:r>
           </a:p>
         </p:txBody>
       </p:sp>
@@ -5243,7 +4931,7 @@
     </p:spTree>
     <p:extLst>
       <p:ext uri="{BB962C8B-B14F-4D97-AF65-F5344CB8AC3E}">
-        <p14:creationId xmlns:p14="http://schemas.microsoft.com/office/powerpoint/2010/main" val="1171484331"/>
+        <p14:creationId xmlns:p14="http://schemas.microsoft.com/office/powerpoint/2010/main" val="3255971233"/>
       </p:ext>
     </p:extLst>
   </p:cSld>
@@ -5253,7 +4941,7 @@
 </p:sld>
 </file>
 
-<file path=ppt/slides/slide4.xml><?xml version="1.0" encoding="utf-8"?>
+<file path=ppt/slides/slide3.xml><?xml version="1.0" encoding="utf-8"?>
 <p:sld xmlns:a="http://schemas.openxmlformats.org/drawingml/2006/main" xmlns:r="http://schemas.openxmlformats.org/officeDocument/2006/relationships" xmlns:p="http://schemas.openxmlformats.org/presentationml/2006/main">
   <p:cSld>
     <p:bg>
@@ -5625,7 +5313,7 @@
           <p:cNvPr id="2" name="Titolo 1">
             <a:extLst>
               <a:ext uri="{FF2B5EF4-FFF2-40B4-BE49-F238E27FC236}">
-                <a16:creationId xmlns:a16="http://schemas.microsoft.com/office/drawing/2014/main" id="{49933CDA-0A0B-D7B1-DE3B-12772F20A112}"/>
+                <a16:creationId xmlns:a16="http://schemas.microsoft.com/office/drawing/2014/main" id="{2B914724-2EF7-5B3C-B8A2-7DCE1C861E16}"/>
               </a:ext>
             </a:extLst>
           </p:cNvPr>
@@ -5650,7 +5338,7 @@
           <a:p>
             <a:r>
               <a:rPr lang="it-IT" sz="4800"/>
-              <a:t>Organizzazione di DjangoCMS</a:t>
+              <a:t>Criteri adottati: divisione del lavoro</a:t>
             </a:r>
           </a:p>
         </p:txBody>
@@ -5660,7 +5348,7 @@
           <p:cNvPr id="3" name="Segnaposto contenuto 2">
             <a:extLst>
               <a:ext uri="{FF2B5EF4-FFF2-40B4-BE49-F238E27FC236}">
-                <a16:creationId xmlns:a16="http://schemas.microsoft.com/office/drawing/2014/main" id="{EB975195-F413-CE9C-28B2-715C2515F670}"/>
+                <a16:creationId xmlns:a16="http://schemas.microsoft.com/office/drawing/2014/main" id="{39408C61-7C43-8A39-8CBA-942BD1AF951C}"/>
               </a:ext>
             </a:extLst>
           </p:cNvPr>
@@ -5683,21 +5371,58 @@
           </a:bodyPr>
           <a:lstStyle/>
           <a:p>
-            <a:pPr marL="0" indent="0">
-              <a:buNone/>
-            </a:pPr>
-            <a:r>
-              <a:rPr lang="it-IT" sz="2400" dirty="0"/>
-              <a:t>Le pagine si dividono in pagine principali e sotto-pagine. Le pagine principali sono quelle direttamente visibili dalla </a:t>
-            </a:r>
-            <a:r>
-              <a:rPr lang="it-IT" sz="2400" dirty="0" err="1"/>
-              <a:t>navbar</a:t>
-            </a:r>
-            <a:r>
-              <a:rPr lang="it-IT" sz="2400" dirty="0"/>
-              <a:t>, le sotto pagine sono presenti nei menu a tendina (es pagine delle infezioni)</a:t>
-            </a:r>
+            <a:pPr lvl="1"/>
+            <a:r>
+              <a:rPr lang="it-IT" dirty="0" err="1"/>
+              <a:t>Bragastini</a:t>
+            </a:r>
+            <a:r>
+              <a:rPr lang="it-IT" dirty="0"/>
+              <a:t> Enrico: </a:t>
+            </a:r>
+            <a:r>
+              <a:rPr lang="it-IT" dirty="0" err="1"/>
+              <a:t>backend</a:t>
+            </a:r>
+            <a:endParaRPr lang="it-IT" dirty="0"/>
+          </a:p>
+          <a:p>
+            <a:pPr lvl="1"/>
+            <a:r>
+              <a:rPr lang="it-IT" dirty="0"/>
+              <a:t>Farina Christian: </a:t>
+            </a:r>
+            <a:r>
+              <a:rPr lang="it-IT" dirty="0" err="1"/>
+              <a:t>frontend</a:t>
+            </a:r>
+            <a:r>
+              <a:rPr lang="it-IT" dirty="0"/>
+              <a:t> e accessibilità</a:t>
+            </a:r>
+          </a:p>
+          <a:p>
+            <a:pPr lvl="1"/>
+            <a:r>
+              <a:rPr lang="it-IT" dirty="0" err="1"/>
+              <a:t>Furri</a:t>
+            </a:r>
+            <a:r>
+              <a:rPr lang="it-IT" dirty="0"/>
+              <a:t> Geremia: </a:t>
+            </a:r>
+            <a:r>
+              <a:rPr lang="it-IT" dirty="0" err="1"/>
+              <a:t>backend</a:t>
+            </a:r>
+            <a:endParaRPr lang="it-IT" dirty="0"/>
+          </a:p>
+          <a:p>
+            <a:pPr lvl="1"/>
+            <a:endParaRPr lang="it-IT" dirty="0"/>
+          </a:p>
+          <a:p>
+            <a:endParaRPr lang="it-IT" sz="2400" dirty="0"/>
           </a:p>
         </p:txBody>
       </p:sp>
@@ -5756,7 +5481,7 @@
     </p:spTree>
     <p:extLst>
       <p:ext uri="{BB962C8B-B14F-4D97-AF65-F5344CB8AC3E}">
-        <p14:creationId xmlns:p14="http://schemas.microsoft.com/office/powerpoint/2010/main" val="2288778211"/>
+        <p14:creationId xmlns:p14="http://schemas.microsoft.com/office/powerpoint/2010/main" val="1171484331"/>
       </p:ext>
     </p:extLst>
   </p:cSld>
@@ -5766,7 +5491,7 @@
 </p:sld>
 </file>
 
-<file path=ppt/slides/slide5.xml><?xml version="1.0" encoding="utf-8"?>
+<file path=ppt/slides/slide4.xml><?xml version="1.0" encoding="utf-8"?>
 <p:sld xmlns:a="http://schemas.openxmlformats.org/drawingml/2006/main" xmlns:r="http://schemas.openxmlformats.org/officeDocument/2006/relationships" xmlns:p="http://schemas.openxmlformats.org/presentationml/2006/main">
   <p:cSld>
     <p:bg>
@@ -6138,7 +5863,7 @@
           <p:cNvPr id="2" name="Titolo 1">
             <a:extLst>
               <a:ext uri="{FF2B5EF4-FFF2-40B4-BE49-F238E27FC236}">
-                <a16:creationId xmlns:a16="http://schemas.microsoft.com/office/drawing/2014/main" id="{61CE6013-0DA6-53F8-DF57-A28CA83A910E}"/>
+                <a16:creationId xmlns:a16="http://schemas.microsoft.com/office/drawing/2014/main" id="{49933CDA-0A0B-D7B1-DE3B-12772F20A112}"/>
               </a:ext>
             </a:extLst>
           </p:cNvPr>
@@ -6162,14 +5887,9 @@
           <a:lstStyle/>
           <a:p>
             <a:r>
-              <a:rPr lang="it-IT" sz="4800" dirty="0"/>
-              <a:t>Organizzazione di </a:t>
-            </a:r>
-            <a:r>
-              <a:rPr lang="it-IT" sz="4800" dirty="0" err="1"/>
-              <a:t>DjangoCMS</a:t>
-            </a:r>
-            <a:endParaRPr lang="it-IT" sz="4800" dirty="0"/>
+              <a:rPr lang="it-IT" sz="4800"/>
+              <a:t>Organizzazione di DjangoCMS</a:t>
+            </a:r>
           </a:p>
         </p:txBody>
       </p:sp>
@@ -6178,7 +5898,7 @@
           <p:cNvPr id="3" name="Segnaposto contenuto 2">
             <a:extLst>
               <a:ext uri="{FF2B5EF4-FFF2-40B4-BE49-F238E27FC236}">
-                <a16:creationId xmlns:a16="http://schemas.microsoft.com/office/drawing/2014/main" id="{A30E53CF-F10A-0D2C-50A1-34D9679B4CC1}"/>
+                <a16:creationId xmlns:a16="http://schemas.microsoft.com/office/drawing/2014/main" id="{EB975195-F413-CE9C-28B2-715C2515F670}"/>
               </a:ext>
             </a:extLst>
           </p:cNvPr>
@@ -6201,37 +5921,20 @@
           </a:bodyPr>
           <a:lstStyle/>
           <a:p>
+            <a:pPr marL="0" indent="0">
+              <a:buNone/>
+            </a:pPr>
+            <a:r>
+              <a:rPr lang="it-IT" sz="2400" dirty="0"/>
+              <a:t>Le pagine si dividono in pagine principali e sotto-pagine. Le pagine principali sono quelle direttamente visibili dalla </a:t>
+            </a:r>
             <a:r>
               <a:rPr lang="it-IT" sz="2400" dirty="0" err="1"/>
-              <a:t>Frontend</a:t>
+              <a:t>navbar</a:t>
             </a:r>
             <a:r>
               <a:rPr lang="it-IT" sz="2400" dirty="0"/>
-              <a:t>: è possibile modificare facilmente le pagine esistenti in quanto per la loro creazione sono stai usati i component drag and drop di </a:t>
-            </a:r>
-            <a:r>
-              <a:rPr lang="it-IT" sz="2400" dirty="0" err="1"/>
-              <a:t>DjangoCMS</a:t>
-            </a:r>
-            <a:r>
-              <a:rPr lang="it-IT" sz="2400" dirty="0"/>
-              <a:t> </a:t>
-            </a:r>
-          </a:p>
-          <a:p>
-            <a:r>
-              <a:rPr lang="it-IT" sz="2400" dirty="0" err="1"/>
-              <a:t>Backend</a:t>
-            </a:r>
-            <a:r>
-              <a:rPr lang="it-IT" sz="2400" dirty="0"/>
-              <a:t>: dopo aver effettuato l’accesso, i medici possono gestire la base di dati delle domande dalla pagina admin e creare nuove pagine</a:t>
-            </a:r>
-          </a:p>
-          <a:p>
-            <a:r>
-              <a:rPr lang="it-IT" sz="2400" dirty="0"/>
-              <a:t>Plugin: bla bla</a:t>
+              <a:t>, le sotto pagine sono presenti nei menu a tendina (es pagine delle infezioni).</a:t>
             </a:r>
           </a:p>
         </p:txBody>
@@ -6291,7 +5994,7 @@
     </p:spTree>
     <p:extLst>
       <p:ext uri="{BB962C8B-B14F-4D97-AF65-F5344CB8AC3E}">
-        <p14:creationId xmlns:p14="http://schemas.microsoft.com/office/powerpoint/2010/main" val="3207064771"/>
+        <p14:creationId xmlns:p14="http://schemas.microsoft.com/office/powerpoint/2010/main" val="2288778211"/>
       </p:ext>
     </p:extLst>
   </p:cSld>
@@ -6301,7 +6004,7 @@
 </p:sld>
 </file>
 
-<file path=ppt/slides/slide6.xml><?xml version="1.0" encoding="utf-8"?>
+<file path=ppt/slides/slide5.xml><?xml version="1.0" encoding="utf-8"?>
 <p:sld xmlns:a="http://schemas.openxmlformats.org/drawingml/2006/main" xmlns:r="http://schemas.openxmlformats.org/officeDocument/2006/relationships" xmlns:p="http://schemas.openxmlformats.org/presentationml/2006/main">
   <p:cSld>
     <p:bg>
@@ -6314,13 +6017,7 @@
     </p:bg>
     <p:spTree>
       <p:nvGrpSpPr>
-        <p:cNvPr id="1" name="">
-          <a:extLst>
-            <a:ext uri="{FF2B5EF4-FFF2-40B4-BE49-F238E27FC236}">
-              <a16:creationId xmlns:a16="http://schemas.microsoft.com/office/drawing/2014/main" id="{6CB55ED4-9078-F8DE-DA2D-015E140980E4}"/>
-            </a:ext>
-          </a:extLst>
-        </p:cNvPr>
+        <p:cNvPr id="1" name=""/>
         <p:cNvGrpSpPr/>
         <p:nvPr/>
       </p:nvGrpSpPr>
@@ -6679,7 +6376,7 @@
           <p:cNvPr id="2" name="Titolo 1">
             <a:extLst>
               <a:ext uri="{FF2B5EF4-FFF2-40B4-BE49-F238E27FC236}">
-                <a16:creationId xmlns:a16="http://schemas.microsoft.com/office/drawing/2014/main" id="{C3653D14-CC71-5127-CBFC-719C00CFFB17}"/>
+                <a16:creationId xmlns:a16="http://schemas.microsoft.com/office/drawing/2014/main" id="{61CE6013-0DA6-53F8-DF57-A28CA83A910E}"/>
               </a:ext>
             </a:extLst>
           </p:cNvPr>
@@ -6707,7 +6404,7 @@
               <a:t>Organizzazione di </a:t>
             </a:r>
             <a:r>
-              <a:rPr lang="it-IT" sz="4800"/>
+              <a:rPr lang="it-IT" sz="4800" dirty="0" err="1"/>
               <a:t>DjangoCMS</a:t>
             </a:r>
             <a:endParaRPr lang="it-IT" sz="4800" dirty="0"/>
@@ -6719,7 +6416,7 @@
           <p:cNvPr id="3" name="Segnaposto contenuto 2">
             <a:extLst>
               <a:ext uri="{FF2B5EF4-FFF2-40B4-BE49-F238E27FC236}">
-                <a16:creationId xmlns:a16="http://schemas.microsoft.com/office/drawing/2014/main" id="{A9AFD116-0C5E-3CD6-48E9-85374F1D7EF9}"/>
+                <a16:creationId xmlns:a16="http://schemas.microsoft.com/office/drawing/2014/main" id="{A30E53CF-F10A-0D2C-50A1-34D9679B4CC1}"/>
               </a:ext>
             </a:extLst>
           </p:cNvPr>
@@ -6742,9 +6439,50 @@
           </a:bodyPr>
           <a:lstStyle/>
           <a:p>
-            <a:pPr marL="0" indent="0">
-              <a:buNone/>
-            </a:pPr>
+            <a:r>
+              <a:rPr lang="it-IT" sz="2400" dirty="0" err="1"/>
+              <a:t>Frontend</a:t>
+            </a:r>
+            <a:r>
+              <a:rPr lang="it-IT" sz="2400" dirty="0"/>
+              <a:t>: è possibile modificare facilmente le pagine esistenti in quanto per la loro creazione sono stai usati i component drag and drop di </a:t>
+            </a:r>
+            <a:r>
+              <a:rPr lang="it-IT" sz="2400" dirty="0" err="1"/>
+              <a:t>DjangoCMS</a:t>
+            </a:r>
+            <a:r>
+              <a:rPr lang="it-IT" sz="2400" dirty="0"/>
+              <a:t> </a:t>
+            </a:r>
+          </a:p>
+          <a:p>
+            <a:r>
+              <a:rPr lang="it-IT" sz="2400" dirty="0" err="1"/>
+              <a:t>Backend</a:t>
+            </a:r>
+            <a:r>
+              <a:rPr lang="it-IT" sz="2400" dirty="0"/>
+              <a:t>: dopo aver effettuato l’accesso, i medici possono gestire la base di dati delle domande dalla pagina admin e creare nuove pagine</a:t>
+            </a:r>
+          </a:p>
+          <a:p>
+            <a:r>
+              <a:rPr lang="it-IT" sz="2400" dirty="0"/>
+              <a:t>Quiz: si tratta di un’applicazione Django standalone collegata ad una pagina </a:t>
+            </a:r>
+            <a:r>
+              <a:rPr lang="it-IT" sz="2400" dirty="0" err="1"/>
+              <a:t>DjangoCMS</a:t>
+            </a:r>
+            <a:r>
+              <a:rPr lang="it-IT" sz="2400" dirty="0"/>
+              <a:t> tramite </a:t>
+            </a:r>
+            <a:r>
+              <a:rPr lang="it-IT" sz="2400" dirty="0" err="1"/>
+              <a:t>apphook</a:t>
+            </a:r>
             <a:endParaRPr lang="it-IT" sz="2400" dirty="0"/>
           </a:p>
         </p:txBody>
@@ -6804,7 +6542,7 @@
     </p:spTree>
     <p:extLst>
       <p:ext uri="{BB962C8B-B14F-4D97-AF65-F5344CB8AC3E}">
-        <p14:creationId xmlns:p14="http://schemas.microsoft.com/office/powerpoint/2010/main" val="3535389098"/>
+        <p14:creationId xmlns:p14="http://schemas.microsoft.com/office/powerpoint/2010/main" val="3207064771"/>
       </p:ext>
     </p:extLst>
   </p:cSld>
@@ -6814,7 +6552,7 @@
 </p:sld>
 </file>
 
-<file path=ppt/slides/slide7.xml><?xml version="1.0" encoding="utf-8"?>
+<file path=ppt/slides/slide6.xml><?xml version="1.0" encoding="utf-8"?>
 <p:sld xmlns:a="http://schemas.openxmlformats.org/drawingml/2006/main" xmlns:r="http://schemas.openxmlformats.org/officeDocument/2006/relationships" xmlns:p="http://schemas.openxmlformats.org/presentationml/2006/main">
   <p:cSld>
     <p:bg>
@@ -6827,7 +6565,13 @@
     </p:bg>
     <p:spTree>
       <p:nvGrpSpPr>
-        <p:cNvPr id="1" name=""/>
+        <p:cNvPr id="1" name="">
+          <a:extLst>
+            <a:ext uri="{FF2B5EF4-FFF2-40B4-BE49-F238E27FC236}">
+              <a16:creationId xmlns:a16="http://schemas.microsoft.com/office/drawing/2014/main" id="{6CB55ED4-9078-F8DE-DA2D-015E140980E4}"/>
+            </a:ext>
+          </a:extLst>
+        </p:cNvPr>
         <p:cNvGrpSpPr/>
         <p:nvPr/>
       </p:nvGrpSpPr>
@@ -7186,7 +6930,7 @@
           <p:cNvPr id="2" name="Titolo 1">
             <a:extLst>
               <a:ext uri="{FF2B5EF4-FFF2-40B4-BE49-F238E27FC236}">
-                <a16:creationId xmlns:a16="http://schemas.microsoft.com/office/drawing/2014/main" id="{E068AADB-991F-9F46-2385-CD43AA0B9521}"/>
+                <a16:creationId xmlns:a16="http://schemas.microsoft.com/office/drawing/2014/main" id="{C3653D14-CC71-5127-CBFC-719C00CFFB17}"/>
               </a:ext>
             </a:extLst>
           </p:cNvPr>
@@ -7210,9 +6954,14 @@
           <a:lstStyle/>
           <a:p>
             <a:r>
+              <a:rPr lang="it-IT" sz="4800" dirty="0"/>
+              <a:t>Organizzazione di </a:t>
+            </a:r>
+            <a:r>
               <a:rPr lang="it-IT" sz="4800"/>
-              <a:t>Plugin test</a:t>
-            </a:r>
+              <a:t>DjangoCMS</a:t>
+            </a:r>
+            <a:endParaRPr lang="it-IT" sz="4800" dirty="0"/>
           </a:p>
         </p:txBody>
       </p:sp>
@@ -7221,7 +6970,7 @@
           <p:cNvPr id="3" name="Segnaposto contenuto 2">
             <a:extLst>
               <a:ext uri="{FF2B5EF4-FFF2-40B4-BE49-F238E27FC236}">
-                <a16:creationId xmlns:a16="http://schemas.microsoft.com/office/drawing/2014/main" id="{0B6FAA6E-54E7-3668-A82D-3F5C40E2E09B}"/>
+                <a16:creationId xmlns:a16="http://schemas.microsoft.com/office/drawing/2014/main" id="{A9AFD116-0C5E-3CD6-48E9-85374F1D7EF9}"/>
               </a:ext>
             </a:extLst>
           </p:cNvPr>
@@ -7244,7 +6993,13 @@
           </a:bodyPr>
           <a:lstStyle/>
           <a:p>
-            <a:endParaRPr lang="it-IT" sz="2400"/>
+            <a:pPr marL="0" indent="0">
+              <a:buNone/>
+            </a:pPr>
+            <a:r>
+              <a:rPr lang="it-IT" sz="2400" dirty="0"/>
+              <a:t>L’autenticazione …</a:t>
+            </a:r>
           </a:p>
         </p:txBody>
       </p:sp>
@@ -7303,7 +7058,677 @@
     </p:spTree>
     <p:extLst>
       <p:ext uri="{BB962C8B-B14F-4D97-AF65-F5344CB8AC3E}">
-        <p14:creationId xmlns:p14="http://schemas.microsoft.com/office/powerpoint/2010/main" val="254740756"/>
+        <p14:creationId xmlns:p14="http://schemas.microsoft.com/office/powerpoint/2010/main" val="3535389098"/>
+      </p:ext>
+    </p:extLst>
+  </p:cSld>
+  <p:clrMapOvr>
+    <a:masterClrMapping/>
+  </p:clrMapOvr>
+</p:sld>
+</file>
+
+<file path=ppt/slides/slide7.xml><?xml version="1.0" encoding="utf-8"?>
+<p:sld xmlns:a="http://schemas.openxmlformats.org/drawingml/2006/main" xmlns:r="http://schemas.openxmlformats.org/officeDocument/2006/relationships" xmlns:p="http://schemas.openxmlformats.org/presentationml/2006/main">
+  <p:cSld>
+    <p:bg>
+      <p:bgPr>
+        <a:solidFill>
+          <a:schemeClr val="bg1"/>
+        </a:solidFill>
+        <a:effectLst/>
+      </p:bgPr>
+    </p:bg>
+    <p:spTree>
+      <p:nvGrpSpPr>
+        <p:cNvPr id="1" name="">
+          <a:extLst>
+            <a:ext uri="{FF2B5EF4-FFF2-40B4-BE49-F238E27FC236}">
+              <a16:creationId xmlns:a16="http://schemas.microsoft.com/office/drawing/2014/main" id="{60C13E2D-D3A6-76AF-8CFA-846749D78B03}"/>
+            </a:ext>
+          </a:extLst>
+        </p:cNvPr>
+        <p:cNvGrpSpPr/>
+        <p:nvPr/>
+      </p:nvGrpSpPr>
+      <p:grpSpPr>
+        <a:xfrm>
+          <a:off x="0" y="0"/>
+          <a:ext cx="0" cy="0"/>
+          <a:chOff x="0" y="0"/>
+          <a:chExt cx="0" cy="0"/>
+        </a:xfrm>
+      </p:grpSpPr>
+      <p:sp useBgFill="1">
+        <p:nvSpPr>
+          <p:cNvPr id="8" name="Rectangle 7">
+            <a:extLst>
+              <a:ext uri="{FF2B5EF4-FFF2-40B4-BE49-F238E27FC236}">
+                <a16:creationId xmlns:a16="http://schemas.microsoft.com/office/drawing/2014/main" id="{C5FABF61-66B8-320B-D6F6-7F5B8AA4F803}"/>
+              </a:ext>
+              <a:ext uri="{C183D7F6-B498-43B3-948B-1728B52AA6E4}">
+                <adec:decorative xmlns:adec="http://schemas.microsoft.com/office/drawing/2017/decorative" val="1"/>
+              </a:ext>
+            </a:extLst>
+          </p:cNvPr>
+          <p:cNvSpPr>
+            <a:spLocks noGrp="1" noRot="1" noChangeAspect="1" noMove="1" noResize="1" noEditPoints="1" noAdjustHandles="1" noChangeArrowheads="1" noChangeShapeType="1" noTextEdit="1"/>
+          </p:cNvSpPr>
+          <p:nvPr>
+            <p:extLst>
+              <p:ext uri="{386F3935-93C4-4BCD-93E2-E3B085C9AB24}">
+                <p16:designElem xmlns:p16="http://schemas.microsoft.com/office/powerpoint/2015/main" val="1"/>
+              </p:ext>
+            </p:extLst>
+          </p:nvPr>
+        </p:nvSpPr>
+        <p:spPr>
+          <a:xfrm>
+            <a:off x="0" y="0"/>
+            <a:ext cx="12191999" cy="6857365"/>
+          </a:xfrm>
+          <a:prstGeom prst="rect">
+            <a:avLst/>
+          </a:prstGeom>
+          <a:ln>
+            <a:noFill/>
+          </a:ln>
+        </p:spPr>
+        <p:style>
+          <a:lnRef idx="2">
+            <a:schemeClr val="accent1">
+              <a:shade val="50000"/>
+            </a:schemeClr>
+          </a:lnRef>
+          <a:fillRef idx="1">
+            <a:schemeClr val="accent1"/>
+          </a:fillRef>
+          <a:effectRef idx="0">
+            <a:schemeClr val="accent1"/>
+          </a:effectRef>
+          <a:fontRef idx="minor">
+            <a:schemeClr val="lt1"/>
+          </a:fontRef>
+        </p:style>
+        <p:txBody>
+          <a:bodyPr rtlCol="0" anchor="ctr"/>
+          <a:lstStyle/>
+          <a:p>
+            <a:pPr marL="0" marR="0" lvl="0" indent="0" algn="ctr" defTabSz="914400" rtl="0" eaLnBrk="1" fontAlgn="auto" latinLnBrk="0" hangingPunct="1">
+              <a:lnSpc>
+                <a:spcPct val="100000"/>
+              </a:lnSpc>
+              <a:spcBef>
+                <a:spcPts val="0"/>
+              </a:spcBef>
+              <a:spcAft>
+                <a:spcPts val="0"/>
+              </a:spcAft>
+              <a:buClrTx/>
+              <a:buSzTx/>
+              <a:buFontTx/>
+              <a:buNone/>
+              <a:tabLst/>
+              <a:defRPr/>
+            </a:pPr>
+            <a:endParaRPr kumimoji="0" lang="en-US" sz="1800" b="0" i="0" u="none" strike="noStrike" kern="1200" cap="none" spc="0" normalizeH="0" baseline="0" noProof="0">
+              <a:ln>
+                <a:noFill/>
+              </a:ln>
+              <a:solidFill>
+                <a:prstClr val="white"/>
+              </a:solidFill>
+              <a:effectLst/>
+              <a:uLnTx/>
+              <a:uFillTx/>
+              <a:latin typeface="Aptos" panose="02110004020202020204"/>
+              <a:ea typeface="+mn-ea"/>
+              <a:cs typeface="+mn-cs"/>
+            </a:endParaRPr>
+          </a:p>
+        </p:txBody>
+      </p:sp>
+      <p:grpSp>
+        <p:nvGrpSpPr>
+          <p:cNvPr id="10" name="Group 9">
+            <a:extLst>
+              <a:ext uri="{FF2B5EF4-FFF2-40B4-BE49-F238E27FC236}">
+                <a16:creationId xmlns:a16="http://schemas.microsoft.com/office/drawing/2014/main" id="{059A6E07-21F2-8306-03AC-BD1655A56090}"/>
+              </a:ext>
+              <a:ext uri="{C183D7F6-B498-43B3-948B-1728B52AA6E4}">
+                <adec:decorative xmlns:adec="http://schemas.microsoft.com/office/drawing/2017/decorative" val="1"/>
+              </a:ext>
+            </a:extLst>
+          </p:cNvPr>
+          <p:cNvGrpSpPr>
+            <a:grpSpLocks noGrp="1" noUngrp="1" noRot="1" noChangeAspect="1" noMove="1" noResize="1"/>
+          </p:cNvGrpSpPr>
+          <p:nvPr>
+            <p:extLst>
+              <p:ext uri="{386F3935-93C4-4BCD-93E2-E3B085C9AB24}">
+                <p16:designElem xmlns:p16="http://schemas.microsoft.com/office/powerpoint/2015/main" val="1"/>
+              </p:ext>
+            </p:extLst>
+          </p:nvPr>
+        </p:nvGrpSpPr>
+        <p:grpSpPr>
+          <a:xfrm>
+            <a:off x="4" y="1216597"/>
+            <a:ext cx="731521" cy="673460"/>
+            <a:chOff x="3940602" y="308034"/>
+            <a:chExt cx="2116791" cy="3428999"/>
+          </a:xfrm>
+          <a:solidFill>
+            <a:schemeClr val="accent4"/>
+          </a:solidFill>
+        </p:grpSpPr>
+        <p:sp>
+          <p:nvSpPr>
+            <p:cNvPr id="11" name="Rectangle 10">
+              <a:extLst>
+                <a:ext uri="{FF2B5EF4-FFF2-40B4-BE49-F238E27FC236}">
+                  <a16:creationId xmlns:a16="http://schemas.microsoft.com/office/drawing/2014/main" id="{D3DB3A72-65A5-1A43-8F7F-3D38C7903925}"/>
+                </a:ext>
+                <a:ext uri="{C183D7F6-B498-43B3-948B-1728B52AA6E4}">
+                  <adec:decorative xmlns:adec="http://schemas.microsoft.com/office/drawing/2017/decorative" val="1"/>
+                </a:ext>
+              </a:extLst>
+            </p:cNvPr>
+            <p:cNvSpPr/>
+            <p:nvPr>
+              <p:extLst>
+                <p:ext uri="{386F3935-93C4-4BCD-93E2-E3B085C9AB24}">
+                  <p16:designElem xmlns:p16="http://schemas.microsoft.com/office/powerpoint/2015/main" val="1"/>
+                </p:ext>
+              </p:extLst>
+            </p:nvPr>
+          </p:nvSpPr>
+          <p:spPr>
+            <a:xfrm>
+              <a:off x="3940602" y="308034"/>
+              <a:ext cx="566743" cy="3428999"/>
+            </a:xfrm>
+            <a:prstGeom prst="rect">
+              <a:avLst/>
+            </a:prstGeom>
+            <a:grpFill/>
+            <a:ln>
+              <a:noFill/>
+            </a:ln>
+          </p:spPr>
+          <p:style>
+            <a:lnRef idx="2">
+              <a:schemeClr val="accent1">
+                <a:shade val="50000"/>
+              </a:schemeClr>
+            </a:lnRef>
+            <a:fillRef idx="1">
+              <a:schemeClr val="accent1"/>
+            </a:fillRef>
+            <a:effectRef idx="0">
+              <a:schemeClr val="accent1"/>
+            </a:effectRef>
+            <a:fontRef idx="minor">
+              <a:schemeClr val="lt1"/>
+            </a:fontRef>
+          </p:style>
+          <p:txBody>
+            <a:bodyPr rtlCol="0" anchor="ctr"/>
+            <a:lstStyle/>
+            <a:p>
+              <a:pPr marL="0" marR="0" lvl="0" indent="0" algn="ctr" defTabSz="914400" rtl="0" eaLnBrk="1" fontAlgn="auto" latinLnBrk="0" hangingPunct="1">
+                <a:lnSpc>
+                  <a:spcPct val="100000"/>
+                </a:lnSpc>
+                <a:spcBef>
+                  <a:spcPts val="0"/>
+                </a:spcBef>
+                <a:spcAft>
+                  <a:spcPts val="0"/>
+                </a:spcAft>
+                <a:buClrTx/>
+                <a:buSzTx/>
+                <a:buFontTx/>
+                <a:buNone/>
+                <a:tabLst/>
+                <a:defRPr/>
+              </a:pPr>
+              <a:endParaRPr kumimoji="0" lang="en-US" sz="1800" b="0" i="0" u="none" strike="noStrike" kern="1200" cap="none" spc="0" normalizeH="0" baseline="0" noProof="0">
+                <a:ln>
+                  <a:noFill/>
+                </a:ln>
+                <a:solidFill>
+                  <a:prstClr val="white"/>
+                </a:solidFill>
+                <a:effectLst/>
+                <a:uLnTx/>
+                <a:uFillTx/>
+                <a:latin typeface="Aptos" panose="02110004020202020204"/>
+                <a:ea typeface="+mn-ea"/>
+                <a:cs typeface="+mn-cs"/>
+              </a:endParaRPr>
+            </a:p>
+          </p:txBody>
+        </p:sp>
+        <p:sp>
+          <p:nvSpPr>
+            <p:cNvPr id="12" name="Rectangle 11">
+              <a:extLst>
+                <a:ext uri="{FF2B5EF4-FFF2-40B4-BE49-F238E27FC236}">
+                  <a16:creationId xmlns:a16="http://schemas.microsoft.com/office/drawing/2014/main" id="{D101F997-1705-BC18-48F5-7D822F4D6E2B}"/>
+                </a:ext>
+                <a:ext uri="{C183D7F6-B498-43B3-948B-1728B52AA6E4}">
+                  <adec:decorative xmlns:adec="http://schemas.microsoft.com/office/drawing/2017/decorative" val="1"/>
+                </a:ext>
+              </a:extLst>
+            </p:cNvPr>
+            <p:cNvSpPr/>
+            <p:nvPr>
+              <p:extLst>
+                <p:ext uri="{386F3935-93C4-4BCD-93E2-E3B085C9AB24}">
+                  <p16:designElem xmlns:p16="http://schemas.microsoft.com/office/powerpoint/2015/main" val="1"/>
+                </p:ext>
+              </p:extLst>
+            </p:nvPr>
+          </p:nvSpPr>
+          <p:spPr>
+            <a:xfrm>
+              <a:off x="4715626" y="308034"/>
+              <a:ext cx="566743" cy="3428999"/>
+            </a:xfrm>
+            <a:prstGeom prst="rect">
+              <a:avLst/>
+            </a:prstGeom>
+            <a:grpFill/>
+            <a:ln>
+              <a:noFill/>
+            </a:ln>
+          </p:spPr>
+          <p:style>
+            <a:lnRef idx="2">
+              <a:schemeClr val="accent1">
+                <a:shade val="50000"/>
+              </a:schemeClr>
+            </a:lnRef>
+            <a:fillRef idx="1">
+              <a:schemeClr val="accent1"/>
+            </a:fillRef>
+            <a:effectRef idx="0">
+              <a:schemeClr val="accent1"/>
+            </a:effectRef>
+            <a:fontRef idx="minor">
+              <a:schemeClr val="lt1"/>
+            </a:fontRef>
+          </p:style>
+          <p:txBody>
+            <a:bodyPr rtlCol="0" anchor="ctr"/>
+            <a:lstStyle/>
+            <a:p>
+              <a:pPr marL="0" marR="0" lvl="0" indent="0" algn="ctr" defTabSz="914400" rtl="0" eaLnBrk="1" fontAlgn="auto" latinLnBrk="0" hangingPunct="1">
+                <a:lnSpc>
+                  <a:spcPct val="100000"/>
+                </a:lnSpc>
+                <a:spcBef>
+                  <a:spcPts val="0"/>
+                </a:spcBef>
+                <a:spcAft>
+                  <a:spcPts val="0"/>
+                </a:spcAft>
+                <a:buClrTx/>
+                <a:buSzTx/>
+                <a:buFontTx/>
+                <a:buNone/>
+                <a:tabLst/>
+                <a:defRPr/>
+              </a:pPr>
+              <a:endParaRPr kumimoji="0" lang="en-US" sz="1800" b="0" i="0" u="none" strike="noStrike" kern="1200" cap="none" spc="0" normalizeH="0" baseline="0" noProof="0">
+                <a:ln>
+                  <a:noFill/>
+                </a:ln>
+                <a:solidFill>
+                  <a:prstClr val="white"/>
+                </a:solidFill>
+                <a:effectLst/>
+                <a:uLnTx/>
+                <a:uFillTx/>
+                <a:latin typeface="Aptos" panose="02110004020202020204"/>
+                <a:ea typeface="+mn-ea"/>
+                <a:cs typeface="+mn-cs"/>
+              </a:endParaRPr>
+            </a:p>
+          </p:txBody>
+        </p:sp>
+        <p:sp>
+          <p:nvSpPr>
+            <p:cNvPr id="13" name="Rectangle 12">
+              <a:extLst>
+                <a:ext uri="{FF2B5EF4-FFF2-40B4-BE49-F238E27FC236}">
+                  <a16:creationId xmlns:a16="http://schemas.microsoft.com/office/drawing/2014/main" id="{011633AF-DB46-78E7-F389-70250028ED49}"/>
+                </a:ext>
+                <a:ext uri="{C183D7F6-B498-43B3-948B-1728B52AA6E4}">
+                  <adec:decorative xmlns:adec="http://schemas.microsoft.com/office/drawing/2017/decorative" val="1"/>
+                </a:ext>
+              </a:extLst>
+            </p:cNvPr>
+            <p:cNvSpPr/>
+            <p:nvPr>
+              <p:extLst>
+                <p:ext uri="{386F3935-93C4-4BCD-93E2-E3B085C9AB24}">
+                  <p16:designElem xmlns:p16="http://schemas.microsoft.com/office/powerpoint/2015/main" val="1"/>
+                </p:ext>
+              </p:extLst>
+            </p:nvPr>
+          </p:nvSpPr>
+          <p:spPr>
+            <a:xfrm>
+              <a:off x="5490650" y="308034"/>
+              <a:ext cx="566743" cy="3428999"/>
+            </a:xfrm>
+            <a:prstGeom prst="rect">
+              <a:avLst/>
+            </a:prstGeom>
+            <a:grpFill/>
+            <a:ln>
+              <a:noFill/>
+            </a:ln>
+          </p:spPr>
+          <p:style>
+            <a:lnRef idx="2">
+              <a:schemeClr val="accent1">
+                <a:shade val="50000"/>
+              </a:schemeClr>
+            </a:lnRef>
+            <a:fillRef idx="1">
+              <a:schemeClr val="accent1"/>
+            </a:fillRef>
+            <a:effectRef idx="0">
+              <a:schemeClr val="accent1"/>
+            </a:effectRef>
+            <a:fontRef idx="minor">
+              <a:schemeClr val="lt1"/>
+            </a:fontRef>
+          </p:style>
+          <p:txBody>
+            <a:bodyPr rtlCol="0" anchor="ctr"/>
+            <a:lstStyle/>
+            <a:p>
+              <a:pPr marL="0" marR="0" lvl="0" indent="0" algn="ctr" defTabSz="914400" rtl="0" eaLnBrk="1" fontAlgn="auto" latinLnBrk="0" hangingPunct="1">
+                <a:lnSpc>
+                  <a:spcPct val="100000"/>
+                </a:lnSpc>
+                <a:spcBef>
+                  <a:spcPts val="0"/>
+                </a:spcBef>
+                <a:spcAft>
+                  <a:spcPts val="0"/>
+                </a:spcAft>
+                <a:buClrTx/>
+                <a:buSzTx/>
+                <a:buFontTx/>
+                <a:buNone/>
+                <a:tabLst/>
+                <a:defRPr/>
+              </a:pPr>
+              <a:endParaRPr kumimoji="0" lang="en-US" sz="1800" b="0" i="0" u="none" strike="noStrike" kern="1200" cap="none" spc="0" normalizeH="0" baseline="0" noProof="0">
+                <a:ln>
+                  <a:noFill/>
+                </a:ln>
+                <a:solidFill>
+                  <a:prstClr val="white"/>
+                </a:solidFill>
+                <a:effectLst/>
+                <a:uLnTx/>
+                <a:uFillTx/>
+                <a:latin typeface="Aptos" panose="02110004020202020204"/>
+                <a:ea typeface="+mn-ea"/>
+                <a:cs typeface="+mn-cs"/>
+              </a:endParaRPr>
+            </a:p>
+          </p:txBody>
+        </p:sp>
+      </p:grpSp>
+      <p:sp>
+        <p:nvSpPr>
+          <p:cNvPr id="15" name="Rectangle 14">
+            <a:extLst>
+              <a:ext uri="{FF2B5EF4-FFF2-40B4-BE49-F238E27FC236}">
+                <a16:creationId xmlns:a16="http://schemas.microsoft.com/office/drawing/2014/main" id="{86904CD8-12A1-7206-5BFC-1E89EAE24081}"/>
+              </a:ext>
+              <a:ext uri="{C183D7F6-B498-43B3-948B-1728B52AA6E4}">
+                <adec:decorative xmlns:adec="http://schemas.microsoft.com/office/drawing/2017/decorative" val="1"/>
+              </a:ext>
+            </a:extLst>
+          </p:cNvPr>
+          <p:cNvSpPr>
+            <a:spLocks noGrp="1" noRot="1" noChangeAspect="1" noMove="1" noResize="1" noEditPoints="1" noAdjustHandles="1" noChangeArrowheads="1" noChangeShapeType="1" noTextEdit="1"/>
+          </p:cNvSpPr>
+          <p:nvPr>
+            <p:extLst>
+              <p:ext uri="{386F3935-93C4-4BCD-93E2-E3B085C9AB24}">
+                <p16:designElem xmlns:p16="http://schemas.microsoft.com/office/powerpoint/2015/main" val="1"/>
+              </p:ext>
+            </p:extLst>
+          </p:nvPr>
+        </p:nvSpPr>
+        <p:spPr>
+          <a:xfrm>
+            <a:off x="640079" y="613954"/>
+            <a:ext cx="10907487" cy="1894116"/>
+          </a:xfrm>
+          <a:prstGeom prst="rect">
+            <a:avLst/>
+          </a:prstGeom>
+          <a:solidFill>
+            <a:schemeClr val="bg1"/>
+          </a:solidFill>
+          <a:ln>
+            <a:noFill/>
+          </a:ln>
+          <a:effectLst>
+            <a:outerShdw blurRad="139700" dist="127000" dir="5400000" algn="t" rotWithShape="0">
+              <a:prstClr val="black">
+                <a:alpha val="15000"/>
+              </a:prstClr>
+            </a:outerShdw>
+          </a:effectLst>
+        </p:spPr>
+        <p:style>
+          <a:lnRef idx="2">
+            <a:schemeClr val="accent1">
+              <a:shade val="50000"/>
+            </a:schemeClr>
+          </a:lnRef>
+          <a:fillRef idx="1">
+            <a:schemeClr val="accent1"/>
+          </a:fillRef>
+          <a:effectRef idx="0">
+            <a:schemeClr val="accent1"/>
+          </a:effectRef>
+          <a:fontRef idx="minor">
+            <a:schemeClr val="lt1"/>
+          </a:fontRef>
+        </p:style>
+        <p:txBody>
+          <a:bodyPr rtlCol="0" anchor="ctr"/>
+          <a:lstStyle/>
+          <a:p>
+            <a:pPr marL="0" marR="0" lvl="0" indent="0" algn="ctr" defTabSz="914400" rtl="0" eaLnBrk="1" fontAlgn="auto" latinLnBrk="0" hangingPunct="1">
+              <a:lnSpc>
+                <a:spcPct val="100000"/>
+              </a:lnSpc>
+              <a:spcBef>
+                <a:spcPts val="0"/>
+              </a:spcBef>
+              <a:spcAft>
+                <a:spcPts val="0"/>
+              </a:spcAft>
+              <a:buClrTx/>
+              <a:buSzTx/>
+              <a:buFontTx/>
+              <a:buNone/>
+              <a:tabLst/>
+              <a:defRPr/>
+            </a:pPr>
+            <a:endParaRPr kumimoji="0" lang="en-US" sz="1800" b="0" i="0" u="none" strike="noStrike" kern="1200" cap="none" spc="0" normalizeH="0" baseline="0" noProof="0">
+              <a:ln>
+                <a:noFill/>
+              </a:ln>
+              <a:solidFill>
+                <a:prstClr val="white"/>
+              </a:solidFill>
+              <a:effectLst/>
+              <a:uLnTx/>
+              <a:uFillTx/>
+              <a:latin typeface="Aptos" panose="02110004020202020204"/>
+              <a:ea typeface="+mn-ea"/>
+              <a:cs typeface="+mn-cs"/>
+            </a:endParaRPr>
+          </a:p>
+        </p:txBody>
+      </p:sp>
+      <p:sp>
+        <p:nvSpPr>
+          <p:cNvPr id="2" name="Titolo 1">
+            <a:extLst>
+              <a:ext uri="{FF2B5EF4-FFF2-40B4-BE49-F238E27FC236}">
+                <a16:creationId xmlns:a16="http://schemas.microsoft.com/office/drawing/2014/main" id="{3122796D-07DA-1E80-96D5-B0FC48F6E3F3}"/>
+              </a:ext>
+            </a:extLst>
+          </p:cNvPr>
+          <p:cNvSpPr>
+            <a:spLocks noGrp="1"/>
+          </p:cNvSpPr>
+          <p:nvPr>
+            <p:ph type="title"/>
+          </p:nvPr>
+        </p:nvSpPr>
+        <p:spPr>
+          <a:xfrm>
+            <a:off x="1043631" y="809898"/>
+            <a:ext cx="9942716" cy="1554480"/>
+          </a:xfrm>
+        </p:spPr>
+        <p:txBody>
+          <a:bodyPr anchor="ctr">
+            <a:normAutofit/>
+          </a:bodyPr>
+          <a:lstStyle/>
+          <a:p>
+            <a:r>
+              <a:rPr lang="it-IT" sz="4800" dirty="0"/>
+              <a:t>Test Application</a:t>
+            </a:r>
+          </a:p>
+        </p:txBody>
+      </p:sp>
+      <p:sp>
+        <p:nvSpPr>
+          <p:cNvPr id="3" name="Segnaposto contenuto 2">
+            <a:extLst>
+              <a:ext uri="{FF2B5EF4-FFF2-40B4-BE49-F238E27FC236}">
+                <a16:creationId xmlns:a16="http://schemas.microsoft.com/office/drawing/2014/main" id="{7C9446F0-23A3-AD83-1E4E-087B83C33364}"/>
+              </a:ext>
+            </a:extLst>
+          </p:cNvPr>
+          <p:cNvSpPr>
+            <a:spLocks noGrp="1"/>
+          </p:cNvSpPr>
+          <p:nvPr>
+            <p:ph idx="1"/>
+          </p:nvPr>
+        </p:nvSpPr>
+        <p:spPr>
+          <a:xfrm>
+            <a:off x="1045028" y="3017522"/>
+            <a:ext cx="9941319" cy="3124658"/>
+          </a:xfrm>
+        </p:spPr>
+        <p:txBody>
+          <a:bodyPr anchor="ctr">
+            <a:normAutofit/>
+          </a:bodyPr>
+          <a:lstStyle/>
+          <a:p>
+            <a:r>
+              <a:rPr lang="it-IT" sz="2400" dirty="0"/>
+              <a:t>L’applicazione è interamente gestibile dal </a:t>
+            </a:r>
+            <a:r>
+              <a:rPr lang="it-IT" sz="2400" dirty="0" err="1"/>
+              <a:t>backend</a:t>
+            </a:r>
+            <a:r>
+              <a:rPr lang="it-IT" sz="2400" dirty="0"/>
+              <a:t>, i medici possono creare nuovi test selezionando le domande. Tali test saranno poi proposti agli utenti. Ad ogni tentativo sarà selezionato un test a caso.</a:t>
+            </a:r>
+          </a:p>
+          <a:p>
+            <a:r>
+              <a:rPr lang="it-IT" sz="2400" dirty="0"/>
+              <a:t>È possibile inserire nelle risposte possibili alle singole domande l’opzione «non rispondo»</a:t>
+            </a:r>
+          </a:p>
+          <a:p>
+            <a:endParaRPr lang="it-IT" sz="2000" dirty="0"/>
+          </a:p>
+        </p:txBody>
+      </p:sp>
+      <p:cxnSp>
+        <p:nvCxnSpPr>
+          <p:cNvPr id="17" name="Straight Connector 16">
+            <a:extLst>
+              <a:ext uri="{FF2B5EF4-FFF2-40B4-BE49-F238E27FC236}">
+                <a16:creationId xmlns:a16="http://schemas.microsoft.com/office/drawing/2014/main" id="{0E9FCFC8-E2D3-70F4-1993-89EFCF0D758D}"/>
+              </a:ext>
+              <a:ext uri="{C183D7F6-B498-43B3-948B-1728B52AA6E4}">
+                <adec:decorative xmlns:adec="http://schemas.microsoft.com/office/drawing/2017/decorative" val="1"/>
+              </a:ext>
+            </a:extLst>
+          </p:cNvPr>
+          <p:cNvCxnSpPr>
+            <a:cxnSpLocks noGrp="1" noRot="1" noChangeAspect="1" noMove="1" noResize="1" noEditPoints="1" noAdjustHandles="1" noChangeArrowheads="1" noChangeShapeType="1"/>
+          </p:cNvCxnSpPr>
+          <p:nvPr>
+            <p:extLst>
+              <p:ext uri="{386F3935-93C4-4BCD-93E2-E3B085C9AB24}">
+                <p16:designElem xmlns:p16="http://schemas.microsoft.com/office/powerpoint/2015/main" val="1"/>
+              </p:ext>
+            </p:extLst>
+          </p:nvPr>
+        </p:nvCxnSpPr>
+        <p:spPr>
+          <a:xfrm flipH="1">
+            <a:off x="838200" y="6485313"/>
+            <a:ext cx="10515600" cy="0"/>
+          </a:xfrm>
+          <a:prstGeom prst="line">
+            <a:avLst/>
+          </a:prstGeom>
+          <a:ln w="57150">
+            <a:solidFill>
+              <a:schemeClr val="accent4"/>
+            </a:solidFill>
+          </a:ln>
+        </p:spPr>
+        <p:style>
+          <a:lnRef idx="1">
+            <a:schemeClr val="accent1"/>
+          </a:lnRef>
+          <a:fillRef idx="0">
+            <a:schemeClr val="accent1"/>
+          </a:fillRef>
+          <a:effectRef idx="0">
+            <a:schemeClr val="accent1"/>
+          </a:effectRef>
+          <a:fontRef idx="minor">
+            <a:schemeClr val="tx1"/>
+          </a:fontRef>
+        </p:style>
+      </p:cxnSp>
+    </p:spTree>
+    <p:extLst>
+      <p:ext uri="{BB962C8B-B14F-4D97-AF65-F5344CB8AC3E}">
+        <p14:creationId xmlns:p14="http://schemas.microsoft.com/office/powerpoint/2010/main" val="2343423143"/>
       </p:ext>
     </p:extLst>
   </p:cSld>
@@ -7685,7 +8110,7 @@
           <p:cNvPr id="2" name="Titolo 1">
             <a:extLst>
               <a:ext uri="{FF2B5EF4-FFF2-40B4-BE49-F238E27FC236}">
-                <a16:creationId xmlns:a16="http://schemas.microsoft.com/office/drawing/2014/main" id="{CD759EC4-0C26-4CA5-04F8-26089B739C71}"/>
+                <a16:creationId xmlns:a16="http://schemas.microsoft.com/office/drawing/2014/main" id="{E068AADB-991F-9F46-2385-CD43AA0B9521}"/>
               </a:ext>
             </a:extLst>
           </p:cNvPr>
@@ -7709,8 +8134,8 @@
           <a:lstStyle/>
           <a:p>
             <a:r>
-              <a:rPr lang="it-IT" sz="4800"/>
-              <a:t>Accessibilità: strumenti</a:t>
+              <a:rPr lang="it-IT" sz="4800" dirty="0"/>
+              <a:t>Test Application</a:t>
             </a:r>
           </a:p>
         </p:txBody>
@@ -7720,7 +8145,7 @@
           <p:cNvPr id="3" name="Segnaposto contenuto 2">
             <a:extLst>
               <a:ext uri="{FF2B5EF4-FFF2-40B4-BE49-F238E27FC236}">
-                <a16:creationId xmlns:a16="http://schemas.microsoft.com/office/drawing/2014/main" id="{4ED99926-0EBC-BE19-7E53-897FD768EEC1}"/>
+                <a16:creationId xmlns:a16="http://schemas.microsoft.com/office/drawing/2014/main" id="{0B6FAA6E-54E7-3668-A82D-3F5C40E2E09B}"/>
               </a:ext>
             </a:extLst>
           </p:cNvPr>
@@ -7739,63 +8164,65 @@
         </p:spPr>
         <p:txBody>
           <a:bodyPr anchor="ctr">
-            <a:normAutofit lnSpcReduction="10000"/>
+            <a:normAutofit/>
           </a:bodyPr>
           <a:lstStyle/>
           <a:p>
-            <a:pPr marL="0" indent="0">
-              <a:buNone/>
-            </a:pPr>
             <a:r>
               <a:rPr lang="it-IT" sz="2400" dirty="0"/>
-              <a:t>Per valutare l’accessibilità sono stati usati tre strumenti:</a:t>
-            </a:r>
-          </a:p>
-          <a:p>
-            <a:r>
-              <a:rPr lang="it-IT" sz="2400" b="1" dirty="0"/>
-              <a:t>Lighthouse</a:t>
-            </a:r>
-          </a:p>
-          <a:p>
-            <a:r>
-              <a:rPr lang="it-IT" sz="2400" b="1" dirty="0" err="1"/>
-              <a:t>Silktide</a:t>
-            </a:r>
+              <a:t>Si può navigare tra le domande, ma per rispondere è necessario cliccare il tasto «Salva risposta e prosegui». Il test termina quando l’ultima domanda è consegnata.</a:t>
+            </a:r>
+          </a:p>
+          <a:p>
             <a:r>
               <a:rPr lang="it-IT" sz="2400" dirty="0"/>
-              <a:t> con impostazione WCAG 2.1 AA</a:t>
-            </a:r>
-          </a:p>
-          <a:p>
-            <a:r>
-              <a:rPr lang="it-IT" sz="2400" b="1" dirty="0"/>
-              <a:t>NVDA</a:t>
-            </a:r>
-            <a:r>
-              <a:rPr lang="it-IT" sz="2400" dirty="0"/>
-              <a:t> come screen reader per verificare la corretta lettura degli elementi delle pagine</a:t>
-            </a:r>
-          </a:p>
-          <a:p>
-            <a:r>
-              <a:rPr lang="it-IT" sz="2400" dirty="0"/>
-              <a:t>Per controllare se il sito fosse responsive è stata utilizzata la </a:t>
-            </a:r>
-            <a:r>
-              <a:rPr lang="it-IT" sz="2400" b="1" dirty="0"/>
-              <a:t>device toolbar</a:t>
-            </a:r>
-            <a:r>
-              <a:rPr lang="it-IT" sz="2400" dirty="0"/>
-              <a:t> di Chrome per valutare il comportamento del sito su diversi schermi</a:t>
-            </a:r>
-          </a:p>
-          <a:p>
-            <a:pPr marL="0" indent="0">
-              <a:buNone/>
-            </a:pPr>
-            <a:endParaRPr lang="it-IT" sz="2400" dirty="0"/>
+              <a:t>Il sistema classifica il punteggio delle risposte nel seguente modo:</a:t>
+            </a:r>
+          </a:p>
+          <a:p>
+            <a:pPr lvl="1"/>
+            <a:r>
+              <a:rPr lang="it-IT" sz="2000" dirty="0"/>
+              <a:t>Minore di -0,5: </a:t>
+            </a:r>
+            <a:r>
+              <a:rPr lang="it-IT" sz="2000" dirty="0">
+                <a:solidFill>
+                  <a:srgbClr val="FF0000"/>
+                </a:solidFill>
+              </a:rPr>
+              <a:t>errore grave</a:t>
+            </a:r>
+          </a:p>
+          <a:p>
+            <a:pPr lvl="1"/>
+            <a:r>
+              <a:rPr lang="it-IT" sz="2000" dirty="0"/>
+              <a:t>Tra -0,5 e 0,5: </a:t>
+            </a:r>
+            <a:r>
+              <a:rPr lang="it-IT" sz="2000" dirty="0">
+                <a:solidFill>
+                  <a:schemeClr val="accent2"/>
+                </a:solidFill>
+              </a:rPr>
+              <a:t>errore</a:t>
+            </a:r>
+          </a:p>
+          <a:p>
+            <a:pPr lvl="1"/>
+            <a:r>
+              <a:rPr lang="it-IT" sz="2000" dirty="0"/>
+              <a:t>Tra 0,5 e 1: </a:t>
+            </a:r>
+            <a:r>
+              <a:rPr lang="it-IT" sz="2000" dirty="0">
+                <a:solidFill>
+                  <a:schemeClr val="accent6"/>
+                </a:solidFill>
+              </a:rPr>
+              <a:t>corretto</a:t>
+            </a:r>
           </a:p>
         </p:txBody>
       </p:sp>
@@ -7854,7 +8281,7 @@
     </p:spTree>
     <p:extLst>
       <p:ext uri="{BB962C8B-B14F-4D97-AF65-F5344CB8AC3E}">
-        <p14:creationId xmlns:p14="http://schemas.microsoft.com/office/powerpoint/2010/main" val="444261878"/>
+        <p14:creationId xmlns:p14="http://schemas.microsoft.com/office/powerpoint/2010/main" val="254740756"/>
       </p:ext>
     </p:extLst>
   </p:cSld>
@@ -8236,7 +8663,7 @@
           <p:cNvPr id="2" name="Titolo 1">
             <a:extLst>
               <a:ext uri="{FF2B5EF4-FFF2-40B4-BE49-F238E27FC236}">
-                <a16:creationId xmlns:a16="http://schemas.microsoft.com/office/drawing/2014/main" id="{0B69A792-AEFC-9943-4AB1-6C72919C105B}"/>
+                <a16:creationId xmlns:a16="http://schemas.microsoft.com/office/drawing/2014/main" id="{CD759EC4-0C26-4CA5-04F8-26089B739C71}"/>
               </a:ext>
             </a:extLst>
           </p:cNvPr>
@@ -8261,7 +8688,7 @@
           <a:p>
             <a:r>
               <a:rPr lang="it-IT" sz="4800"/>
-              <a:t>Accessibilità: criteri</a:t>
+              <a:t>Accessibilità: strumenti</a:t>
             </a:r>
           </a:p>
         </p:txBody>
@@ -8271,7 +8698,7 @@
           <p:cNvPr id="3" name="Segnaposto contenuto 2">
             <a:extLst>
               <a:ext uri="{FF2B5EF4-FFF2-40B4-BE49-F238E27FC236}">
-                <a16:creationId xmlns:a16="http://schemas.microsoft.com/office/drawing/2014/main" id="{3D9F59F4-A8B5-D948-5E7D-0ABD535D3B25}"/>
+                <a16:creationId xmlns:a16="http://schemas.microsoft.com/office/drawing/2014/main" id="{4ED99926-0EBC-BE19-7E53-897FD768EEC1}"/>
               </a:ext>
             </a:extLst>
           </p:cNvPr>
@@ -8290,103 +8717,63 @@
         </p:spPr>
         <p:txBody>
           <a:bodyPr anchor="ctr">
-            <a:normAutofit/>
+            <a:normAutofit lnSpcReduction="10000"/>
           </a:bodyPr>
           <a:lstStyle/>
-          <a:p>
-            <a:r>
-              <a:rPr lang="it-IT" sz="2200" b="0" i="0" u="none" strike="noStrike" baseline="0">
-                <a:latin typeface="TT Commons Pro"/>
-              </a:rPr>
-              <a:t>Ordine </a:t>
-            </a:r>
-            <a:r>
-              <a:rPr lang="it-IT" sz="2200">
-                <a:latin typeface="TT Commons Pro"/>
-              </a:rPr>
-              <a:t>dei tag rispettato (es H1 H2 H3 … e non H1 H3 H4)</a:t>
-            </a:r>
-            <a:endParaRPr lang="it-IT" sz="2200" b="0" i="0" u="none" strike="noStrike" baseline="0">
-              <a:latin typeface="TT Commons Pro"/>
-            </a:endParaRPr>
-          </a:p>
-          <a:p>
-            <a:r>
-              <a:rPr lang="it-IT" sz="2200" b="0" i="0" u="none" strike="noStrike" baseline="0">
-                <a:latin typeface="TTCommonsPro-Bd"/>
-              </a:rPr>
-              <a:t>Contrasto di colore </a:t>
-            </a:r>
-            <a:r>
-              <a:rPr lang="it-IT" sz="2200" b="0" i="0" u="none" strike="noStrike" baseline="0">
-                <a:latin typeface="TTCommonsPro-Rg"/>
-              </a:rPr>
-              <a:t>minimo 4.5:1 per il testo normale e 3:1 per il testo grande</a:t>
-            </a:r>
-          </a:p>
-          <a:p>
-            <a:r>
-              <a:rPr lang="it-IT" sz="2200">
-                <a:latin typeface="TTCommonsPro-Rg"/>
-              </a:rPr>
-              <a:t>L</a:t>
-            </a:r>
-            <a:r>
-              <a:rPr lang="it-IT" sz="2200" b="0" i="0" u="none" strike="noStrike" baseline="0">
-                <a:latin typeface="TTCommonsPro-Rg"/>
-              </a:rPr>
-              <a:t>'ordine di focus degli elementi interattivi deve seguire un percorso logico e intuitivo e l'indicatore di focus deve essere di un colore contrastante con lo sfondo.</a:t>
-            </a:r>
-          </a:p>
-          <a:p>
-            <a:pPr lvl="1"/>
-            <a:r>
-              <a:rPr lang="it-IT" sz="2200">
-                <a:latin typeface="TTCommonsPro-Rg"/>
-              </a:rPr>
-              <a:t>Tab per selezionare gli elementi andando avanti</a:t>
-            </a:r>
-          </a:p>
-          <a:p>
-            <a:pPr lvl="1"/>
-            <a:r>
-              <a:rPr lang="it-IT" sz="2200" b="0" i="0" u="none" strike="noStrike" baseline="0">
-                <a:latin typeface="TTCommonsPro-Rg"/>
-              </a:rPr>
-              <a:t>Shift Tab per selezionare gli elementi andando indietro</a:t>
-            </a:r>
-          </a:p>
-          <a:p>
-            <a:pPr lvl="1"/>
-            <a:r>
-              <a:rPr lang="it-IT" sz="2200">
-                <a:latin typeface="TTCommonsPro-Rg"/>
-              </a:rPr>
-              <a:t>Spazio per aprire i menu a tendina</a:t>
-            </a:r>
-          </a:p>
-          <a:p>
-            <a:pPr lvl="1"/>
-            <a:r>
-              <a:rPr lang="it-IT" sz="2200" b="0" i="0" u="none" strike="noStrike" baseline="0">
-                <a:latin typeface="TTCommonsPro-Rg"/>
-              </a:rPr>
-              <a:t>Invio per premere un link/pulsante selezionato</a:t>
-            </a:r>
-          </a:p>
-          <a:p>
-            <a:pPr marL="457200" lvl="1" indent="0">
-              <a:buNone/>
-            </a:pPr>
-            <a:endParaRPr lang="it-IT" sz="2200" b="0" i="0" u="none" strike="noStrike" baseline="0">
-              <a:latin typeface="TTCommonsPro-Rg"/>
-            </a:endParaRPr>
-          </a:p>
           <a:p>
             <a:pPr marL="0" indent="0">
               <a:buNone/>
             </a:pPr>
-            <a:endParaRPr lang="it-IT" sz="2200"/>
+            <a:r>
+              <a:rPr lang="it-IT" sz="2400" dirty="0"/>
+              <a:t>Per valutare l’accessibilità sono stati usati tre strumenti:</a:t>
+            </a:r>
+          </a:p>
+          <a:p>
+            <a:r>
+              <a:rPr lang="it-IT" sz="2400" b="1" dirty="0"/>
+              <a:t>Lighthouse</a:t>
+            </a:r>
+          </a:p>
+          <a:p>
+            <a:r>
+              <a:rPr lang="it-IT" sz="2400" b="1" dirty="0" err="1"/>
+              <a:t>Silktide</a:t>
+            </a:r>
+            <a:r>
+              <a:rPr lang="it-IT" sz="2400" dirty="0"/>
+              <a:t> con impostazione WCAG 2.1 AA</a:t>
+            </a:r>
+          </a:p>
+          <a:p>
+            <a:r>
+              <a:rPr lang="it-IT" sz="2400" b="1" dirty="0"/>
+              <a:t>NVDA</a:t>
+            </a:r>
+            <a:r>
+              <a:rPr lang="it-IT" sz="2400" dirty="0"/>
+              <a:t> come screen reader per verificare la corretta lettura degli elementi delle pagine</a:t>
+            </a:r>
+          </a:p>
+          <a:p>
+            <a:r>
+              <a:rPr lang="it-IT" sz="2400" dirty="0"/>
+              <a:t>Per controllare se il sito fosse responsive è stata utilizzata la </a:t>
+            </a:r>
+            <a:r>
+              <a:rPr lang="it-IT" sz="2400" b="1" dirty="0"/>
+              <a:t>device toolbar</a:t>
+            </a:r>
+            <a:r>
+              <a:rPr lang="it-IT" sz="2400" dirty="0"/>
+              <a:t> di Chrome per valutare il comportamento del sito su diversi schermi</a:t>
+            </a:r>
+          </a:p>
+          <a:p>
+            <a:pPr marL="0" indent="0">
+              <a:buNone/>
+            </a:pPr>
+            <a:endParaRPr lang="it-IT" sz="2400" dirty="0"/>
           </a:p>
         </p:txBody>
       </p:sp>
@@ -8445,7 +8832,7 @@
     </p:spTree>
     <p:extLst>
       <p:ext uri="{BB962C8B-B14F-4D97-AF65-F5344CB8AC3E}">
-        <p14:creationId xmlns:p14="http://schemas.microsoft.com/office/powerpoint/2010/main" val="2078212111"/>
+        <p14:creationId xmlns:p14="http://schemas.microsoft.com/office/powerpoint/2010/main" val="444261878"/>
       </p:ext>
     </p:extLst>
   </p:cSld>

--- a/slide.pptx
+++ b/slide.pptx
@@ -3747,9 +3747,10 @@
               <a:t>Furri</a:t>
             </a:r>
             <a:r>
-              <a:rPr lang="en-US" sz="2000" dirty="0"/>
-              <a:t> Geremia</a:t>
-            </a:r>
+              <a:rPr lang="en-US" sz="2000"/>
+              <a:t> Geremia VR504878</a:t>
+            </a:r>
+            <a:endParaRPr lang="en-US" sz="2000" dirty="0"/>
           </a:p>
         </p:txBody>
       </p:sp>
@@ -7666,6 +7667,20 @@
             <a:r>
               <a:rPr lang="it-IT" sz="2400" dirty="0"/>
               <a:t>È possibile inserire nelle risposte possibili alle singole domande l’opzione «non rispondo»</a:t>
+            </a:r>
+          </a:p>
+          <a:p>
+            <a:r>
+              <a:rPr lang="it-IT" sz="2400" dirty="0"/>
+              <a:t>Abbiamo utilizzato </a:t>
+            </a:r>
+            <a:r>
+              <a:rPr lang="it-IT" sz="2400" dirty="0" err="1"/>
+              <a:t>CKEditor</a:t>
+            </a:r>
+            <a:r>
+              <a:rPr lang="it-IT" sz="2400" dirty="0"/>
+              <a:t> per dare la possibilità ai medici di personalizzare la pagina delle domande</a:t>
             </a:r>
           </a:p>
           <a:p>

--- a/slide.pptx
+++ b/slide.pptx
@@ -10,11 +10,10 @@
     <p:sldId id="257" r:id="rId4"/>
     <p:sldId id="263" r:id="rId5"/>
     <p:sldId id="258" r:id="rId6"/>
-    <p:sldId id="265" r:id="rId7"/>
-    <p:sldId id="267" r:id="rId8"/>
-    <p:sldId id="259" r:id="rId9"/>
-    <p:sldId id="260" r:id="rId10"/>
-    <p:sldId id="261" r:id="rId11"/>
+    <p:sldId id="267" r:id="rId7"/>
+    <p:sldId id="259" r:id="rId8"/>
+    <p:sldId id="260" r:id="rId9"/>
+    <p:sldId id="261" r:id="rId10"/>
   </p:sldIdLst>
   <p:sldSz cx="12192000" cy="6858000"/>
   <p:notesSz cx="6858000" cy="9144000"/>
@@ -268,7 +267,7 @@
           <a:p>
             <a:fld id="{12C64D1D-CE79-44D9-A3BD-F3476E363360}" type="datetimeFigureOut">
               <a:rPr lang="it-IT" smtClean="0"/>
-              <a:t>10/06/2025</a:t>
+              <a:t>30/06/2025</a:t>
             </a:fld>
             <a:endParaRPr lang="it-IT"/>
           </a:p>
@@ -466,7 +465,7 @@
           <a:p>
             <a:fld id="{12C64D1D-CE79-44D9-A3BD-F3476E363360}" type="datetimeFigureOut">
               <a:rPr lang="it-IT" smtClean="0"/>
-              <a:t>10/06/2025</a:t>
+              <a:t>30/06/2025</a:t>
             </a:fld>
             <a:endParaRPr lang="it-IT"/>
           </a:p>
@@ -674,7 +673,7 @@
           <a:p>
             <a:fld id="{12C64D1D-CE79-44D9-A3BD-F3476E363360}" type="datetimeFigureOut">
               <a:rPr lang="it-IT" smtClean="0"/>
-              <a:t>10/06/2025</a:t>
+              <a:t>30/06/2025</a:t>
             </a:fld>
             <a:endParaRPr lang="it-IT"/>
           </a:p>
@@ -872,7 +871,7 @@
           <a:p>
             <a:fld id="{12C64D1D-CE79-44D9-A3BD-F3476E363360}" type="datetimeFigureOut">
               <a:rPr lang="it-IT" smtClean="0"/>
-              <a:t>10/06/2025</a:t>
+              <a:t>30/06/2025</a:t>
             </a:fld>
             <a:endParaRPr lang="it-IT"/>
           </a:p>
@@ -1147,7 +1146,7 @@
           <a:p>
             <a:fld id="{12C64D1D-CE79-44D9-A3BD-F3476E363360}" type="datetimeFigureOut">
               <a:rPr lang="it-IT" smtClean="0"/>
-              <a:t>10/06/2025</a:t>
+              <a:t>30/06/2025</a:t>
             </a:fld>
             <a:endParaRPr lang="it-IT"/>
           </a:p>
@@ -1412,7 +1411,7 @@
           <a:p>
             <a:fld id="{12C64D1D-CE79-44D9-A3BD-F3476E363360}" type="datetimeFigureOut">
               <a:rPr lang="it-IT" smtClean="0"/>
-              <a:t>10/06/2025</a:t>
+              <a:t>30/06/2025</a:t>
             </a:fld>
             <a:endParaRPr lang="it-IT"/>
           </a:p>
@@ -1824,7 +1823,7 @@
           <a:p>
             <a:fld id="{12C64D1D-CE79-44D9-A3BD-F3476E363360}" type="datetimeFigureOut">
               <a:rPr lang="it-IT" smtClean="0"/>
-              <a:t>10/06/2025</a:t>
+              <a:t>30/06/2025</a:t>
             </a:fld>
             <a:endParaRPr lang="it-IT"/>
           </a:p>
@@ -1965,7 +1964,7 @@
           <a:p>
             <a:fld id="{12C64D1D-CE79-44D9-A3BD-F3476E363360}" type="datetimeFigureOut">
               <a:rPr lang="it-IT" smtClean="0"/>
-              <a:t>10/06/2025</a:t>
+              <a:t>30/06/2025</a:t>
             </a:fld>
             <a:endParaRPr lang="it-IT"/>
           </a:p>
@@ -2078,7 +2077,7 @@
           <a:p>
             <a:fld id="{12C64D1D-CE79-44D9-A3BD-F3476E363360}" type="datetimeFigureOut">
               <a:rPr lang="it-IT" smtClean="0"/>
-              <a:t>10/06/2025</a:t>
+              <a:t>30/06/2025</a:t>
             </a:fld>
             <a:endParaRPr lang="it-IT"/>
           </a:p>
@@ -2389,7 +2388,7 @@
           <a:p>
             <a:fld id="{12C64D1D-CE79-44D9-A3BD-F3476E363360}" type="datetimeFigureOut">
               <a:rPr lang="it-IT" smtClean="0"/>
-              <a:t>10/06/2025</a:t>
+              <a:t>30/06/2025</a:t>
             </a:fld>
             <a:endParaRPr lang="it-IT"/>
           </a:p>
@@ -2677,7 +2676,7 @@
           <a:p>
             <a:fld id="{12C64D1D-CE79-44D9-A3BD-F3476E363360}" type="datetimeFigureOut">
               <a:rPr lang="it-IT" smtClean="0"/>
-              <a:t>10/06/2025</a:t>
+              <a:t>30/06/2025</a:t>
             </a:fld>
             <a:endParaRPr lang="it-IT"/>
           </a:p>
@@ -2918,7 +2917,7 @@
           <a:p>
             <a:fld id="{12C64D1D-CE79-44D9-A3BD-F3476E363360}" type="datetimeFigureOut">
               <a:rPr lang="it-IT" smtClean="0"/>
-              <a:t>10/06/2025</a:t>
+              <a:t>30/06/2025</a:t>
             </a:fld>
             <a:endParaRPr lang="it-IT"/>
           </a:p>
@@ -3830,7 +3829,7 @@
 </p:sld>
 </file>
 
-<file path=ppt/slides/slide10.xml><?xml version="1.0" encoding="utf-8"?>
+<file path=ppt/slides/slide2.xml><?xml version="1.0" encoding="utf-8"?>
 <p:sld xmlns:a="http://schemas.openxmlformats.org/drawingml/2006/main" xmlns:r="http://schemas.openxmlformats.org/officeDocument/2006/relationships" xmlns:p="http://schemas.openxmlformats.org/presentationml/2006/main">
   <p:cSld>
     <p:bg>
@@ -4202,7 +4201,7 @@
           <p:cNvPr id="2" name="Titolo 1">
             <a:extLst>
               <a:ext uri="{FF2B5EF4-FFF2-40B4-BE49-F238E27FC236}">
-                <a16:creationId xmlns:a16="http://schemas.microsoft.com/office/drawing/2014/main" id="{0B69A792-AEFC-9943-4AB1-6C72919C105B}"/>
+                <a16:creationId xmlns:a16="http://schemas.microsoft.com/office/drawing/2014/main" id="{F145EF25-CBA2-18B7-2490-ECDD9A7EF6FD}"/>
               </a:ext>
             </a:extLst>
           </p:cNvPr>
@@ -4226,8 +4225,8 @@
           <a:lstStyle/>
           <a:p>
             <a:r>
-              <a:rPr lang="it-IT" sz="4800"/>
-              <a:t>Accessibilità: criteri</a:t>
+              <a:rPr lang="it-IT" sz="4800" dirty="0"/>
+              <a:t>Criteri adottati: metodologia di lavoro</a:t>
             </a:r>
           </a:p>
         </p:txBody>
@@ -4237,7 +4236,7 @@
           <p:cNvPr id="3" name="Segnaposto contenuto 2">
             <a:extLst>
               <a:ext uri="{FF2B5EF4-FFF2-40B4-BE49-F238E27FC236}">
-                <a16:creationId xmlns:a16="http://schemas.microsoft.com/office/drawing/2014/main" id="{3D9F59F4-A8B5-D948-5E7D-0ABD535D3B25}"/>
+                <a16:creationId xmlns:a16="http://schemas.microsoft.com/office/drawing/2014/main" id="{E5012425-51CA-12B5-6355-269107AF3B9B}"/>
               </a:ext>
             </a:extLst>
           </p:cNvPr>
@@ -4260,99 +4259,29 @@
           </a:bodyPr>
           <a:lstStyle/>
           <a:p>
-            <a:r>
-              <a:rPr lang="it-IT" sz="2200" b="0" i="0" u="none" strike="noStrike" baseline="0">
-                <a:latin typeface="TT Commons Pro"/>
-              </a:rPr>
-              <a:t>Ordine </a:t>
-            </a:r>
-            <a:r>
-              <a:rPr lang="it-IT" sz="2200">
-                <a:latin typeface="TT Commons Pro"/>
-              </a:rPr>
-              <a:t>dei tag rispettato (es H1 H2 H3 … e non H1 H3 H4)</a:t>
-            </a:r>
-            <a:endParaRPr lang="it-IT" sz="2200" b="0" i="0" u="none" strike="noStrike" baseline="0">
-              <a:latin typeface="TT Commons Pro"/>
-            </a:endParaRPr>
-          </a:p>
-          <a:p>
-            <a:r>
-              <a:rPr lang="it-IT" sz="2200" b="0" i="0" u="none" strike="noStrike" baseline="0">
-                <a:latin typeface="TTCommonsPro-Bd"/>
-              </a:rPr>
-              <a:t>Contrasto di colore </a:t>
-            </a:r>
-            <a:r>
-              <a:rPr lang="it-IT" sz="2200" b="0" i="0" u="none" strike="noStrike" baseline="0">
-                <a:latin typeface="TTCommonsPro-Rg"/>
-              </a:rPr>
-              <a:t>minimo 4.5:1 per il testo normale e 3:1 per il testo grande</a:t>
-            </a:r>
-          </a:p>
-          <a:p>
-            <a:r>
-              <a:rPr lang="it-IT" sz="2200">
-                <a:latin typeface="TTCommonsPro-Rg"/>
-              </a:rPr>
-              <a:t>L</a:t>
-            </a:r>
-            <a:r>
-              <a:rPr lang="it-IT" sz="2200" b="0" i="0" u="none" strike="noStrike" baseline="0">
-                <a:latin typeface="TTCommonsPro-Rg"/>
-              </a:rPr>
-              <a:t>'ordine di focus degli elementi interattivi deve seguire un percorso logico e intuitivo e l'indicatore di focus deve essere di un colore contrastante con lo sfondo.</a:t>
-            </a:r>
-          </a:p>
-          <a:p>
-            <a:pPr lvl="1"/>
-            <a:r>
-              <a:rPr lang="it-IT" sz="2200">
-                <a:latin typeface="TTCommonsPro-Rg"/>
-              </a:rPr>
-              <a:t>Tab per selezionare gli elementi andando avanti</a:t>
-            </a:r>
-          </a:p>
-          <a:p>
-            <a:pPr lvl="1"/>
-            <a:r>
-              <a:rPr lang="it-IT" sz="2200" b="0" i="0" u="none" strike="noStrike" baseline="0">
-                <a:latin typeface="TTCommonsPro-Rg"/>
-              </a:rPr>
-              <a:t>Shift Tab per selezionare gli elementi andando indietro</a:t>
-            </a:r>
-          </a:p>
-          <a:p>
-            <a:pPr lvl="1"/>
-            <a:r>
-              <a:rPr lang="it-IT" sz="2200">
-                <a:latin typeface="TTCommonsPro-Rg"/>
-              </a:rPr>
-              <a:t>Spazio per aprire i menu a tendina</a:t>
-            </a:r>
-          </a:p>
-          <a:p>
-            <a:pPr lvl="1"/>
-            <a:r>
-              <a:rPr lang="it-IT" sz="2200" b="0" i="0" u="none" strike="noStrike" baseline="0">
-                <a:latin typeface="TTCommonsPro-Rg"/>
-              </a:rPr>
-              <a:t>Invio per premere un link/pulsante selezionato</a:t>
-            </a:r>
-          </a:p>
-          <a:p>
-            <a:pPr marL="457200" lvl="1" indent="0">
-              <a:buNone/>
-            </a:pPr>
-            <a:endParaRPr lang="it-IT" sz="2200" b="0" i="0" u="none" strike="noStrike" baseline="0">
-              <a:latin typeface="TTCommonsPro-Rg"/>
-            </a:endParaRPr>
-          </a:p>
-          <a:p>
             <a:pPr marL="0" indent="0">
               <a:buNone/>
             </a:pPr>
-            <a:endParaRPr lang="it-IT" sz="2200"/>
+            <a:r>
+              <a:rPr lang="it-IT" sz="2400" dirty="0"/>
+              <a:t>Abbiamo utilizzato la metodologia agile con lo sviluppo incrementale. Ogni iterazione produceva una versione aggiornata del software. Il progetto è stato diviso in due parti: la parte di </a:t>
+            </a:r>
+            <a:r>
+              <a:rPr lang="it-IT" sz="2400" dirty="0" err="1"/>
+              <a:t>backend</a:t>
+            </a:r>
+            <a:r>
+              <a:rPr lang="it-IT" sz="2400" dirty="0"/>
+              <a:t> e di </a:t>
+            </a:r>
+            <a:r>
+              <a:rPr lang="it-IT" sz="2400" dirty="0" err="1"/>
+              <a:t>frontend</a:t>
+            </a:r>
+            <a:r>
+              <a:rPr lang="it-IT" sz="2400" dirty="0"/>
+              <a:t> .</a:t>
+            </a:r>
           </a:p>
         </p:txBody>
       </p:sp>
@@ -4411,7 +4340,7 @@
     </p:spTree>
     <p:extLst>
       <p:ext uri="{BB962C8B-B14F-4D97-AF65-F5344CB8AC3E}">
-        <p14:creationId xmlns:p14="http://schemas.microsoft.com/office/powerpoint/2010/main" val="2078212111"/>
+        <p14:creationId xmlns:p14="http://schemas.microsoft.com/office/powerpoint/2010/main" val="3255971233"/>
       </p:ext>
     </p:extLst>
   </p:cSld>
@@ -4421,7 +4350,7 @@
 </p:sld>
 </file>
 
-<file path=ppt/slides/slide2.xml><?xml version="1.0" encoding="utf-8"?>
+<file path=ppt/slides/slide3.xml><?xml version="1.0" encoding="utf-8"?>
 <p:sld xmlns:a="http://schemas.openxmlformats.org/drawingml/2006/main" xmlns:r="http://schemas.openxmlformats.org/officeDocument/2006/relationships" xmlns:p="http://schemas.openxmlformats.org/presentationml/2006/main">
   <p:cSld>
     <p:bg>
@@ -4793,7 +4722,7 @@
           <p:cNvPr id="2" name="Titolo 1">
             <a:extLst>
               <a:ext uri="{FF2B5EF4-FFF2-40B4-BE49-F238E27FC236}">
-                <a16:creationId xmlns:a16="http://schemas.microsoft.com/office/drawing/2014/main" id="{F145EF25-CBA2-18B7-2490-ECDD9A7EF6FD}"/>
+                <a16:creationId xmlns:a16="http://schemas.microsoft.com/office/drawing/2014/main" id="{2B914724-2EF7-5B3C-B8A2-7DCE1C861E16}"/>
               </a:ext>
             </a:extLst>
           </p:cNvPr>
@@ -4817,8 +4746,8 @@
           <a:lstStyle/>
           <a:p>
             <a:r>
-              <a:rPr lang="it-IT" sz="4800" dirty="0"/>
-              <a:t>Criteri adottati: metodologia di lavoro</a:t>
+              <a:rPr lang="it-IT" sz="4800"/>
+              <a:t>Criteri adottati: divisione del lavoro</a:t>
             </a:r>
           </a:p>
         </p:txBody>
@@ -4828,7 +4757,7 @@
           <p:cNvPr id="3" name="Segnaposto contenuto 2">
             <a:extLst>
               <a:ext uri="{FF2B5EF4-FFF2-40B4-BE49-F238E27FC236}">
-                <a16:creationId xmlns:a16="http://schemas.microsoft.com/office/drawing/2014/main" id="{E5012425-51CA-12B5-6355-269107AF3B9B}"/>
+                <a16:creationId xmlns:a16="http://schemas.microsoft.com/office/drawing/2014/main" id="{39408C61-7C43-8A39-8CBA-942BD1AF951C}"/>
               </a:ext>
             </a:extLst>
           </p:cNvPr>
@@ -4851,29 +4780,64 @@
           </a:bodyPr>
           <a:lstStyle/>
           <a:p>
-            <a:pPr marL="0" indent="0">
-              <a:buNone/>
-            </a:pPr>
-            <a:r>
-              <a:rPr lang="it-IT" sz="2400" dirty="0"/>
-              <a:t>Abbiamo utilizzato la metodologia agile con lo sviluppo incrementale. Ogni iterazione produceva una versione aggiornata del software. Il progetto è stato diviso in due parti: la parte di </a:t>
-            </a:r>
-            <a:r>
-              <a:rPr lang="it-IT" sz="2400" dirty="0" err="1"/>
+            <a:pPr lvl="1"/>
+            <a:r>
+              <a:rPr lang="it-IT" dirty="0" err="1"/>
+              <a:t>Bragastini</a:t>
+            </a:r>
+            <a:r>
+              <a:rPr lang="it-IT" dirty="0"/>
+              <a:t> Enrico: </a:t>
+            </a:r>
+            <a:r>
+              <a:rPr lang="it-IT" dirty="0" err="1"/>
               <a:t>backend</a:t>
             </a:r>
             <a:r>
-              <a:rPr lang="it-IT" sz="2400" dirty="0"/>
-              <a:t> e di </a:t>
-            </a:r>
-            <a:r>
-              <a:rPr lang="it-IT" sz="2400" dirty="0" err="1"/>
+              <a:rPr lang="it-IT" dirty="0"/>
+              <a:t> e logica del quiz</a:t>
+            </a:r>
+          </a:p>
+          <a:p>
+            <a:pPr lvl="1"/>
+            <a:r>
+              <a:rPr lang="it-IT" dirty="0"/>
+              <a:t>Farina Christian: </a:t>
+            </a:r>
+            <a:r>
+              <a:rPr lang="it-IT" dirty="0" err="1"/>
               <a:t>frontend</a:t>
             </a:r>
             <a:r>
-              <a:rPr lang="it-IT" sz="2400" dirty="0"/>
-              <a:t> .</a:t>
-            </a:r>
+              <a:rPr lang="it-IT" dirty="0"/>
+              <a:t> e accessibilità</a:t>
+            </a:r>
+          </a:p>
+          <a:p>
+            <a:pPr lvl="1"/>
+            <a:r>
+              <a:rPr lang="it-IT" dirty="0" err="1"/>
+              <a:t>Furri</a:t>
+            </a:r>
+            <a:r>
+              <a:rPr lang="it-IT" dirty="0"/>
+              <a:t> Geremia: </a:t>
+            </a:r>
+            <a:r>
+              <a:rPr lang="it-IT" dirty="0" err="1"/>
+              <a:t>backend</a:t>
+            </a:r>
+            <a:r>
+              <a:rPr lang="it-IT" dirty="0"/>
+              <a:t> logica e interfaccia amministratore</a:t>
+            </a:r>
+          </a:p>
+          <a:p>
+            <a:pPr lvl="1"/>
+            <a:endParaRPr lang="it-IT" dirty="0"/>
+          </a:p>
+          <a:p>
+            <a:endParaRPr lang="it-IT" sz="2400" dirty="0"/>
           </a:p>
         </p:txBody>
       </p:sp>
@@ -4932,7 +4896,7 @@
     </p:spTree>
     <p:extLst>
       <p:ext uri="{BB962C8B-B14F-4D97-AF65-F5344CB8AC3E}">
-        <p14:creationId xmlns:p14="http://schemas.microsoft.com/office/powerpoint/2010/main" val="3255971233"/>
+        <p14:creationId xmlns:p14="http://schemas.microsoft.com/office/powerpoint/2010/main" val="1171484331"/>
       </p:ext>
     </p:extLst>
   </p:cSld>
@@ -4942,7 +4906,7 @@
 </p:sld>
 </file>
 
-<file path=ppt/slides/slide3.xml><?xml version="1.0" encoding="utf-8"?>
+<file path=ppt/slides/slide4.xml><?xml version="1.0" encoding="utf-8"?>
 <p:sld xmlns:a="http://schemas.openxmlformats.org/drawingml/2006/main" xmlns:r="http://schemas.openxmlformats.org/officeDocument/2006/relationships" xmlns:p="http://schemas.openxmlformats.org/presentationml/2006/main">
   <p:cSld>
     <p:bg>
@@ -5314,7 +5278,7 @@
           <p:cNvPr id="2" name="Titolo 1">
             <a:extLst>
               <a:ext uri="{FF2B5EF4-FFF2-40B4-BE49-F238E27FC236}">
-                <a16:creationId xmlns:a16="http://schemas.microsoft.com/office/drawing/2014/main" id="{2B914724-2EF7-5B3C-B8A2-7DCE1C861E16}"/>
+                <a16:creationId xmlns:a16="http://schemas.microsoft.com/office/drawing/2014/main" id="{49933CDA-0A0B-D7B1-DE3B-12772F20A112}"/>
               </a:ext>
             </a:extLst>
           </p:cNvPr>
@@ -5339,7 +5303,7 @@
           <a:p>
             <a:r>
               <a:rPr lang="it-IT" sz="4800"/>
-              <a:t>Criteri adottati: divisione del lavoro</a:t>
+              <a:t>Organizzazione di DjangoCMS</a:t>
             </a:r>
           </a:p>
         </p:txBody>
@@ -5349,7 +5313,7 @@
           <p:cNvPr id="3" name="Segnaposto contenuto 2">
             <a:extLst>
               <a:ext uri="{FF2B5EF4-FFF2-40B4-BE49-F238E27FC236}">
-                <a16:creationId xmlns:a16="http://schemas.microsoft.com/office/drawing/2014/main" id="{39408C61-7C43-8A39-8CBA-942BD1AF951C}"/>
+                <a16:creationId xmlns:a16="http://schemas.microsoft.com/office/drawing/2014/main" id="{EB975195-F413-CE9C-28B2-715C2515F670}"/>
               </a:ext>
             </a:extLst>
           </p:cNvPr>
@@ -5372,55 +5336,44 @@
           </a:bodyPr>
           <a:lstStyle/>
           <a:p>
-            <a:pPr lvl="1"/>
-            <a:r>
-              <a:rPr lang="it-IT" dirty="0" err="1"/>
-              <a:t>Bragastini</a:t>
-            </a:r>
-            <a:r>
-              <a:rPr lang="it-IT" dirty="0"/>
-              <a:t> Enrico: </a:t>
-            </a:r>
-            <a:r>
-              <a:rPr lang="it-IT" dirty="0" err="1"/>
-              <a:t>backend</a:t>
-            </a:r>
-            <a:endParaRPr lang="it-IT" dirty="0"/>
-          </a:p>
-          <a:p>
-            <a:pPr lvl="1"/>
-            <a:r>
-              <a:rPr lang="it-IT" dirty="0"/>
-              <a:t>Farina Christian: </a:t>
-            </a:r>
-            <a:r>
-              <a:rPr lang="it-IT" dirty="0" err="1"/>
-              <a:t>frontend</a:t>
-            </a:r>
-            <a:r>
-              <a:rPr lang="it-IT" dirty="0"/>
-              <a:t> e accessibilità</a:t>
-            </a:r>
-          </a:p>
-          <a:p>
-            <a:pPr lvl="1"/>
-            <a:r>
-              <a:rPr lang="it-IT" dirty="0" err="1"/>
-              <a:t>Furri</a:t>
-            </a:r>
-            <a:r>
-              <a:rPr lang="it-IT" dirty="0"/>
-              <a:t> Geremia: </a:t>
-            </a:r>
-            <a:r>
-              <a:rPr lang="it-IT" dirty="0" err="1"/>
-              <a:t>backend</a:t>
-            </a:r>
-            <a:endParaRPr lang="it-IT" dirty="0"/>
-          </a:p>
-          <a:p>
-            <a:pPr lvl="1"/>
-            <a:endParaRPr lang="it-IT" dirty="0"/>
+            <a:pPr marL="0" indent="0">
+              <a:buNone/>
+            </a:pPr>
+            <a:r>
+              <a:rPr lang="it-IT" sz="2400" dirty="0"/>
+              <a:t>Attraverso </a:t>
+            </a:r>
+            <a:r>
+              <a:rPr lang="it-IT" sz="2400" dirty="0" err="1"/>
+              <a:t>DjangoCMS</a:t>
+            </a:r>
+            <a:r>
+              <a:rPr lang="it-IT" sz="2400" dirty="0"/>
+              <a:t> abbiamo impostato nel seguente modo il sito:</a:t>
+            </a:r>
+          </a:p>
+          <a:p>
+            <a:r>
+              <a:rPr lang="it-IT" sz="2400" dirty="0"/>
+              <a:t>Pagine informative gestite tramite editor grafico</a:t>
+            </a:r>
+          </a:p>
+          <a:p>
+            <a:r>
+              <a:rPr lang="it-IT" sz="2400" dirty="0"/>
+              <a:t>Applicazione quiz iniettata tramite </a:t>
+            </a:r>
+            <a:r>
+              <a:rPr lang="it-IT" sz="2400" dirty="0" err="1"/>
+              <a:t>apphook</a:t>
+            </a:r>
+            <a:endParaRPr lang="it-IT" sz="2400" dirty="0"/>
+          </a:p>
+          <a:p>
+            <a:r>
+              <a:rPr lang="it-IT" sz="2400" dirty="0"/>
+              <a:t>Creazione quiz e gestione delle esecuzioni tramite interfaccia amministratore</a:t>
+            </a:r>
           </a:p>
           <a:p>
             <a:endParaRPr lang="it-IT" sz="2400" dirty="0"/>
@@ -5482,7 +5435,7 @@
     </p:spTree>
     <p:extLst>
       <p:ext uri="{BB962C8B-B14F-4D97-AF65-F5344CB8AC3E}">
-        <p14:creationId xmlns:p14="http://schemas.microsoft.com/office/powerpoint/2010/main" val="1171484331"/>
+        <p14:creationId xmlns:p14="http://schemas.microsoft.com/office/powerpoint/2010/main" val="2288778211"/>
       </p:ext>
     </p:extLst>
   </p:cSld>
@@ -5492,7 +5445,7 @@
 </p:sld>
 </file>
 
-<file path=ppt/slides/slide4.xml><?xml version="1.0" encoding="utf-8"?>
+<file path=ppt/slides/slide5.xml><?xml version="1.0" encoding="utf-8"?>
 <p:sld xmlns:a="http://schemas.openxmlformats.org/drawingml/2006/main" xmlns:r="http://schemas.openxmlformats.org/officeDocument/2006/relationships" xmlns:p="http://schemas.openxmlformats.org/presentationml/2006/main">
   <p:cSld>
     <p:bg>
@@ -5864,519 +5817,6 @@
           <p:cNvPr id="2" name="Titolo 1">
             <a:extLst>
               <a:ext uri="{FF2B5EF4-FFF2-40B4-BE49-F238E27FC236}">
-                <a16:creationId xmlns:a16="http://schemas.microsoft.com/office/drawing/2014/main" id="{49933CDA-0A0B-D7B1-DE3B-12772F20A112}"/>
-              </a:ext>
-            </a:extLst>
-          </p:cNvPr>
-          <p:cNvSpPr>
-            <a:spLocks noGrp="1"/>
-          </p:cNvSpPr>
-          <p:nvPr>
-            <p:ph type="title"/>
-          </p:nvPr>
-        </p:nvSpPr>
-        <p:spPr>
-          <a:xfrm>
-            <a:off x="1043631" y="809898"/>
-            <a:ext cx="9942716" cy="1554480"/>
-          </a:xfrm>
-        </p:spPr>
-        <p:txBody>
-          <a:bodyPr anchor="ctr">
-            <a:normAutofit/>
-          </a:bodyPr>
-          <a:lstStyle/>
-          <a:p>
-            <a:r>
-              <a:rPr lang="it-IT" sz="4800"/>
-              <a:t>Organizzazione di DjangoCMS</a:t>
-            </a:r>
-          </a:p>
-        </p:txBody>
-      </p:sp>
-      <p:sp>
-        <p:nvSpPr>
-          <p:cNvPr id="3" name="Segnaposto contenuto 2">
-            <a:extLst>
-              <a:ext uri="{FF2B5EF4-FFF2-40B4-BE49-F238E27FC236}">
-                <a16:creationId xmlns:a16="http://schemas.microsoft.com/office/drawing/2014/main" id="{EB975195-F413-CE9C-28B2-715C2515F670}"/>
-              </a:ext>
-            </a:extLst>
-          </p:cNvPr>
-          <p:cNvSpPr>
-            <a:spLocks noGrp="1"/>
-          </p:cNvSpPr>
-          <p:nvPr>
-            <p:ph idx="1"/>
-          </p:nvPr>
-        </p:nvSpPr>
-        <p:spPr>
-          <a:xfrm>
-            <a:off x="1045028" y="3017522"/>
-            <a:ext cx="9941319" cy="3124658"/>
-          </a:xfrm>
-        </p:spPr>
-        <p:txBody>
-          <a:bodyPr anchor="ctr">
-            <a:normAutofit/>
-          </a:bodyPr>
-          <a:lstStyle/>
-          <a:p>
-            <a:pPr marL="0" indent="0">
-              <a:buNone/>
-            </a:pPr>
-            <a:r>
-              <a:rPr lang="it-IT" sz="2400" dirty="0"/>
-              <a:t>Le pagine si dividono in pagine principali e sotto-pagine. Le pagine principali sono quelle direttamente visibili dalla </a:t>
-            </a:r>
-            <a:r>
-              <a:rPr lang="it-IT" sz="2400" dirty="0" err="1"/>
-              <a:t>navbar</a:t>
-            </a:r>
-            <a:r>
-              <a:rPr lang="it-IT" sz="2400" dirty="0"/>
-              <a:t>, le sotto pagine sono presenti nei menu a tendina (es pagine delle infezioni).</a:t>
-            </a:r>
-          </a:p>
-        </p:txBody>
-      </p:sp>
-      <p:cxnSp>
-        <p:nvCxnSpPr>
-          <p:cNvPr id="17" name="Straight Connector 16">
-            <a:extLst>
-              <a:ext uri="{FF2B5EF4-FFF2-40B4-BE49-F238E27FC236}">
-                <a16:creationId xmlns:a16="http://schemas.microsoft.com/office/drawing/2014/main" id="{6CF1BAF6-AD41-4082-B212-8A1F9A2E8779}"/>
-              </a:ext>
-              <a:ext uri="{C183D7F6-B498-43B3-948B-1728B52AA6E4}">
-                <adec:decorative xmlns:adec="http://schemas.microsoft.com/office/drawing/2017/decorative" val="1"/>
-              </a:ext>
-            </a:extLst>
-          </p:cNvPr>
-          <p:cNvCxnSpPr>
-            <a:cxnSpLocks noGrp="1" noRot="1" noChangeAspect="1" noMove="1" noResize="1" noEditPoints="1" noAdjustHandles="1" noChangeArrowheads="1" noChangeShapeType="1"/>
-          </p:cNvCxnSpPr>
-          <p:nvPr>
-            <p:extLst>
-              <p:ext uri="{386F3935-93C4-4BCD-93E2-E3B085C9AB24}">
-                <p16:designElem xmlns:p16="http://schemas.microsoft.com/office/powerpoint/2015/main" val="1"/>
-              </p:ext>
-            </p:extLst>
-          </p:nvPr>
-        </p:nvCxnSpPr>
-        <p:spPr>
-          <a:xfrm flipH="1">
-            <a:off x="838200" y="6485313"/>
-            <a:ext cx="10515600" cy="0"/>
-          </a:xfrm>
-          <a:prstGeom prst="line">
-            <a:avLst/>
-          </a:prstGeom>
-          <a:ln w="57150">
-            <a:solidFill>
-              <a:schemeClr val="accent4"/>
-            </a:solidFill>
-          </a:ln>
-        </p:spPr>
-        <p:style>
-          <a:lnRef idx="1">
-            <a:schemeClr val="accent1"/>
-          </a:lnRef>
-          <a:fillRef idx="0">
-            <a:schemeClr val="accent1"/>
-          </a:fillRef>
-          <a:effectRef idx="0">
-            <a:schemeClr val="accent1"/>
-          </a:effectRef>
-          <a:fontRef idx="minor">
-            <a:schemeClr val="tx1"/>
-          </a:fontRef>
-        </p:style>
-      </p:cxnSp>
-    </p:spTree>
-    <p:extLst>
-      <p:ext uri="{BB962C8B-B14F-4D97-AF65-F5344CB8AC3E}">
-        <p14:creationId xmlns:p14="http://schemas.microsoft.com/office/powerpoint/2010/main" val="2288778211"/>
-      </p:ext>
-    </p:extLst>
-  </p:cSld>
-  <p:clrMapOvr>
-    <a:masterClrMapping/>
-  </p:clrMapOvr>
-</p:sld>
-</file>
-
-<file path=ppt/slides/slide5.xml><?xml version="1.0" encoding="utf-8"?>
-<p:sld xmlns:a="http://schemas.openxmlformats.org/drawingml/2006/main" xmlns:r="http://schemas.openxmlformats.org/officeDocument/2006/relationships" xmlns:p="http://schemas.openxmlformats.org/presentationml/2006/main">
-  <p:cSld>
-    <p:bg>
-      <p:bgPr>
-        <a:solidFill>
-          <a:schemeClr val="bg1"/>
-        </a:solidFill>
-        <a:effectLst/>
-      </p:bgPr>
-    </p:bg>
-    <p:spTree>
-      <p:nvGrpSpPr>
-        <p:cNvPr id="1" name=""/>
-        <p:cNvGrpSpPr/>
-        <p:nvPr/>
-      </p:nvGrpSpPr>
-      <p:grpSpPr>
-        <a:xfrm>
-          <a:off x="0" y="0"/>
-          <a:ext cx="0" cy="0"/>
-          <a:chOff x="0" y="0"/>
-          <a:chExt cx="0" cy="0"/>
-        </a:xfrm>
-      </p:grpSpPr>
-      <p:sp useBgFill="1">
-        <p:nvSpPr>
-          <p:cNvPr id="8" name="Rectangle 7">
-            <a:extLst>
-              <a:ext uri="{FF2B5EF4-FFF2-40B4-BE49-F238E27FC236}">
-                <a16:creationId xmlns:a16="http://schemas.microsoft.com/office/drawing/2014/main" id="{B6CDA21F-E7AF-4C75-8395-33F58D5B0E45}"/>
-              </a:ext>
-              <a:ext uri="{C183D7F6-B498-43B3-948B-1728B52AA6E4}">
-                <adec:decorative xmlns:adec="http://schemas.microsoft.com/office/drawing/2017/decorative" val="1"/>
-              </a:ext>
-            </a:extLst>
-          </p:cNvPr>
-          <p:cNvSpPr>
-            <a:spLocks noGrp="1" noRot="1" noChangeAspect="1" noMove="1" noResize="1" noEditPoints="1" noAdjustHandles="1" noChangeArrowheads="1" noChangeShapeType="1" noTextEdit="1"/>
-          </p:cNvSpPr>
-          <p:nvPr>
-            <p:extLst>
-              <p:ext uri="{386F3935-93C4-4BCD-93E2-E3B085C9AB24}">
-                <p16:designElem xmlns:p16="http://schemas.microsoft.com/office/powerpoint/2015/main" val="1"/>
-              </p:ext>
-            </p:extLst>
-          </p:nvPr>
-        </p:nvSpPr>
-        <p:spPr>
-          <a:xfrm>
-            <a:off x="0" y="0"/>
-            <a:ext cx="12191999" cy="6857365"/>
-          </a:xfrm>
-          <a:prstGeom prst="rect">
-            <a:avLst/>
-          </a:prstGeom>
-          <a:ln>
-            <a:noFill/>
-          </a:ln>
-        </p:spPr>
-        <p:style>
-          <a:lnRef idx="2">
-            <a:schemeClr val="accent1">
-              <a:shade val="50000"/>
-            </a:schemeClr>
-          </a:lnRef>
-          <a:fillRef idx="1">
-            <a:schemeClr val="accent1"/>
-          </a:fillRef>
-          <a:effectRef idx="0">
-            <a:schemeClr val="accent1"/>
-          </a:effectRef>
-          <a:fontRef idx="minor">
-            <a:schemeClr val="lt1"/>
-          </a:fontRef>
-        </p:style>
-        <p:txBody>
-          <a:bodyPr rtlCol="0" anchor="ctr"/>
-          <a:lstStyle/>
-          <a:p>
-            <a:pPr algn="ctr"/>
-            <a:endParaRPr lang="en-US"/>
-          </a:p>
-        </p:txBody>
-      </p:sp>
-      <p:grpSp>
-        <p:nvGrpSpPr>
-          <p:cNvPr id="10" name="Group 9">
-            <a:extLst>
-              <a:ext uri="{FF2B5EF4-FFF2-40B4-BE49-F238E27FC236}">
-                <a16:creationId xmlns:a16="http://schemas.microsoft.com/office/drawing/2014/main" id="{AE1C45F0-260A-458C-96ED-C1F6D2151219}"/>
-              </a:ext>
-              <a:ext uri="{C183D7F6-B498-43B3-948B-1728B52AA6E4}">
-                <adec:decorative xmlns:adec="http://schemas.microsoft.com/office/drawing/2017/decorative" val="1"/>
-              </a:ext>
-            </a:extLst>
-          </p:cNvPr>
-          <p:cNvGrpSpPr>
-            <a:grpSpLocks noGrp="1" noUngrp="1" noRot="1" noChangeAspect="1" noMove="1" noResize="1"/>
-          </p:cNvGrpSpPr>
-          <p:nvPr>
-            <p:extLst>
-              <p:ext uri="{386F3935-93C4-4BCD-93E2-E3B085C9AB24}">
-                <p16:designElem xmlns:p16="http://schemas.microsoft.com/office/powerpoint/2015/main" val="1"/>
-              </p:ext>
-            </p:extLst>
-          </p:nvPr>
-        </p:nvGrpSpPr>
-        <p:grpSpPr>
-          <a:xfrm>
-            <a:off x="4" y="1216597"/>
-            <a:ext cx="731521" cy="673460"/>
-            <a:chOff x="3940602" y="308034"/>
-            <a:chExt cx="2116791" cy="3428999"/>
-          </a:xfrm>
-          <a:solidFill>
-            <a:schemeClr val="accent4"/>
-          </a:solidFill>
-        </p:grpSpPr>
-        <p:sp>
-          <p:nvSpPr>
-            <p:cNvPr id="11" name="Rectangle 10">
-              <a:extLst>
-                <a:ext uri="{FF2B5EF4-FFF2-40B4-BE49-F238E27FC236}">
-                  <a16:creationId xmlns:a16="http://schemas.microsoft.com/office/drawing/2014/main" id="{A6604B49-AD5C-4590-B051-06C8222ECD99}"/>
-                </a:ext>
-                <a:ext uri="{C183D7F6-B498-43B3-948B-1728B52AA6E4}">
-                  <adec:decorative xmlns:adec="http://schemas.microsoft.com/office/drawing/2017/decorative" val="1"/>
-                </a:ext>
-              </a:extLst>
-            </p:cNvPr>
-            <p:cNvSpPr/>
-            <p:nvPr>
-              <p:extLst>
-                <p:ext uri="{386F3935-93C4-4BCD-93E2-E3B085C9AB24}">
-                  <p16:designElem xmlns:p16="http://schemas.microsoft.com/office/powerpoint/2015/main" val="1"/>
-                </p:ext>
-              </p:extLst>
-            </p:nvPr>
-          </p:nvSpPr>
-          <p:spPr>
-            <a:xfrm>
-              <a:off x="3940602" y="308034"/>
-              <a:ext cx="566743" cy="3428999"/>
-            </a:xfrm>
-            <a:prstGeom prst="rect">
-              <a:avLst/>
-            </a:prstGeom>
-            <a:grpFill/>
-            <a:ln>
-              <a:noFill/>
-            </a:ln>
-          </p:spPr>
-          <p:style>
-            <a:lnRef idx="2">
-              <a:schemeClr val="accent1">
-                <a:shade val="50000"/>
-              </a:schemeClr>
-            </a:lnRef>
-            <a:fillRef idx="1">
-              <a:schemeClr val="accent1"/>
-            </a:fillRef>
-            <a:effectRef idx="0">
-              <a:schemeClr val="accent1"/>
-            </a:effectRef>
-            <a:fontRef idx="minor">
-              <a:schemeClr val="lt1"/>
-            </a:fontRef>
-          </p:style>
-          <p:txBody>
-            <a:bodyPr rtlCol="0" anchor="ctr"/>
-            <a:lstStyle/>
-            <a:p>
-              <a:pPr algn="ctr"/>
-              <a:endParaRPr lang="en-US"/>
-            </a:p>
-          </p:txBody>
-        </p:sp>
-        <p:sp>
-          <p:nvSpPr>
-            <p:cNvPr id="12" name="Rectangle 11">
-              <a:extLst>
-                <a:ext uri="{FF2B5EF4-FFF2-40B4-BE49-F238E27FC236}">
-                  <a16:creationId xmlns:a16="http://schemas.microsoft.com/office/drawing/2014/main" id="{743ECCAF-29C5-4537-947C-7EA1292463DB}"/>
-                </a:ext>
-                <a:ext uri="{C183D7F6-B498-43B3-948B-1728B52AA6E4}">
-                  <adec:decorative xmlns:adec="http://schemas.microsoft.com/office/drawing/2017/decorative" val="1"/>
-                </a:ext>
-              </a:extLst>
-            </p:cNvPr>
-            <p:cNvSpPr/>
-            <p:nvPr>
-              <p:extLst>
-                <p:ext uri="{386F3935-93C4-4BCD-93E2-E3B085C9AB24}">
-                  <p16:designElem xmlns:p16="http://schemas.microsoft.com/office/powerpoint/2015/main" val="1"/>
-                </p:ext>
-              </p:extLst>
-            </p:nvPr>
-          </p:nvSpPr>
-          <p:spPr>
-            <a:xfrm>
-              <a:off x="4715626" y="308034"/>
-              <a:ext cx="566743" cy="3428999"/>
-            </a:xfrm>
-            <a:prstGeom prst="rect">
-              <a:avLst/>
-            </a:prstGeom>
-            <a:grpFill/>
-            <a:ln>
-              <a:noFill/>
-            </a:ln>
-          </p:spPr>
-          <p:style>
-            <a:lnRef idx="2">
-              <a:schemeClr val="accent1">
-                <a:shade val="50000"/>
-              </a:schemeClr>
-            </a:lnRef>
-            <a:fillRef idx="1">
-              <a:schemeClr val="accent1"/>
-            </a:fillRef>
-            <a:effectRef idx="0">
-              <a:schemeClr val="accent1"/>
-            </a:effectRef>
-            <a:fontRef idx="minor">
-              <a:schemeClr val="lt1"/>
-            </a:fontRef>
-          </p:style>
-          <p:txBody>
-            <a:bodyPr rtlCol="0" anchor="ctr"/>
-            <a:lstStyle/>
-            <a:p>
-              <a:pPr algn="ctr"/>
-              <a:endParaRPr lang="en-US"/>
-            </a:p>
-          </p:txBody>
-        </p:sp>
-        <p:sp>
-          <p:nvSpPr>
-            <p:cNvPr id="13" name="Rectangle 12">
-              <a:extLst>
-                <a:ext uri="{FF2B5EF4-FFF2-40B4-BE49-F238E27FC236}">
-                  <a16:creationId xmlns:a16="http://schemas.microsoft.com/office/drawing/2014/main" id="{ED49787B-8DE6-4467-AD0A-8DECC6E0C2D6}"/>
-                </a:ext>
-                <a:ext uri="{C183D7F6-B498-43B3-948B-1728B52AA6E4}">
-                  <adec:decorative xmlns:adec="http://schemas.microsoft.com/office/drawing/2017/decorative" val="1"/>
-                </a:ext>
-              </a:extLst>
-            </p:cNvPr>
-            <p:cNvSpPr/>
-            <p:nvPr>
-              <p:extLst>
-                <p:ext uri="{386F3935-93C4-4BCD-93E2-E3B085C9AB24}">
-                  <p16:designElem xmlns:p16="http://schemas.microsoft.com/office/powerpoint/2015/main" val="1"/>
-                </p:ext>
-              </p:extLst>
-            </p:nvPr>
-          </p:nvSpPr>
-          <p:spPr>
-            <a:xfrm>
-              <a:off x="5490650" y="308034"/>
-              <a:ext cx="566743" cy="3428999"/>
-            </a:xfrm>
-            <a:prstGeom prst="rect">
-              <a:avLst/>
-            </a:prstGeom>
-            <a:grpFill/>
-            <a:ln>
-              <a:noFill/>
-            </a:ln>
-          </p:spPr>
-          <p:style>
-            <a:lnRef idx="2">
-              <a:schemeClr val="accent1">
-                <a:shade val="50000"/>
-              </a:schemeClr>
-            </a:lnRef>
-            <a:fillRef idx="1">
-              <a:schemeClr val="accent1"/>
-            </a:fillRef>
-            <a:effectRef idx="0">
-              <a:schemeClr val="accent1"/>
-            </a:effectRef>
-            <a:fontRef idx="minor">
-              <a:schemeClr val="lt1"/>
-            </a:fontRef>
-          </p:style>
-          <p:txBody>
-            <a:bodyPr rtlCol="0" anchor="ctr"/>
-            <a:lstStyle/>
-            <a:p>
-              <a:pPr algn="ctr"/>
-              <a:endParaRPr lang="en-US"/>
-            </a:p>
-          </p:txBody>
-        </p:sp>
-      </p:grpSp>
-      <p:sp>
-        <p:nvSpPr>
-          <p:cNvPr id="15" name="Rectangle 14">
-            <a:extLst>
-              <a:ext uri="{FF2B5EF4-FFF2-40B4-BE49-F238E27FC236}">
-                <a16:creationId xmlns:a16="http://schemas.microsoft.com/office/drawing/2014/main" id="{D5B0017B-2ECA-49AF-B397-DC140825DF8D}"/>
-              </a:ext>
-              <a:ext uri="{C183D7F6-B498-43B3-948B-1728B52AA6E4}">
-                <adec:decorative xmlns:adec="http://schemas.microsoft.com/office/drawing/2017/decorative" val="1"/>
-              </a:ext>
-            </a:extLst>
-          </p:cNvPr>
-          <p:cNvSpPr>
-            <a:spLocks noGrp="1" noRot="1" noChangeAspect="1" noMove="1" noResize="1" noEditPoints="1" noAdjustHandles="1" noChangeArrowheads="1" noChangeShapeType="1" noTextEdit="1"/>
-          </p:cNvSpPr>
-          <p:nvPr>
-            <p:extLst>
-              <p:ext uri="{386F3935-93C4-4BCD-93E2-E3B085C9AB24}">
-                <p16:designElem xmlns:p16="http://schemas.microsoft.com/office/powerpoint/2015/main" val="1"/>
-              </p:ext>
-            </p:extLst>
-          </p:nvPr>
-        </p:nvSpPr>
-        <p:spPr>
-          <a:xfrm>
-            <a:off x="640079" y="613954"/>
-            <a:ext cx="10907487" cy="1894116"/>
-          </a:xfrm>
-          <a:prstGeom prst="rect">
-            <a:avLst/>
-          </a:prstGeom>
-          <a:solidFill>
-            <a:schemeClr val="bg1"/>
-          </a:solidFill>
-          <a:ln>
-            <a:noFill/>
-          </a:ln>
-          <a:effectLst>
-            <a:outerShdw blurRad="139700" dist="127000" dir="5400000" algn="t" rotWithShape="0">
-              <a:prstClr val="black">
-                <a:alpha val="15000"/>
-              </a:prstClr>
-            </a:outerShdw>
-          </a:effectLst>
-        </p:spPr>
-        <p:style>
-          <a:lnRef idx="2">
-            <a:schemeClr val="accent1">
-              <a:shade val="50000"/>
-            </a:schemeClr>
-          </a:lnRef>
-          <a:fillRef idx="1">
-            <a:schemeClr val="accent1"/>
-          </a:fillRef>
-          <a:effectRef idx="0">
-            <a:schemeClr val="accent1"/>
-          </a:effectRef>
-          <a:fontRef idx="minor">
-            <a:schemeClr val="lt1"/>
-          </a:fontRef>
-        </p:style>
-        <p:txBody>
-          <a:bodyPr rtlCol="0" anchor="ctr"/>
-          <a:lstStyle/>
-          <a:p>
-            <a:pPr algn="ctr"/>
-            <a:endParaRPr lang="en-US"/>
-          </a:p>
-        </p:txBody>
-      </p:sp>
-      <p:sp>
-        <p:nvSpPr>
-          <p:cNvPr id="2" name="Titolo 1">
-            <a:extLst>
-              <a:ext uri="{FF2B5EF4-FFF2-40B4-BE49-F238E27FC236}">
                 <a16:creationId xmlns:a16="http://schemas.microsoft.com/office/drawing/2014/main" id="{61CE6013-0DA6-53F8-DF57-A28CA83A910E}"/>
               </a:ext>
             </a:extLst>
@@ -6554,522 +5994,6 @@
 </file>
 
 <file path=ppt/slides/slide6.xml><?xml version="1.0" encoding="utf-8"?>
-<p:sld xmlns:a="http://schemas.openxmlformats.org/drawingml/2006/main" xmlns:r="http://schemas.openxmlformats.org/officeDocument/2006/relationships" xmlns:p="http://schemas.openxmlformats.org/presentationml/2006/main">
-  <p:cSld>
-    <p:bg>
-      <p:bgPr>
-        <a:solidFill>
-          <a:schemeClr val="bg1"/>
-        </a:solidFill>
-        <a:effectLst/>
-      </p:bgPr>
-    </p:bg>
-    <p:spTree>
-      <p:nvGrpSpPr>
-        <p:cNvPr id="1" name="">
-          <a:extLst>
-            <a:ext uri="{FF2B5EF4-FFF2-40B4-BE49-F238E27FC236}">
-              <a16:creationId xmlns:a16="http://schemas.microsoft.com/office/drawing/2014/main" id="{6CB55ED4-9078-F8DE-DA2D-015E140980E4}"/>
-            </a:ext>
-          </a:extLst>
-        </p:cNvPr>
-        <p:cNvGrpSpPr/>
-        <p:nvPr/>
-      </p:nvGrpSpPr>
-      <p:grpSpPr>
-        <a:xfrm>
-          <a:off x="0" y="0"/>
-          <a:ext cx="0" cy="0"/>
-          <a:chOff x="0" y="0"/>
-          <a:chExt cx="0" cy="0"/>
-        </a:xfrm>
-      </p:grpSpPr>
-      <p:sp useBgFill="1">
-        <p:nvSpPr>
-          <p:cNvPr id="8" name="Rectangle 7">
-            <a:extLst>
-              <a:ext uri="{FF2B5EF4-FFF2-40B4-BE49-F238E27FC236}">
-                <a16:creationId xmlns:a16="http://schemas.microsoft.com/office/drawing/2014/main" id="{B6CDA21F-E7AF-4C75-8395-33F58D5B0E45}"/>
-              </a:ext>
-              <a:ext uri="{C183D7F6-B498-43B3-948B-1728B52AA6E4}">
-                <adec:decorative xmlns:adec="http://schemas.microsoft.com/office/drawing/2017/decorative" val="1"/>
-              </a:ext>
-            </a:extLst>
-          </p:cNvPr>
-          <p:cNvSpPr>
-            <a:spLocks noGrp="1" noRot="1" noChangeAspect="1" noMove="1" noResize="1" noEditPoints="1" noAdjustHandles="1" noChangeArrowheads="1" noChangeShapeType="1" noTextEdit="1"/>
-          </p:cNvSpPr>
-          <p:nvPr>
-            <p:extLst>
-              <p:ext uri="{386F3935-93C4-4BCD-93E2-E3B085C9AB24}">
-                <p16:designElem xmlns:p16="http://schemas.microsoft.com/office/powerpoint/2015/main" val="1"/>
-              </p:ext>
-            </p:extLst>
-          </p:nvPr>
-        </p:nvSpPr>
-        <p:spPr>
-          <a:xfrm>
-            <a:off x="0" y="0"/>
-            <a:ext cx="12191999" cy="6857365"/>
-          </a:xfrm>
-          <a:prstGeom prst="rect">
-            <a:avLst/>
-          </a:prstGeom>
-          <a:ln>
-            <a:noFill/>
-          </a:ln>
-        </p:spPr>
-        <p:style>
-          <a:lnRef idx="2">
-            <a:schemeClr val="accent1">
-              <a:shade val="50000"/>
-            </a:schemeClr>
-          </a:lnRef>
-          <a:fillRef idx="1">
-            <a:schemeClr val="accent1"/>
-          </a:fillRef>
-          <a:effectRef idx="0">
-            <a:schemeClr val="accent1"/>
-          </a:effectRef>
-          <a:fontRef idx="minor">
-            <a:schemeClr val="lt1"/>
-          </a:fontRef>
-        </p:style>
-        <p:txBody>
-          <a:bodyPr rtlCol="0" anchor="ctr"/>
-          <a:lstStyle/>
-          <a:p>
-            <a:pPr algn="ctr"/>
-            <a:endParaRPr lang="en-US"/>
-          </a:p>
-        </p:txBody>
-      </p:sp>
-      <p:grpSp>
-        <p:nvGrpSpPr>
-          <p:cNvPr id="10" name="Group 9">
-            <a:extLst>
-              <a:ext uri="{FF2B5EF4-FFF2-40B4-BE49-F238E27FC236}">
-                <a16:creationId xmlns:a16="http://schemas.microsoft.com/office/drawing/2014/main" id="{AE1C45F0-260A-458C-96ED-C1F6D2151219}"/>
-              </a:ext>
-              <a:ext uri="{C183D7F6-B498-43B3-948B-1728B52AA6E4}">
-                <adec:decorative xmlns:adec="http://schemas.microsoft.com/office/drawing/2017/decorative" val="1"/>
-              </a:ext>
-            </a:extLst>
-          </p:cNvPr>
-          <p:cNvGrpSpPr>
-            <a:grpSpLocks noGrp="1" noUngrp="1" noRot="1" noChangeAspect="1" noMove="1" noResize="1"/>
-          </p:cNvGrpSpPr>
-          <p:nvPr>
-            <p:extLst>
-              <p:ext uri="{386F3935-93C4-4BCD-93E2-E3B085C9AB24}">
-                <p16:designElem xmlns:p16="http://schemas.microsoft.com/office/powerpoint/2015/main" val="1"/>
-              </p:ext>
-            </p:extLst>
-          </p:nvPr>
-        </p:nvGrpSpPr>
-        <p:grpSpPr>
-          <a:xfrm>
-            <a:off x="4" y="1216597"/>
-            <a:ext cx="731521" cy="673460"/>
-            <a:chOff x="3940602" y="308034"/>
-            <a:chExt cx="2116791" cy="3428999"/>
-          </a:xfrm>
-          <a:solidFill>
-            <a:schemeClr val="accent4"/>
-          </a:solidFill>
-        </p:grpSpPr>
-        <p:sp>
-          <p:nvSpPr>
-            <p:cNvPr id="11" name="Rectangle 10">
-              <a:extLst>
-                <a:ext uri="{FF2B5EF4-FFF2-40B4-BE49-F238E27FC236}">
-                  <a16:creationId xmlns:a16="http://schemas.microsoft.com/office/drawing/2014/main" id="{A6604B49-AD5C-4590-B051-06C8222ECD99}"/>
-                </a:ext>
-                <a:ext uri="{C183D7F6-B498-43B3-948B-1728B52AA6E4}">
-                  <adec:decorative xmlns:adec="http://schemas.microsoft.com/office/drawing/2017/decorative" val="1"/>
-                </a:ext>
-              </a:extLst>
-            </p:cNvPr>
-            <p:cNvSpPr/>
-            <p:nvPr>
-              <p:extLst>
-                <p:ext uri="{386F3935-93C4-4BCD-93E2-E3B085C9AB24}">
-                  <p16:designElem xmlns:p16="http://schemas.microsoft.com/office/powerpoint/2015/main" val="1"/>
-                </p:ext>
-              </p:extLst>
-            </p:nvPr>
-          </p:nvSpPr>
-          <p:spPr>
-            <a:xfrm>
-              <a:off x="3940602" y="308034"/>
-              <a:ext cx="566743" cy="3428999"/>
-            </a:xfrm>
-            <a:prstGeom prst="rect">
-              <a:avLst/>
-            </a:prstGeom>
-            <a:grpFill/>
-            <a:ln>
-              <a:noFill/>
-            </a:ln>
-          </p:spPr>
-          <p:style>
-            <a:lnRef idx="2">
-              <a:schemeClr val="accent1">
-                <a:shade val="50000"/>
-              </a:schemeClr>
-            </a:lnRef>
-            <a:fillRef idx="1">
-              <a:schemeClr val="accent1"/>
-            </a:fillRef>
-            <a:effectRef idx="0">
-              <a:schemeClr val="accent1"/>
-            </a:effectRef>
-            <a:fontRef idx="minor">
-              <a:schemeClr val="lt1"/>
-            </a:fontRef>
-          </p:style>
-          <p:txBody>
-            <a:bodyPr rtlCol="0" anchor="ctr"/>
-            <a:lstStyle/>
-            <a:p>
-              <a:pPr algn="ctr"/>
-              <a:endParaRPr lang="en-US"/>
-            </a:p>
-          </p:txBody>
-        </p:sp>
-        <p:sp>
-          <p:nvSpPr>
-            <p:cNvPr id="12" name="Rectangle 11">
-              <a:extLst>
-                <a:ext uri="{FF2B5EF4-FFF2-40B4-BE49-F238E27FC236}">
-                  <a16:creationId xmlns:a16="http://schemas.microsoft.com/office/drawing/2014/main" id="{743ECCAF-29C5-4537-947C-7EA1292463DB}"/>
-                </a:ext>
-                <a:ext uri="{C183D7F6-B498-43B3-948B-1728B52AA6E4}">
-                  <adec:decorative xmlns:adec="http://schemas.microsoft.com/office/drawing/2017/decorative" val="1"/>
-                </a:ext>
-              </a:extLst>
-            </p:cNvPr>
-            <p:cNvSpPr/>
-            <p:nvPr>
-              <p:extLst>
-                <p:ext uri="{386F3935-93C4-4BCD-93E2-E3B085C9AB24}">
-                  <p16:designElem xmlns:p16="http://schemas.microsoft.com/office/powerpoint/2015/main" val="1"/>
-                </p:ext>
-              </p:extLst>
-            </p:nvPr>
-          </p:nvSpPr>
-          <p:spPr>
-            <a:xfrm>
-              <a:off x="4715626" y="308034"/>
-              <a:ext cx="566743" cy="3428999"/>
-            </a:xfrm>
-            <a:prstGeom prst="rect">
-              <a:avLst/>
-            </a:prstGeom>
-            <a:grpFill/>
-            <a:ln>
-              <a:noFill/>
-            </a:ln>
-          </p:spPr>
-          <p:style>
-            <a:lnRef idx="2">
-              <a:schemeClr val="accent1">
-                <a:shade val="50000"/>
-              </a:schemeClr>
-            </a:lnRef>
-            <a:fillRef idx="1">
-              <a:schemeClr val="accent1"/>
-            </a:fillRef>
-            <a:effectRef idx="0">
-              <a:schemeClr val="accent1"/>
-            </a:effectRef>
-            <a:fontRef idx="minor">
-              <a:schemeClr val="lt1"/>
-            </a:fontRef>
-          </p:style>
-          <p:txBody>
-            <a:bodyPr rtlCol="0" anchor="ctr"/>
-            <a:lstStyle/>
-            <a:p>
-              <a:pPr algn="ctr"/>
-              <a:endParaRPr lang="en-US"/>
-            </a:p>
-          </p:txBody>
-        </p:sp>
-        <p:sp>
-          <p:nvSpPr>
-            <p:cNvPr id="13" name="Rectangle 12">
-              <a:extLst>
-                <a:ext uri="{FF2B5EF4-FFF2-40B4-BE49-F238E27FC236}">
-                  <a16:creationId xmlns:a16="http://schemas.microsoft.com/office/drawing/2014/main" id="{ED49787B-8DE6-4467-AD0A-8DECC6E0C2D6}"/>
-                </a:ext>
-                <a:ext uri="{C183D7F6-B498-43B3-948B-1728B52AA6E4}">
-                  <adec:decorative xmlns:adec="http://schemas.microsoft.com/office/drawing/2017/decorative" val="1"/>
-                </a:ext>
-              </a:extLst>
-            </p:cNvPr>
-            <p:cNvSpPr/>
-            <p:nvPr>
-              <p:extLst>
-                <p:ext uri="{386F3935-93C4-4BCD-93E2-E3B085C9AB24}">
-                  <p16:designElem xmlns:p16="http://schemas.microsoft.com/office/powerpoint/2015/main" val="1"/>
-                </p:ext>
-              </p:extLst>
-            </p:nvPr>
-          </p:nvSpPr>
-          <p:spPr>
-            <a:xfrm>
-              <a:off x="5490650" y="308034"/>
-              <a:ext cx="566743" cy="3428999"/>
-            </a:xfrm>
-            <a:prstGeom prst="rect">
-              <a:avLst/>
-            </a:prstGeom>
-            <a:grpFill/>
-            <a:ln>
-              <a:noFill/>
-            </a:ln>
-          </p:spPr>
-          <p:style>
-            <a:lnRef idx="2">
-              <a:schemeClr val="accent1">
-                <a:shade val="50000"/>
-              </a:schemeClr>
-            </a:lnRef>
-            <a:fillRef idx="1">
-              <a:schemeClr val="accent1"/>
-            </a:fillRef>
-            <a:effectRef idx="0">
-              <a:schemeClr val="accent1"/>
-            </a:effectRef>
-            <a:fontRef idx="minor">
-              <a:schemeClr val="lt1"/>
-            </a:fontRef>
-          </p:style>
-          <p:txBody>
-            <a:bodyPr rtlCol="0" anchor="ctr"/>
-            <a:lstStyle/>
-            <a:p>
-              <a:pPr algn="ctr"/>
-              <a:endParaRPr lang="en-US"/>
-            </a:p>
-          </p:txBody>
-        </p:sp>
-      </p:grpSp>
-      <p:sp>
-        <p:nvSpPr>
-          <p:cNvPr id="15" name="Rectangle 14">
-            <a:extLst>
-              <a:ext uri="{FF2B5EF4-FFF2-40B4-BE49-F238E27FC236}">
-                <a16:creationId xmlns:a16="http://schemas.microsoft.com/office/drawing/2014/main" id="{D5B0017B-2ECA-49AF-B397-DC140825DF8D}"/>
-              </a:ext>
-              <a:ext uri="{C183D7F6-B498-43B3-948B-1728B52AA6E4}">
-                <adec:decorative xmlns:adec="http://schemas.microsoft.com/office/drawing/2017/decorative" val="1"/>
-              </a:ext>
-            </a:extLst>
-          </p:cNvPr>
-          <p:cNvSpPr>
-            <a:spLocks noGrp="1" noRot="1" noChangeAspect="1" noMove="1" noResize="1" noEditPoints="1" noAdjustHandles="1" noChangeArrowheads="1" noChangeShapeType="1" noTextEdit="1"/>
-          </p:cNvSpPr>
-          <p:nvPr>
-            <p:extLst>
-              <p:ext uri="{386F3935-93C4-4BCD-93E2-E3B085C9AB24}">
-                <p16:designElem xmlns:p16="http://schemas.microsoft.com/office/powerpoint/2015/main" val="1"/>
-              </p:ext>
-            </p:extLst>
-          </p:nvPr>
-        </p:nvSpPr>
-        <p:spPr>
-          <a:xfrm>
-            <a:off x="640079" y="613954"/>
-            <a:ext cx="10907487" cy="1894116"/>
-          </a:xfrm>
-          <a:prstGeom prst="rect">
-            <a:avLst/>
-          </a:prstGeom>
-          <a:solidFill>
-            <a:schemeClr val="bg1"/>
-          </a:solidFill>
-          <a:ln>
-            <a:noFill/>
-          </a:ln>
-          <a:effectLst>
-            <a:outerShdw blurRad="139700" dist="127000" dir="5400000" algn="t" rotWithShape="0">
-              <a:prstClr val="black">
-                <a:alpha val="15000"/>
-              </a:prstClr>
-            </a:outerShdw>
-          </a:effectLst>
-        </p:spPr>
-        <p:style>
-          <a:lnRef idx="2">
-            <a:schemeClr val="accent1">
-              <a:shade val="50000"/>
-            </a:schemeClr>
-          </a:lnRef>
-          <a:fillRef idx="1">
-            <a:schemeClr val="accent1"/>
-          </a:fillRef>
-          <a:effectRef idx="0">
-            <a:schemeClr val="accent1"/>
-          </a:effectRef>
-          <a:fontRef idx="minor">
-            <a:schemeClr val="lt1"/>
-          </a:fontRef>
-        </p:style>
-        <p:txBody>
-          <a:bodyPr rtlCol="0" anchor="ctr"/>
-          <a:lstStyle/>
-          <a:p>
-            <a:pPr algn="ctr"/>
-            <a:endParaRPr lang="en-US"/>
-          </a:p>
-        </p:txBody>
-      </p:sp>
-      <p:sp>
-        <p:nvSpPr>
-          <p:cNvPr id="2" name="Titolo 1">
-            <a:extLst>
-              <a:ext uri="{FF2B5EF4-FFF2-40B4-BE49-F238E27FC236}">
-                <a16:creationId xmlns:a16="http://schemas.microsoft.com/office/drawing/2014/main" id="{C3653D14-CC71-5127-CBFC-719C00CFFB17}"/>
-              </a:ext>
-            </a:extLst>
-          </p:cNvPr>
-          <p:cNvSpPr>
-            <a:spLocks noGrp="1"/>
-          </p:cNvSpPr>
-          <p:nvPr>
-            <p:ph type="title"/>
-          </p:nvPr>
-        </p:nvSpPr>
-        <p:spPr>
-          <a:xfrm>
-            <a:off x="1043631" y="809898"/>
-            <a:ext cx="9942716" cy="1554480"/>
-          </a:xfrm>
-        </p:spPr>
-        <p:txBody>
-          <a:bodyPr anchor="ctr">
-            <a:normAutofit/>
-          </a:bodyPr>
-          <a:lstStyle/>
-          <a:p>
-            <a:r>
-              <a:rPr lang="it-IT" sz="4800" dirty="0"/>
-              <a:t>Organizzazione di </a:t>
-            </a:r>
-            <a:r>
-              <a:rPr lang="it-IT" sz="4800"/>
-              <a:t>DjangoCMS</a:t>
-            </a:r>
-            <a:endParaRPr lang="it-IT" sz="4800" dirty="0"/>
-          </a:p>
-        </p:txBody>
-      </p:sp>
-      <p:sp>
-        <p:nvSpPr>
-          <p:cNvPr id="3" name="Segnaposto contenuto 2">
-            <a:extLst>
-              <a:ext uri="{FF2B5EF4-FFF2-40B4-BE49-F238E27FC236}">
-                <a16:creationId xmlns:a16="http://schemas.microsoft.com/office/drawing/2014/main" id="{A9AFD116-0C5E-3CD6-48E9-85374F1D7EF9}"/>
-              </a:ext>
-            </a:extLst>
-          </p:cNvPr>
-          <p:cNvSpPr>
-            <a:spLocks noGrp="1"/>
-          </p:cNvSpPr>
-          <p:nvPr>
-            <p:ph idx="1"/>
-          </p:nvPr>
-        </p:nvSpPr>
-        <p:spPr>
-          <a:xfrm>
-            <a:off x="1045028" y="3017522"/>
-            <a:ext cx="9941319" cy="3124658"/>
-          </a:xfrm>
-        </p:spPr>
-        <p:txBody>
-          <a:bodyPr anchor="ctr">
-            <a:normAutofit/>
-          </a:bodyPr>
-          <a:lstStyle/>
-          <a:p>
-            <a:pPr marL="0" indent="0">
-              <a:buNone/>
-            </a:pPr>
-            <a:r>
-              <a:rPr lang="it-IT" sz="2400" dirty="0"/>
-              <a:t>L’autenticazione …</a:t>
-            </a:r>
-          </a:p>
-        </p:txBody>
-      </p:sp>
-      <p:cxnSp>
-        <p:nvCxnSpPr>
-          <p:cNvPr id="17" name="Straight Connector 16">
-            <a:extLst>
-              <a:ext uri="{FF2B5EF4-FFF2-40B4-BE49-F238E27FC236}">
-                <a16:creationId xmlns:a16="http://schemas.microsoft.com/office/drawing/2014/main" id="{6CF1BAF6-AD41-4082-B212-8A1F9A2E8779}"/>
-              </a:ext>
-              <a:ext uri="{C183D7F6-B498-43B3-948B-1728B52AA6E4}">
-                <adec:decorative xmlns:adec="http://schemas.microsoft.com/office/drawing/2017/decorative" val="1"/>
-              </a:ext>
-            </a:extLst>
-          </p:cNvPr>
-          <p:cNvCxnSpPr>
-            <a:cxnSpLocks noGrp="1" noRot="1" noChangeAspect="1" noMove="1" noResize="1" noEditPoints="1" noAdjustHandles="1" noChangeArrowheads="1" noChangeShapeType="1"/>
-          </p:cNvCxnSpPr>
-          <p:nvPr>
-            <p:extLst>
-              <p:ext uri="{386F3935-93C4-4BCD-93E2-E3B085C9AB24}">
-                <p16:designElem xmlns:p16="http://schemas.microsoft.com/office/powerpoint/2015/main" val="1"/>
-              </p:ext>
-            </p:extLst>
-          </p:nvPr>
-        </p:nvCxnSpPr>
-        <p:spPr>
-          <a:xfrm flipH="1">
-            <a:off x="838200" y="6485313"/>
-            <a:ext cx="10515600" cy="0"/>
-          </a:xfrm>
-          <a:prstGeom prst="line">
-            <a:avLst/>
-          </a:prstGeom>
-          <a:ln w="57150">
-            <a:solidFill>
-              <a:schemeClr val="accent4"/>
-            </a:solidFill>
-          </a:ln>
-        </p:spPr>
-        <p:style>
-          <a:lnRef idx="1">
-            <a:schemeClr val="accent1"/>
-          </a:lnRef>
-          <a:fillRef idx="0">
-            <a:schemeClr val="accent1"/>
-          </a:fillRef>
-          <a:effectRef idx="0">
-            <a:schemeClr val="accent1"/>
-          </a:effectRef>
-          <a:fontRef idx="minor">
-            <a:schemeClr val="tx1"/>
-          </a:fontRef>
-        </p:style>
-      </p:cxnSp>
-    </p:spTree>
-    <p:extLst>
-      <p:ext uri="{BB962C8B-B14F-4D97-AF65-F5344CB8AC3E}">
-        <p14:creationId xmlns:p14="http://schemas.microsoft.com/office/powerpoint/2010/main" val="3535389098"/>
-      </p:ext>
-    </p:extLst>
-  </p:cSld>
-  <p:clrMapOvr>
-    <a:masterClrMapping/>
-  </p:clrMapOvr>
-</p:sld>
-</file>
-
-<file path=ppt/slides/slide7.xml><?xml version="1.0" encoding="utf-8"?>
 <p:sld xmlns:a="http://schemas.openxmlformats.org/drawingml/2006/main" xmlns:r="http://schemas.openxmlformats.org/officeDocument/2006/relationships" xmlns:p="http://schemas.openxmlformats.org/presentationml/2006/main">
   <p:cSld>
     <p:bg>
@@ -7617,7 +6541,7 @@
           <a:p>
             <a:r>
               <a:rPr lang="it-IT" sz="4800" dirty="0"/>
-              <a:t>Test Application</a:t>
+              <a:t>Quiz</a:t>
             </a:r>
           </a:p>
         </p:txBody>
@@ -7753,7 +6677,7 @@
 </p:sld>
 </file>
 
-<file path=ppt/slides/slide8.xml><?xml version="1.0" encoding="utf-8"?>
+<file path=ppt/slides/slide7.xml><?xml version="1.0" encoding="utf-8"?>
 <p:sld xmlns:a="http://schemas.openxmlformats.org/drawingml/2006/main" xmlns:r="http://schemas.openxmlformats.org/officeDocument/2006/relationships" xmlns:p="http://schemas.openxmlformats.org/presentationml/2006/main">
   <p:cSld>
     <p:bg>
@@ -8150,7 +7074,7 @@
           <a:p>
             <a:r>
               <a:rPr lang="it-IT" sz="4800" dirty="0"/>
-              <a:t>Test Application</a:t>
+              <a:t>Quiz</a:t>
             </a:r>
           </a:p>
         </p:txBody>
@@ -8306,7 +7230,7 @@
 </p:sld>
 </file>
 
-<file path=ppt/slides/slide9.xml><?xml version="1.0" encoding="utf-8"?>
+<file path=ppt/slides/slide8.xml><?xml version="1.0" encoding="utf-8"?>
 <p:sld xmlns:a="http://schemas.openxmlformats.org/drawingml/2006/main" xmlns:r="http://schemas.openxmlformats.org/officeDocument/2006/relationships" xmlns:p="http://schemas.openxmlformats.org/presentationml/2006/main">
   <p:cSld>
     <p:bg>
@@ -8732,7 +7656,7 @@
         </p:spPr>
         <p:txBody>
           <a:bodyPr anchor="ctr">
-            <a:normAutofit lnSpcReduction="10000"/>
+            <a:normAutofit/>
           </a:bodyPr>
           <a:lstStyle/>
           <a:p>
@@ -8741,23 +7665,13 @@
             </a:pPr>
             <a:r>
               <a:rPr lang="it-IT" sz="2400" dirty="0"/>
-              <a:t>Per valutare l’accessibilità sono stati usati tre strumenti:</a:t>
+              <a:t>Per valutare l’accessibilità sono stati usati due strumenti:</a:t>
             </a:r>
           </a:p>
           <a:p>
             <a:r>
               <a:rPr lang="it-IT" sz="2400" b="1" dirty="0"/>
               <a:t>Lighthouse</a:t>
-            </a:r>
-          </a:p>
-          <a:p>
-            <a:r>
-              <a:rPr lang="it-IT" sz="2400" b="1" dirty="0" err="1"/>
-              <a:t>Silktide</a:t>
-            </a:r>
-            <a:r>
-              <a:rPr lang="it-IT" sz="2400" dirty="0"/>
-              <a:t> con impostazione WCAG 2.1 AA</a:t>
             </a:r>
           </a:p>
           <a:p>
@@ -8848,6 +7762,597 @@
     <p:extLst>
       <p:ext uri="{BB962C8B-B14F-4D97-AF65-F5344CB8AC3E}">
         <p14:creationId xmlns:p14="http://schemas.microsoft.com/office/powerpoint/2010/main" val="444261878"/>
+      </p:ext>
+    </p:extLst>
+  </p:cSld>
+  <p:clrMapOvr>
+    <a:masterClrMapping/>
+  </p:clrMapOvr>
+</p:sld>
+</file>
+
+<file path=ppt/slides/slide9.xml><?xml version="1.0" encoding="utf-8"?>
+<p:sld xmlns:a="http://schemas.openxmlformats.org/drawingml/2006/main" xmlns:r="http://schemas.openxmlformats.org/officeDocument/2006/relationships" xmlns:p="http://schemas.openxmlformats.org/presentationml/2006/main">
+  <p:cSld>
+    <p:bg>
+      <p:bgPr>
+        <a:solidFill>
+          <a:schemeClr val="bg1"/>
+        </a:solidFill>
+        <a:effectLst/>
+      </p:bgPr>
+    </p:bg>
+    <p:spTree>
+      <p:nvGrpSpPr>
+        <p:cNvPr id="1" name=""/>
+        <p:cNvGrpSpPr/>
+        <p:nvPr/>
+      </p:nvGrpSpPr>
+      <p:grpSpPr>
+        <a:xfrm>
+          <a:off x="0" y="0"/>
+          <a:ext cx="0" cy="0"/>
+          <a:chOff x="0" y="0"/>
+          <a:chExt cx="0" cy="0"/>
+        </a:xfrm>
+      </p:grpSpPr>
+      <p:sp useBgFill="1">
+        <p:nvSpPr>
+          <p:cNvPr id="8" name="Rectangle 7">
+            <a:extLst>
+              <a:ext uri="{FF2B5EF4-FFF2-40B4-BE49-F238E27FC236}">
+                <a16:creationId xmlns:a16="http://schemas.microsoft.com/office/drawing/2014/main" id="{B6CDA21F-E7AF-4C75-8395-33F58D5B0E45}"/>
+              </a:ext>
+              <a:ext uri="{C183D7F6-B498-43B3-948B-1728B52AA6E4}">
+                <adec:decorative xmlns:adec="http://schemas.microsoft.com/office/drawing/2017/decorative" val="1"/>
+              </a:ext>
+            </a:extLst>
+          </p:cNvPr>
+          <p:cNvSpPr>
+            <a:spLocks noGrp="1" noRot="1" noChangeAspect="1" noMove="1" noResize="1" noEditPoints="1" noAdjustHandles="1" noChangeArrowheads="1" noChangeShapeType="1" noTextEdit="1"/>
+          </p:cNvSpPr>
+          <p:nvPr>
+            <p:extLst>
+              <p:ext uri="{386F3935-93C4-4BCD-93E2-E3B085C9AB24}">
+                <p16:designElem xmlns:p16="http://schemas.microsoft.com/office/powerpoint/2015/main" val="1"/>
+              </p:ext>
+            </p:extLst>
+          </p:nvPr>
+        </p:nvSpPr>
+        <p:spPr>
+          <a:xfrm>
+            <a:off x="0" y="0"/>
+            <a:ext cx="12191999" cy="6857365"/>
+          </a:xfrm>
+          <a:prstGeom prst="rect">
+            <a:avLst/>
+          </a:prstGeom>
+          <a:ln>
+            <a:noFill/>
+          </a:ln>
+        </p:spPr>
+        <p:style>
+          <a:lnRef idx="2">
+            <a:schemeClr val="accent1">
+              <a:shade val="50000"/>
+            </a:schemeClr>
+          </a:lnRef>
+          <a:fillRef idx="1">
+            <a:schemeClr val="accent1"/>
+          </a:fillRef>
+          <a:effectRef idx="0">
+            <a:schemeClr val="accent1"/>
+          </a:effectRef>
+          <a:fontRef idx="minor">
+            <a:schemeClr val="lt1"/>
+          </a:fontRef>
+        </p:style>
+        <p:txBody>
+          <a:bodyPr rtlCol="0" anchor="ctr"/>
+          <a:lstStyle/>
+          <a:p>
+            <a:pPr algn="ctr"/>
+            <a:endParaRPr lang="en-US"/>
+          </a:p>
+        </p:txBody>
+      </p:sp>
+      <p:grpSp>
+        <p:nvGrpSpPr>
+          <p:cNvPr id="10" name="Group 9">
+            <a:extLst>
+              <a:ext uri="{FF2B5EF4-FFF2-40B4-BE49-F238E27FC236}">
+                <a16:creationId xmlns:a16="http://schemas.microsoft.com/office/drawing/2014/main" id="{AE1C45F0-260A-458C-96ED-C1F6D2151219}"/>
+              </a:ext>
+              <a:ext uri="{C183D7F6-B498-43B3-948B-1728B52AA6E4}">
+                <adec:decorative xmlns:adec="http://schemas.microsoft.com/office/drawing/2017/decorative" val="1"/>
+              </a:ext>
+            </a:extLst>
+          </p:cNvPr>
+          <p:cNvGrpSpPr>
+            <a:grpSpLocks noGrp="1" noUngrp="1" noRot="1" noChangeAspect="1" noMove="1" noResize="1"/>
+          </p:cNvGrpSpPr>
+          <p:nvPr>
+            <p:extLst>
+              <p:ext uri="{386F3935-93C4-4BCD-93E2-E3B085C9AB24}">
+                <p16:designElem xmlns:p16="http://schemas.microsoft.com/office/powerpoint/2015/main" val="1"/>
+              </p:ext>
+            </p:extLst>
+          </p:nvPr>
+        </p:nvGrpSpPr>
+        <p:grpSpPr>
+          <a:xfrm>
+            <a:off x="4" y="1216597"/>
+            <a:ext cx="731521" cy="673460"/>
+            <a:chOff x="3940602" y="308034"/>
+            <a:chExt cx="2116791" cy="3428999"/>
+          </a:xfrm>
+          <a:solidFill>
+            <a:schemeClr val="accent4"/>
+          </a:solidFill>
+        </p:grpSpPr>
+        <p:sp>
+          <p:nvSpPr>
+            <p:cNvPr id="11" name="Rectangle 10">
+              <a:extLst>
+                <a:ext uri="{FF2B5EF4-FFF2-40B4-BE49-F238E27FC236}">
+                  <a16:creationId xmlns:a16="http://schemas.microsoft.com/office/drawing/2014/main" id="{A6604B49-AD5C-4590-B051-06C8222ECD99}"/>
+                </a:ext>
+                <a:ext uri="{C183D7F6-B498-43B3-948B-1728B52AA6E4}">
+                  <adec:decorative xmlns:adec="http://schemas.microsoft.com/office/drawing/2017/decorative" val="1"/>
+                </a:ext>
+              </a:extLst>
+            </p:cNvPr>
+            <p:cNvSpPr/>
+            <p:nvPr>
+              <p:extLst>
+                <p:ext uri="{386F3935-93C4-4BCD-93E2-E3B085C9AB24}">
+                  <p16:designElem xmlns:p16="http://schemas.microsoft.com/office/powerpoint/2015/main" val="1"/>
+                </p:ext>
+              </p:extLst>
+            </p:nvPr>
+          </p:nvSpPr>
+          <p:spPr>
+            <a:xfrm>
+              <a:off x="3940602" y="308034"/>
+              <a:ext cx="566743" cy="3428999"/>
+            </a:xfrm>
+            <a:prstGeom prst="rect">
+              <a:avLst/>
+            </a:prstGeom>
+            <a:grpFill/>
+            <a:ln>
+              <a:noFill/>
+            </a:ln>
+          </p:spPr>
+          <p:style>
+            <a:lnRef idx="2">
+              <a:schemeClr val="accent1">
+                <a:shade val="50000"/>
+              </a:schemeClr>
+            </a:lnRef>
+            <a:fillRef idx="1">
+              <a:schemeClr val="accent1"/>
+            </a:fillRef>
+            <a:effectRef idx="0">
+              <a:schemeClr val="accent1"/>
+            </a:effectRef>
+            <a:fontRef idx="minor">
+              <a:schemeClr val="lt1"/>
+            </a:fontRef>
+          </p:style>
+          <p:txBody>
+            <a:bodyPr rtlCol="0" anchor="ctr"/>
+            <a:lstStyle/>
+            <a:p>
+              <a:pPr algn="ctr"/>
+              <a:endParaRPr lang="en-US"/>
+            </a:p>
+          </p:txBody>
+        </p:sp>
+        <p:sp>
+          <p:nvSpPr>
+            <p:cNvPr id="12" name="Rectangle 11">
+              <a:extLst>
+                <a:ext uri="{FF2B5EF4-FFF2-40B4-BE49-F238E27FC236}">
+                  <a16:creationId xmlns:a16="http://schemas.microsoft.com/office/drawing/2014/main" id="{743ECCAF-29C5-4537-947C-7EA1292463DB}"/>
+                </a:ext>
+                <a:ext uri="{C183D7F6-B498-43B3-948B-1728B52AA6E4}">
+                  <adec:decorative xmlns:adec="http://schemas.microsoft.com/office/drawing/2017/decorative" val="1"/>
+                </a:ext>
+              </a:extLst>
+            </p:cNvPr>
+            <p:cNvSpPr/>
+            <p:nvPr>
+              <p:extLst>
+                <p:ext uri="{386F3935-93C4-4BCD-93E2-E3B085C9AB24}">
+                  <p16:designElem xmlns:p16="http://schemas.microsoft.com/office/powerpoint/2015/main" val="1"/>
+                </p:ext>
+              </p:extLst>
+            </p:nvPr>
+          </p:nvSpPr>
+          <p:spPr>
+            <a:xfrm>
+              <a:off x="4715626" y="308034"/>
+              <a:ext cx="566743" cy="3428999"/>
+            </a:xfrm>
+            <a:prstGeom prst="rect">
+              <a:avLst/>
+            </a:prstGeom>
+            <a:grpFill/>
+            <a:ln>
+              <a:noFill/>
+            </a:ln>
+          </p:spPr>
+          <p:style>
+            <a:lnRef idx="2">
+              <a:schemeClr val="accent1">
+                <a:shade val="50000"/>
+              </a:schemeClr>
+            </a:lnRef>
+            <a:fillRef idx="1">
+              <a:schemeClr val="accent1"/>
+            </a:fillRef>
+            <a:effectRef idx="0">
+              <a:schemeClr val="accent1"/>
+            </a:effectRef>
+            <a:fontRef idx="minor">
+              <a:schemeClr val="lt1"/>
+            </a:fontRef>
+          </p:style>
+          <p:txBody>
+            <a:bodyPr rtlCol="0" anchor="ctr"/>
+            <a:lstStyle/>
+            <a:p>
+              <a:pPr algn="ctr"/>
+              <a:endParaRPr lang="en-US"/>
+            </a:p>
+          </p:txBody>
+        </p:sp>
+        <p:sp>
+          <p:nvSpPr>
+            <p:cNvPr id="13" name="Rectangle 12">
+              <a:extLst>
+                <a:ext uri="{FF2B5EF4-FFF2-40B4-BE49-F238E27FC236}">
+                  <a16:creationId xmlns:a16="http://schemas.microsoft.com/office/drawing/2014/main" id="{ED49787B-8DE6-4467-AD0A-8DECC6E0C2D6}"/>
+                </a:ext>
+                <a:ext uri="{C183D7F6-B498-43B3-948B-1728B52AA6E4}">
+                  <adec:decorative xmlns:adec="http://schemas.microsoft.com/office/drawing/2017/decorative" val="1"/>
+                </a:ext>
+              </a:extLst>
+            </p:cNvPr>
+            <p:cNvSpPr/>
+            <p:nvPr>
+              <p:extLst>
+                <p:ext uri="{386F3935-93C4-4BCD-93E2-E3B085C9AB24}">
+                  <p16:designElem xmlns:p16="http://schemas.microsoft.com/office/powerpoint/2015/main" val="1"/>
+                </p:ext>
+              </p:extLst>
+            </p:nvPr>
+          </p:nvSpPr>
+          <p:spPr>
+            <a:xfrm>
+              <a:off x="5490650" y="308034"/>
+              <a:ext cx="566743" cy="3428999"/>
+            </a:xfrm>
+            <a:prstGeom prst="rect">
+              <a:avLst/>
+            </a:prstGeom>
+            <a:grpFill/>
+            <a:ln>
+              <a:noFill/>
+            </a:ln>
+          </p:spPr>
+          <p:style>
+            <a:lnRef idx="2">
+              <a:schemeClr val="accent1">
+                <a:shade val="50000"/>
+              </a:schemeClr>
+            </a:lnRef>
+            <a:fillRef idx="1">
+              <a:schemeClr val="accent1"/>
+            </a:fillRef>
+            <a:effectRef idx="0">
+              <a:schemeClr val="accent1"/>
+            </a:effectRef>
+            <a:fontRef idx="minor">
+              <a:schemeClr val="lt1"/>
+            </a:fontRef>
+          </p:style>
+          <p:txBody>
+            <a:bodyPr rtlCol="0" anchor="ctr"/>
+            <a:lstStyle/>
+            <a:p>
+              <a:pPr algn="ctr"/>
+              <a:endParaRPr lang="en-US"/>
+            </a:p>
+          </p:txBody>
+        </p:sp>
+      </p:grpSp>
+      <p:sp>
+        <p:nvSpPr>
+          <p:cNvPr id="15" name="Rectangle 14">
+            <a:extLst>
+              <a:ext uri="{FF2B5EF4-FFF2-40B4-BE49-F238E27FC236}">
+                <a16:creationId xmlns:a16="http://schemas.microsoft.com/office/drawing/2014/main" id="{D5B0017B-2ECA-49AF-B397-DC140825DF8D}"/>
+              </a:ext>
+              <a:ext uri="{C183D7F6-B498-43B3-948B-1728B52AA6E4}">
+                <adec:decorative xmlns:adec="http://schemas.microsoft.com/office/drawing/2017/decorative" val="1"/>
+              </a:ext>
+            </a:extLst>
+          </p:cNvPr>
+          <p:cNvSpPr>
+            <a:spLocks noGrp="1" noRot="1" noChangeAspect="1" noMove="1" noResize="1" noEditPoints="1" noAdjustHandles="1" noChangeArrowheads="1" noChangeShapeType="1" noTextEdit="1"/>
+          </p:cNvSpPr>
+          <p:nvPr>
+            <p:extLst>
+              <p:ext uri="{386F3935-93C4-4BCD-93E2-E3B085C9AB24}">
+                <p16:designElem xmlns:p16="http://schemas.microsoft.com/office/powerpoint/2015/main" val="1"/>
+              </p:ext>
+            </p:extLst>
+          </p:nvPr>
+        </p:nvSpPr>
+        <p:spPr>
+          <a:xfrm>
+            <a:off x="640079" y="613954"/>
+            <a:ext cx="10907487" cy="1894116"/>
+          </a:xfrm>
+          <a:prstGeom prst="rect">
+            <a:avLst/>
+          </a:prstGeom>
+          <a:solidFill>
+            <a:schemeClr val="bg1"/>
+          </a:solidFill>
+          <a:ln>
+            <a:noFill/>
+          </a:ln>
+          <a:effectLst>
+            <a:outerShdw blurRad="139700" dist="127000" dir="5400000" algn="t" rotWithShape="0">
+              <a:prstClr val="black">
+                <a:alpha val="15000"/>
+              </a:prstClr>
+            </a:outerShdw>
+          </a:effectLst>
+        </p:spPr>
+        <p:style>
+          <a:lnRef idx="2">
+            <a:schemeClr val="accent1">
+              <a:shade val="50000"/>
+            </a:schemeClr>
+          </a:lnRef>
+          <a:fillRef idx="1">
+            <a:schemeClr val="accent1"/>
+          </a:fillRef>
+          <a:effectRef idx="0">
+            <a:schemeClr val="accent1"/>
+          </a:effectRef>
+          <a:fontRef idx="minor">
+            <a:schemeClr val="lt1"/>
+          </a:fontRef>
+        </p:style>
+        <p:txBody>
+          <a:bodyPr rtlCol="0" anchor="ctr"/>
+          <a:lstStyle/>
+          <a:p>
+            <a:pPr algn="ctr"/>
+            <a:endParaRPr lang="en-US"/>
+          </a:p>
+        </p:txBody>
+      </p:sp>
+      <p:sp>
+        <p:nvSpPr>
+          <p:cNvPr id="2" name="Titolo 1">
+            <a:extLst>
+              <a:ext uri="{FF2B5EF4-FFF2-40B4-BE49-F238E27FC236}">
+                <a16:creationId xmlns:a16="http://schemas.microsoft.com/office/drawing/2014/main" id="{0B69A792-AEFC-9943-4AB1-6C72919C105B}"/>
+              </a:ext>
+            </a:extLst>
+          </p:cNvPr>
+          <p:cNvSpPr>
+            <a:spLocks noGrp="1"/>
+          </p:cNvSpPr>
+          <p:nvPr>
+            <p:ph type="title"/>
+          </p:nvPr>
+        </p:nvSpPr>
+        <p:spPr>
+          <a:xfrm>
+            <a:off x="1043631" y="809898"/>
+            <a:ext cx="9942716" cy="1554480"/>
+          </a:xfrm>
+        </p:spPr>
+        <p:txBody>
+          <a:bodyPr anchor="ctr">
+            <a:normAutofit/>
+          </a:bodyPr>
+          <a:lstStyle/>
+          <a:p>
+            <a:r>
+              <a:rPr lang="it-IT" sz="4800"/>
+              <a:t>Accessibilità: criteri</a:t>
+            </a:r>
+          </a:p>
+        </p:txBody>
+      </p:sp>
+      <p:sp>
+        <p:nvSpPr>
+          <p:cNvPr id="3" name="Segnaposto contenuto 2">
+            <a:extLst>
+              <a:ext uri="{FF2B5EF4-FFF2-40B4-BE49-F238E27FC236}">
+                <a16:creationId xmlns:a16="http://schemas.microsoft.com/office/drawing/2014/main" id="{3D9F59F4-A8B5-D948-5E7D-0ABD535D3B25}"/>
+              </a:ext>
+            </a:extLst>
+          </p:cNvPr>
+          <p:cNvSpPr>
+            <a:spLocks noGrp="1"/>
+          </p:cNvSpPr>
+          <p:nvPr>
+            <p:ph idx="1"/>
+          </p:nvPr>
+        </p:nvSpPr>
+        <p:spPr>
+          <a:xfrm>
+            <a:off x="1045028" y="3017522"/>
+            <a:ext cx="9941319" cy="3124658"/>
+          </a:xfrm>
+        </p:spPr>
+        <p:txBody>
+          <a:bodyPr anchor="ctr">
+            <a:normAutofit/>
+          </a:bodyPr>
+          <a:lstStyle/>
+          <a:p>
+            <a:r>
+              <a:rPr lang="it-IT" sz="2200" b="0" i="0" u="none" strike="noStrike" baseline="0">
+                <a:latin typeface="TT Commons Pro"/>
+              </a:rPr>
+              <a:t>Ordine </a:t>
+            </a:r>
+            <a:r>
+              <a:rPr lang="it-IT" sz="2200">
+                <a:latin typeface="TT Commons Pro"/>
+              </a:rPr>
+              <a:t>dei tag rispettato (es H1 H2 H3 … e non H1 H3 H4)</a:t>
+            </a:r>
+            <a:endParaRPr lang="it-IT" sz="2200" b="0" i="0" u="none" strike="noStrike" baseline="0">
+              <a:latin typeface="TT Commons Pro"/>
+            </a:endParaRPr>
+          </a:p>
+          <a:p>
+            <a:r>
+              <a:rPr lang="it-IT" sz="2200" b="0" i="0" u="none" strike="noStrike" baseline="0">
+                <a:latin typeface="TTCommonsPro-Bd"/>
+              </a:rPr>
+              <a:t>Contrasto di colore </a:t>
+            </a:r>
+            <a:r>
+              <a:rPr lang="it-IT" sz="2200" b="0" i="0" u="none" strike="noStrike" baseline="0">
+                <a:latin typeface="TTCommonsPro-Rg"/>
+              </a:rPr>
+              <a:t>minimo 4.5:1 per il testo normale e 3:1 per il testo grande</a:t>
+            </a:r>
+          </a:p>
+          <a:p>
+            <a:r>
+              <a:rPr lang="it-IT" sz="2200">
+                <a:latin typeface="TTCommonsPro-Rg"/>
+              </a:rPr>
+              <a:t>L</a:t>
+            </a:r>
+            <a:r>
+              <a:rPr lang="it-IT" sz="2200" b="0" i="0" u="none" strike="noStrike" baseline="0">
+                <a:latin typeface="TTCommonsPro-Rg"/>
+              </a:rPr>
+              <a:t>'ordine di focus degli elementi interattivi deve seguire un percorso logico e intuitivo e l'indicatore di focus deve essere di un colore contrastante con lo sfondo.</a:t>
+            </a:r>
+          </a:p>
+          <a:p>
+            <a:pPr lvl="1"/>
+            <a:r>
+              <a:rPr lang="it-IT" sz="2200">
+                <a:latin typeface="TTCommonsPro-Rg"/>
+              </a:rPr>
+              <a:t>Tab per selezionare gli elementi andando avanti</a:t>
+            </a:r>
+          </a:p>
+          <a:p>
+            <a:pPr lvl="1"/>
+            <a:r>
+              <a:rPr lang="it-IT" sz="2200" b="0" i="0" u="none" strike="noStrike" baseline="0">
+                <a:latin typeface="TTCommonsPro-Rg"/>
+              </a:rPr>
+              <a:t>Shift Tab per selezionare gli elementi andando indietro</a:t>
+            </a:r>
+          </a:p>
+          <a:p>
+            <a:pPr lvl="1"/>
+            <a:r>
+              <a:rPr lang="it-IT" sz="2200">
+                <a:latin typeface="TTCommonsPro-Rg"/>
+              </a:rPr>
+              <a:t>Spazio per aprire i menu a tendina</a:t>
+            </a:r>
+          </a:p>
+          <a:p>
+            <a:pPr lvl="1"/>
+            <a:r>
+              <a:rPr lang="it-IT" sz="2200" b="0" i="0" u="none" strike="noStrike" baseline="0">
+                <a:latin typeface="TTCommonsPro-Rg"/>
+              </a:rPr>
+              <a:t>Invio per premere un link/pulsante selezionato</a:t>
+            </a:r>
+          </a:p>
+          <a:p>
+            <a:pPr marL="457200" lvl="1" indent="0">
+              <a:buNone/>
+            </a:pPr>
+            <a:endParaRPr lang="it-IT" sz="2200" b="0" i="0" u="none" strike="noStrike" baseline="0">
+              <a:latin typeface="TTCommonsPro-Rg"/>
+            </a:endParaRPr>
+          </a:p>
+          <a:p>
+            <a:pPr marL="0" indent="0">
+              <a:buNone/>
+            </a:pPr>
+            <a:endParaRPr lang="it-IT" sz="2200"/>
+          </a:p>
+        </p:txBody>
+      </p:sp>
+      <p:cxnSp>
+        <p:nvCxnSpPr>
+          <p:cNvPr id="17" name="Straight Connector 16">
+            <a:extLst>
+              <a:ext uri="{FF2B5EF4-FFF2-40B4-BE49-F238E27FC236}">
+                <a16:creationId xmlns:a16="http://schemas.microsoft.com/office/drawing/2014/main" id="{6CF1BAF6-AD41-4082-B212-8A1F9A2E8779}"/>
+              </a:ext>
+              <a:ext uri="{C183D7F6-B498-43B3-948B-1728B52AA6E4}">
+                <adec:decorative xmlns:adec="http://schemas.microsoft.com/office/drawing/2017/decorative" val="1"/>
+              </a:ext>
+            </a:extLst>
+          </p:cNvPr>
+          <p:cNvCxnSpPr>
+            <a:cxnSpLocks noGrp="1" noRot="1" noChangeAspect="1" noMove="1" noResize="1" noEditPoints="1" noAdjustHandles="1" noChangeArrowheads="1" noChangeShapeType="1"/>
+          </p:cNvCxnSpPr>
+          <p:nvPr>
+            <p:extLst>
+              <p:ext uri="{386F3935-93C4-4BCD-93E2-E3B085C9AB24}">
+                <p16:designElem xmlns:p16="http://schemas.microsoft.com/office/powerpoint/2015/main" val="1"/>
+              </p:ext>
+            </p:extLst>
+          </p:nvPr>
+        </p:nvCxnSpPr>
+        <p:spPr>
+          <a:xfrm flipH="1">
+            <a:off x="838200" y="6485313"/>
+            <a:ext cx="10515600" cy="0"/>
+          </a:xfrm>
+          <a:prstGeom prst="line">
+            <a:avLst/>
+          </a:prstGeom>
+          <a:ln w="57150">
+            <a:solidFill>
+              <a:schemeClr val="accent4"/>
+            </a:solidFill>
+          </a:ln>
+        </p:spPr>
+        <p:style>
+          <a:lnRef idx="1">
+            <a:schemeClr val="accent1"/>
+          </a:lnRef>
+          <a:fillRef idx="0">
+            <a:schemeClr val="accent1"/>
+          </a:fillRef>
+          <a:effectRef idx="0">
+            <a:schemeClr val="accent1"/>
+          </a:effectRef>
+          <a:fontRef idx="minor">
+            <a:schemeClr val="tx1"/>
+          </a:fontRef>
+        </p:style>
+      </p:cxnSp>
+    </p:spTree>
+    <p:extLst>
+      <p:ext uri="{BB962C8B-B14F-4D97-AF65-F5344CB8AC3E}">
+        <p14:creationId xmlns:p14="http://schemas.microsoft.com/office/powerpoint/2010/main" val="2078212111"/>
       </p:ext>
     </p:extLst>
   </p:cSld>
